--- a/E-Genetics/Proposal/genetics(2).pptx
+++ b/E-Genetics/Proposal/genetics(2).pptx
@@ -95,10 +95,8 @@
             <a:noAutofit/>
           </a:bodyPr>
           <a:p>
-            <a:endParaRPr b="0" lang="en-US" sz="1400" spc="-1" strike="noStrike">
-              <a:solidFill>
-                <a:srgbClr val="000000"/>
-              </a:solidFill>
+            <a:pPr algn="ctr"/>
+            <a:endParaRPr b="0" lang="en-US" sz="4400" spc="-1" strike="noStrike">
               <a:latin typeface="Arial"/>
             </a:endParaRPr>
           </a:p>
@@ -128,10 +126,7 @@
             <a:normAutofit/>
           </a:bodyPr>
           <a:p>
-            <a:endParaRPr b="0" lang="en-US" sz="1400" spc="-1" strike="noStrike">
-              <a:solidFill>
-                <a:srgbClr val="000000"/>
-              </a:solidFill>
+            <a:endParaRPr b="0" lang="en-US" sz="3200" spc="-1" strike="noStrike">
               <a:latin typeface="Arial"/>
             </a:endParaRPr>
           </a:p>
@@ -161,10 +156,7 @@
             <a:normAutofit/>
           </a:bodyPr>
           <a:p>
-            <a:endParaRPr b="0" lang="en-US" sz="1400" spc="-1" strike="noStrike">
-              <a:solidFill>
-                <a:srgbClr val="000000"/>
-              </a:solidFill>
+            <a:endParaRPr b="0" lang="en-US" sz="3200" spc="-1" strike="noStrike">
               <a:latin typeface="Arial"/>
             </a:endParaRPr>
           </a:p>
@@ -216,10 +208,8 @@
             <a:noAutofit/>
           </a:bodyPr>
           <a:p>
-            <a:endParaRPr b="0" lang="en-US" sz="1400" spc="-1" strike="noStrike">
-              <a:solidFill>
-                <a:srgbClr val="000000"/>
-              </a:solidFill>
+            <a:pPr algn="ctr"/>
+            <a:endParaRPr b="0" lang="en-US" sz="4400" spc="-1" strike="noStrike">
               <a:latin typeface="Arial"/>
             </a:endParaRPr>
           </a:p>
@@ -249,10 +239,7 @@
             <a:normAutofit/>
           </a:bodyPr>
           <a:p>
-            <a:endParaRPr b="0" lang="en-US" sz="1400" spc="-1" strike="noStrike">
-              <a:solidFill>
-                <a:srgbClr val="000000"/>
-              </a:solidFill>
+            <a:endParaRPr b="0" lang="en-US" sz="3200" spc="-1" strike="noStrike">
               <a:latin typeface="Arial"/>
             </a:endParaRPr>
           </a:p>
@@ -282,10 +269,7 @@
             <a:normAutofit/>
           </a:bodyPr>
           <a:p>
-            <a:endParaRPr b="0" lang="en-US" sz="1400" spc="-1" strike="noStrike">
-              <a:solidFill>
-                <a:srgbClr val="000000"/>
-              </a:solidFill>
+            <a:endParaRPr b="0" lang="en-US" sz="3200" spc="-1" strike="noStrike">
               <a:latin typeface="Arial"/>
             </a:endParaRPr>
           </a:p>
@@ -315,10 +299,7 @@
             <a:normAutofit/>
           </a:bodyPr>
           <a:p>
-            <a:endParaRPr b="0" lang="en-US" sz="1400" spc="-1" strike="noStrike">
-              <a:solidFill>
-                <a:srgbClr val="000000"/>
-              </a:solidFill>
+            <a:endParaRPr b="0" lang="en-US" sz="3200" spc="-1" strike="noStrike">
               <a:latin typeface="Arial"/>
             </a:endParaRPr>
           </a:p>
@@ -348,10 +329,7 @@
             <a:normAutofit/>
           </a:bodyPr>
           <a:p>
-            <a:endParaRPr b="0" lang="en-US" sz="1400" spc="-1" strike="noStrike">
-              <a:solidFill>
-                <a:srgbClr val="000000"/>
-              </a:solidFill>
+            <a:endParaRPr b="0" lang="en-US" sz="3200" spc="-1" strike="noStrike">
               <a:latin typeface="Arial"/>
             </a:endParaRPr>
           </a:p>
@@ -403,10 +381,8 @@
             <a:noAutofit/>
           </a:bodyPr>
           <a:p>
-            <a:endParaRPr b="0" lang="en-US" sz="1400" spc="-1" strike="noStrike">
-              <a:solidFill>
-                <a:srgbClr val="000000"/>
-              </a:solidFill>
+            <a:pPr algn="ctr"/>
+            <a:endParaRPr b="0" lang="en-US" sz="4400" spc="-1" strike="noStrike">
               <a:latin typeface="Arial"/>
             </a:endParaRPr>
           </a:p>
@@ -436,10 +412,7 @@
             <a:normAutofit/>
           </a:bodyPr>
           <a:p>
-            <a:endParaRPr b="0" lang="en-US" sz="1400" spc="-1" strike="noStrike">
-              <a:solidFill>
-                <a:srgbClr val="000000"/>
-              </a:solidFill>
+            <a:endParaRPr b="0" lang="en-US" sz="3200" spc="-1" strike="noStrike">
               <a:latin typeface="Arial"/>
             </a:endParaRPr>
           </a:p>
@@ -469,10 +442,7 @@
             <a:normAutofit/>
           </a:bodyPr>
           <a:p>
-            <a:endParaRPr b="0" lang="en-US" sz="1400" spc="-1" strike="noStrike">
-              <a:solidFill>
-                <a:srgbClr val="000000"/>
-              </a:solidFill>
+            <a:endParaRPr b="0" lang="en-US" sz="3200" spc="-1" strike="noStrike">
               <a:latin typeface="Arial"/>
             </a:endParaRPr>
           </a:p>
@@ -502,10 +472,7 @@
             <a:normAutofit/>
           </a:bodyPr>
           <a:p>
-            <a:endParaRPr b="0" lang="en-US" sz="1400" spc="-1" strike="noStrike">
-              <a:solidFill>
-                <a:srgbClr val="000000"/>
-              </a:solidFill>
+            <a:endParaRPr b="0" lang="en-US" sz="3200" spc="-1" strike="noStrike">
               <a:latin typeface="Arial"/>
             </a:endParaRPr>
           </a:p>
@@ -535,10 +502,7 @@
             <a:normAutofit/>
           </a:bodyPr>
           <a:p>
-            <a:endParaRPr b="0" lang="en-US" sz="1400" spc="-1" strike="noStrike">
-              <a:solidFill>
-                <a:srgbClr val="000000"/>
-              </a:solidFill>
+            <a:endParaRPr b="0" lang="en-US" sz="3200" spc="-1" strike="noStrike">
               <a:latin typeface="Arial"/>
             </a:endParaRPr>
           </a:p>
@@ -568,10 +532,7 @@
             <a:normAutofit/>
           </a:bodyPr>
           <a:p>
-            <a:endParaRPr b="0" lang="en-US" sz="1400" spc="-1" strike="noStrike">
-              <a:solidFill>
-                <a:srgbClr val="000000"/>
-              </a:solidFill>
+            <a:endParaRPr b="0" lang="en-US" sz="3200" spc="-1" strike="noStrike">
               <a:latin typeface="Arial"/>
             </a:endParaRPr>
           </a:p>
@@ -601,10 +562,7 @@
             <a:normAutofit/>
           </a:bodyPr>
           <a:p>
-            <a:endParaRPr b="0" lang="en-US" sz="1400" spc="-1" strike="noStrike">
-              <a:solidFill>
-                <a:srgbClr val="000000"/>
-              </a:solidFill>
+            <a:endParaRPr b="0" lang="en-US" sz="3200" spc="-1" strike="noStrike">
               <a:latin typeface="Arial"/>
             </a:endParaRPr>
           </a:p>
@@ -678,10 +636,8 @@
             <a:noAutofit/>
           </a:bodyPr>
           <a:p>
-            <a:endParaRPr b="0" lang="en-US" sz="1400" spc="-1" strike="noStrike">
-              <a:solidFill>
-                <a:srgbClr val="000000"/>
-              </a:solidFill>
+            <a:pPr algn="ctr"/>
+            <a:endParaRPr b="0" lang="en-US" sz="4400" spc="-1" strike="noStrike">
               <a:latin typeface="Arial"/>
             </a:endParaRPr>
           </a:p>
@@ -764,10 +720,8 @@
             <a:noAutofit/>
           </a:bodyPr>
           <a:p>
-            <a:endParaRPr b="0" lang="en-US" sz="1400" spc="-1" strike="noStrike">
-              <a:solidFill>
-                <a:srgbClr val="000000"/>
-              </a:solidFill>
+            <a:pPr algn="ctr"/>
+            <a:endParaRPr b="0" lang="en-US" sz="4400" spc="-1" strike="noStrike">
               <a:latin typeface="Arial"/>
             </a:endParaRPr>
           </a:p>
@@ -797,10 +751,7 @@
             <a:normAutofit/>
           </a:bodyPr>
           <a:p>
-            <a:endParaRPr b="0" lang="en-US" sz="1400" spc="-1" strike="noStrike">
-              <a:solidFill>
-                <a:srgbClr val="000000"/>
-              </a:solidFill>
+            <a:endParaRPr b="0" lang="en-US" sz="3200" spc="-1" strike="noStrike">
               <a:latin typeface="Arial"/>
             </a:endParaRPr>
           </a:p>
@@ -852,10 +803,8 @@
             <a:noAutofit/>
           </a:bodyPr>
           <a:p>
-            <a:endParaRPr b="0" lang="en-US" sz="1400" spc="-1" strike="noStrike">
-              <a:solidFill>
-                <a:srgbClr val="000000"/>
-              </a:solidFill>
+            <a:pPr algn="ctr"/>
+            <a:endParaRPr b="0" lang="en-US" sz="4400" spc="-1" strike="noStrike">
               <a:latin typeface="Arial"/>
             </a:endParaRPr>
           </a:p>
@@ -885,10 +834,7 @@
             <a:normAutofit/>
           </a:bodyPr>
           <a:p>
-            <a:endParaRPr b="0" lang="en-US" sz="1400" spc="-1" strike="noStrike">
-              <a:solidFill>
-                <a:srgbClr val="000000"/>
-              </a:solidFill>
+            <a:endParaRPr b="0" lang="en-US" sz="3200" spc="-1" strike="noStrike">
               <a:latin typeface="Arial"/>
             </a:endParaRPr>
           </a:p>
@@ -918,10 +864,7 @@
             <a:normAutofit/>
           </a:bodyPr>
           <a:p>
-            <a:endParaRPr b="0" lang="en-US" sz="1400" spc="-1" strike="noStrike">
-              <a:solidFill>
-                <a:srgbClr val="000000"/>
-              </a:solidFill>
+            <a:endParaRPr b="0" lang="en-US" sz="3200" spc="-1" strike="noStrike">
               <a:latin typeface="Arial"/>
             </a:endParaRPr>
           </a:p>
@@ -973,10 +916,8 @@
             <a:noAutofit/>
           </a:bodyPr>
           <a:p>
-            <a:endParaRPr b="0" lang="en-US" sz="1400" spc="-1" strike="noStrike">
-              <a:solidFill>
-                <a:srgbClr val="000000"/>
-              </a:solidFill>
+            <a:pPr algn="ctr"/>
+            <a:endParaRPr b="0" lang="en-US" sz="4400" spc="-1" strike="noStrike">
               <a:latin typeface="Arial"/>
             </a:endParaRPr>
           </a:p>
@@ -1081,10 +1022,8 @@
             <a:noAutofit/>
           </a:bodyPr>
           <a:p>
-            <a:endParaRPr b="0" lang="en-US" sz="1400" spc="-1" strike="noStrike">
-              <a:solidFill>
-                <a:srgbClr val="000000"/>
-              </a:solidFill>
+            <a:pPr algn="ctr"/>
+            <a:endParaRPr b="0" lang="en-US" sz="4400" spc="-1" strike="noStrike">
               <a:latin typeface="Arial"/>
             </a:endParaRPr>
           </a:p>
@@ -1114,10 +1053,7 @@
             <a:normAutofit/>
           </a:bodyPr>
           <a:p>
-            <a:endParaRPr b="0" lang="en-US" sz="1400" spc="-1" strike="noStrike">
-              <a:solidFill>
-                <a:srgbClr val="000000"/>
-              </a:solidFill>
+            <a:endParaRPr b="0" lang="en-US" sz="3200" spc="-1" strike="noStrike">
               <a:latin typeface="Arial"/>
             </a:endParaRPr>
           </a:p>
@@ -1147,10 +1083,7 @@
             <a:normAutofit/>
           </a:bodyPr>
           <a:p>
-            <a:endParaRPr b="0" lang="en-US" sz="1400" spc="-1" strike="noStrike">
-              <a:solidFill>
-                <a:srgbClr val="000000"/>
-              </a:solidFill>
+            <a:endParaRPr b="0" lang="en-US" sz="3200" spc="-1" strike="noStrike">
               <a:latin typeface="Arial"/>
             </a:endParaRPr>
           </a:p>
@@ -1180,10 +1113,7 @@
             <a:normAutofit/>
           </a:bodyPr>
           <a:p>
-            <a:endParaRPr b="0" lang="en-US" sz="1400" spc="-1" strike="noStrike">
-              <a:solidFill>
-                <a:srgbClr val="000000"/>
-              </a:solidFill>
+            <a:endParaRPr b="0" lang="en-US" sz="3200" spc="-1" strike="noStrike">
               <a:latin typeface="Arial"/>
             </a:endParaRPr>
           </a:p>
@@ -1235,10 +1165,8 @@
             <a:noAutofit/>
           </a:bodyPr>
           <a:p>
-            <a:endParaRPr b="0" lang="en-US" sz="1400" spc="-1" strike="noStrike">
-              <a:solidFill>
-                <a:srgbClr val="000000"/>
-              </a:solidFill>
+            <a:pPr algn="ctr"/>
+            <a:endParaRPr b="0" lang="en-US" sz="4400" spc="-1" strike="noStrike">
               <a:latin typeface="Arial"/>
             </a:endParaRPr>
           </a:p>
@@ -1321,10 +1249,8 @@
             <a:noAutofit/>
           </a:bodyPr>
           <a:p>
-            <a:endParaRPr b="0" lang="en-US" sz="1400" spc="-1" strike="noStrike">
-              <a:solidFill>
-                <a:srgbClr val="000000"/>
-              </a:solidFill>
+            <a:pPr algn="ctr"/>
+            <a:endParaRPr b="0" lang="en-US" sz="4400" spc="-1" strike="noStrike">
               <a:latin typeface="Arial"/>
             </a:endParaRPr>
           </a:p>
@@ -1354,10 +1280,7 @@
             <a:normAutofit/>
           </a:bodyPr>
           <a:p>
-            <a:endParaRPr b="0" lang="en-US" sz="1400" spc="-1" strike="noStrike">
-              <a:solidFill>
-                <a:srgbClr val="000000"/>
-              </a:solidFill>
+            <a:endParaRPr b="0" lang="en-US" sz="3200" spc="-1" strike="noStrike">
               <a:latin typeface="Arial"/>
             </a:endParaRPr>
           </a:p>
@@ -1387,10 +1310,7 @@
             <a:normAutofit/>
           </a:bodyPr>
           <a:p>
-            <a:endParaRPr b="0" lang="en-US" sz="1400" spc="-1" strike="noStrike">
-              <a:solidFill>
-                <a:srgbClr val="000000"/>
-              </a:solidFill>
+            <a:endParaRPr b="0" lang="en-US" sz="3200" spc="-1" strike="noStrike">
               <a:latin typeface="Arial"/>
             </a:endParaRPr>
           </a:p>
@@ -1420,10 +1340,7 @@
             <a:normAutofit/>
           </a:bodyPr>
           <a:p>
-            <a:endParaRPr b="0" lang="en-US" sz="1400" spc="-1" strike="noStrike">
-              <a:solidFill>
-                <a:srgbClr val="000000"/>
-              </a:solidFill>
+            <a:endParaRPr b="0" lang="en-US" sz="3200" spc="-1" strike="noStrike">
               <a:latin typeface="Arial"/>
             </a:endParaRPr>
           </a:p>
@@ -1475,10 +1392,8 @@
             <a:noAutofit/>
           </a:bodyPr>
           <a:p>
-            <a:endParaRPr b="0" lang="en-US" sz="1400" spc="-1" strike="noStrike">
-              <a:solidFill>
-                <a:srgbClr val="000000"/>
-              </a:solidFill>
+            <a:pPr algn="ctr"/>
+            <a:endParaRPr b="0" lang="en-US" sz="4400" spc="-1" strike="noStrike">
               <a:latin typeface="Arial"/>
             </a:endParaRPr>
           </a:p>
@@ -1508,10 +1423,7 @@
             <a:normAutofit/>
           </a:bodyPr>
           <a:p>
-            <a:endParaRPr b="0" lang="en-US" sz="1400" spc="-1" strike="noStrike">
-              <a:solidFill>
-                <a:srgbClr val="000000"/>
-              </a:solidFill>
+            <a:endParaRPr b="0" lang="en-US" sz="3200" spc="-1" strike="noStrike">
               <a:latin typeface="Arial"/>
             </a:endParaRPr>
           </a:p>
@@ -1541,10 +1453,7 @@
             <a:normAutofit/>
           </a:bodyPr>
           <a:p>
-            <a:endParaRPr b="0" lang="en-US" sz="1400" spc="-1" strike="noStrike">
-              <a:solidFill>
-                <a:srgbClr val="000000"/>
-              </a:solidFill>
+            <a:endParaRPr b="0" lang="en-US" sz="3200" spc="-1" strike="noStrike">
               <a:latin typeface="Arial"/>
             </a:endParaRPr>
           </a:p>
@@ -1574,10 +1483,7 @@
             <a:normAutofit/>
           </a:bodyPr>
           <a:p>
-            <a:endParaRPr b="0" lang="en-US" sz="1400" spc="-1" strike="noStrike">
-              <a:solidFill>
-                <a:srgbClr val="000000"/>
-              </a:solidFill>
+            <a:endParaRPr b="0" lang="en-US" sz="3200" spc="-1" strike="noStrike">
               <a:latin typeface="Arial"/>
             </a:endParaRPr>
           </a:p>
@@ -1629,10 +1535,8 @@
             <a:noAutofit/>
           </a:bodyPr>
           <a:p>
-            <a:endParaRPr b="0" lang="en-US" sz="1400" spc="-1" strike="noStrike">
-              <a:solidFill>
-                <a:srgbClr val="000000"/>
-              </a:solidFill>
+            <a:pPr algn="ctr"/>
+            <a:endParaRPr b="0" lang="en-US" sz="4400" spc="-1" strike="noStrike">
               <a:latin typeface="Arial"/>
             </a:endParaRPr>
           </a:p>
@@ -1662,10 +1566,7 @@
             <a:normAutofit/>
           </a:bodyPr>
           <a:p>
-            <a:endParaRPr b="0" lang="en-US" sz="1400" spc="-1" strike="noStrike">
-              <a:solidFill>
-                <a:srgbClr val="000000"/>
-              </a:solidFill>
+            <a:endParaRPr b="0" lang="en-US" sz="3200" spc="-1" strike="noStrike">
               <a:latin typeface="Arial"/>
             </a:endParaRPr>
           </a:p>
@@ -1695,10 +1596,7 @@
             <a:normAutofit/>
           </a:bodyPr>
           <a:p>
-            <a:endParaRPr b="0" lang="en-US" sz="1400" spc="-1" strike="noStrike">
-              <a:solidFill>
-                <a:srgbClr val="000000"/>
-              </a:solidFill>
+            <a:endParaRPr b="0" lang="en-US" sz="3200" spc="-1" strike="noStrike">
               <a:latin typeface="Arial"/>
             </a:endParaRPr>
           </a:p>
@@ -1750,10 +1648,8 @@
             <a:noAutofit/>
           </a:bodyPr>
           <a:p>
-            <a:endParaRPr b="0" lang="en-US" sz="1400" spc="-1" strike="noStrike">
-              <a:solidFill>
-                <a:srgbClr val="000000"/>
-              </a:solidFill>
+            <a:pPr algn="ctr"/>
+            <a:endParaRPr b="0" lang="en-US" sz="4400" spc="-1" strike="noStrike">
               <a:latin typeface="Arial"/>
             </a:endParaRPr>
           </a:p>
@@ -1783,10 +1679,7 @@
             <a:normAutofit/>
           </a:bodyPr>
           <a:p>
-            <a:endParaRPr b="0" lang="en-US" sz="1400" spc="-1" strike="noStrike">
-              <a:solidFill>
-                <a:srgbClr val="000000"/>
-              </a:solidFill>
+            <a:endParaRPr b="0" lang="en-US" sz="3200" spc="-1" strike="noStrike">
               <a:latin typeface="Arial"/>
             </a:endParaRPr>
           </a:p>
@@ -1816,10 +1709,7 @@
             <a:normAutofit/>
           </a:bodyPr>
           <a:p>
-            <a:endParaRPr b="0" lang="en-US" sz="1400" spc="-1" strike="noStrike">
-              <a:solidFill>
-                <a:srgbClr val="000000"/>
-              </a:solidFill>
+            <a:endParaRPr b="0" lang="en-US" sz="3200" spc="-1" strike="noStrike">
               <a:latin typeface="Arial"/>
             </a:endParaRPr>
           </a:p>
@@ -1849,10 +1739,7 @@
             <a:normAutofit/>
           </a:bodyPr>
           <a:p>
-            <a:endParaRPr b="0" lang="en-US" sz="1400" spc="-1" strike="noStrike">
-              <a:solidFill>
-                <a:srgbClr val="000000"/>
-              </a:solidFill>
+            <a:endParaRPr b="0" lang="en-US" sz="3200" spc="-1" strike="noStrike">
               <a:latin typeface="Arial"/>
             </a:endParaRPr>
           </a:p>
@@ -1882,10 +1769,7 @@
             <a:normAutofit/>
           </a:bodyPr>
           <a:p>
-            <a:endParaRPr b="0" lang="en-US" sz="1400" spc="-1" strike="noStrike">
-              <a:solidFill>
-                <a:srgbClr val="000000"/>
-              </a:solidFill>
+            <a:endParaRPr b="0" lang="en-US" sz="3200" spc="-1" strike="noStrike">
               <a:latin typeface="Arial"/>
             </a:endParaRPr>
           </a:p>
@@ -1937,10 +1821,8 @@
             <a:noAutofit/>
           </a:bodyPr>
           <a:p>
-            <a:endParaRPr b="0" lang="en-US" sz="1400" spc="-1" strike="noStrike">
-              <a:solidFill>
-                <a:srgbClr val="000000"/>
-              </a:solidFill>
+            <a:pPr algn="ctr"/>
+            <a:endParaRPr b="0" lang="en-US" sz="4400" spc="-1" strike="noStrike">
               <a:latin typeface="Arial"/>
             </a:endParaRPr>
           </a:p>
@@ -1970,10 +1852,7 @@
             <a:normAutofit/>
           </a:bodyPr>
           <a:p>
-            <a:endParaRPr b="0" lang="en-US" sz="1400" spc="-1" strike="noStrike">
-              <a:solidFill>
-                <a:srgbClr val="000000"/>
-              </a:solidFill>
+            <a:endParaRPr b="0" lang="en-US" sz="3200" spc="-1" strike="noStrike">
               <a:latin typeface="Arial"/>
             </a:endParaRPr>
           </a:p>
@@ -2003,10 +1882,7 @@
             <a:normAutofit/>
           </a:bodyPr>
           <a:p>
-            <a:endParaRPr b="0" lang="en-US" sz="1400" spc="-1" strike="noStrike">
-              <a:solidFill>
-                <a:srgbClr val="000000"/>
-              </a:solidFill>
+            <a:endParaRPr b="0" lang="en-US" sz="3200" spc="-1" strike="noStrike">
               <a:latin typeface="Arial"/>
             </a:endParaRPr>
           </a:p>
@@ -2036,10 +1912,7 @@
             <a:normAutofit/>
           </a:bodyPr>
           <a:p>
-            <a:endParaRPr b="0" lang="en-US" sz="1400" spc="-1" strike="noStrike">
-              <a:solidFill>
-                <a:srgbClr val="000000"/>
-              </a:solidFill>
+            <a:endParaRPr b="0" lang="en-US" sz="3200" spc="-1" strike="noStrike">
               <a:latin typeface="Arial"/>
             </a:endParaRPr>
           </a:p>
@@ -2069,10 +1942,7 @@
             <a:normAutofit/>
           </a:bodyPr>
           <a:p>
-            <a:endParaRPr b="0" lang="en-US" sz="1400" spc="-1" strike="noStrike">
-              <a:solidFill>
-                <a:srgbClr val="000000"/>
-              </a:solidFill>
+            <a:endParaRPr b="0" lang="en-US" sz="3200" spc="-1" strike="noStrike">
               <a:latin typeface="Arial"/>
             </a:endParaRPr>
           </a:p>
@@ -2102,10 +1972,7 @@
             <a:normAutofit/>
           </a:bodyPr>
           <a:p>
-            <a:endParaRPr b="0" lang="en-US" sz="1400" spc="-1" strike="noStrike">
-              <a:solidFill>
-                <a:srgbClr val="000000"/>
-              </a:solidFill>
+            <a:endParaRPr b="0" lang="en-US" sz="3200" spc="-1" strike="noStrike">
               <a:latin typeface="Arial"/>
             </a:endParaRPr>
           </a:p>
@@ -2135,10 +2002,7 @@
             <a:normAutofit/>
           </a:bodyPr>
           <a:p>
-            <a:endParaRPr b="0" lang="en-US" sz="1400" spc="-1" strike="noStrike">
-              <a:solidFill>
-                <a:srgbClr val="000000"/>
-              </a:solidFill>
+            <a:endParaRPr b="0" lang="en-US" sz="3200" spc="-1" strike="noStrike">
               <a:latin typeface="Arial"/>
             </a:endParaRPr>
           </a:p>
@@ -2190,10 +2054,8 @@
             <a:noAutofit/>
           </a:bodyPr>
           <a:p>
-            <a:endParaRPr b="0" lang="en-US" sz="1400" spc="-1" strike="noStrike">
-              <a:solidFill>
-                <a:srgbClr val="000000"/>
-              </a:solidFill>
+            <a:pPr algn="ctr"/>
+            <a:endParaRPr b="0" lang="en-US" sz="4400" spc="-1" strike="noStrike">
               <a:latin typeface="Arial"/>
             </a:endParaRPr>
           </a:p>
@@ -2223,10 +2085,7 @@
             <a:normAutofit/>
           </a:bodyPr>
           <a:p>
-            <a:endParaRPr b="0" lang="en-US" sz="1400" spc="-1" strike="noStrike">
-              <a:solidFill>
-                <a:srgbClr val="000000"/>
-              </a:solidFill>
+            <a:endParaRPr b="0" lang="en-US" sz="3200" spc="-1" strike="noStrike">
               <a:latin typeface="Arial"/>
             </a:endParaRPr>
           </a:p>
@@ -2278,10 +2137,8 @@
             <a:noAutofit/>
           </a:bodyPr>
           <a:p>
-            <a:endParaRPr b="0" lang="en-US" sz="1400" spc="-1" strike="noStrike">
-              <a:solidFill>
-                <a:srgbClr val="000000"/>
-              </a:solidFill>
+            <a:pPr algn="ctr"/>
+            <a:endParaRPr b="0" lang="en-US" sz="4400" spc="-1" strike="noStrike">
               <a:latin typeface="Arial"/>
             </a:endParaRPr>
           </a:p>
@@ -2311,10 +2168,7 @@
             <a:normAutofit/>
           </a:bodyPr>
           <a:p>
-            <a:endParaRPr b="0" lang="en-US" sz="1400" spc="-1" strike="noStrike">
-              <a:solidFill>
-                <a:srgbClr val="000000"/>
-              </a:solidFill>
+            <a:endParaRPr b="0" lang="en-US" sz="3200" spc="-1" strike="noStrike">
               <a:latin typeface="Arial"/>
             </a:endParaRPr>
           </a:p>
@@ -2344,10 +2198,7 @@
             <a:normAutofit/>
           </a:bodyPr>
           <a:p>
-            <a:endParaRPr b="0" lang="en-US" sz="1400" spc="-1" strike="noStrike">
-              <a:solidFill>
-                <a:srgbClr val="000000"/>
-              </a:solidFill>
+            <a:endParaRPr b="0" lang="en-US" sz="3200" spc="-1" strike="noStrike">
               <a:latin typeface="Arial"/>
             </a:endParaRPr>
           </a:p>
@@ -2399,10 +2250,8 @@
             <a:noAutofit/>
           </a:bodyPr>
           <a:p>
-            <a:endParaRPr b="0" lang="en-US" sz="1400" spc="-1" strike="noStrike">
-              <a:solidFill>
-                <a:srgbClr val="000000"/>
-              </a:solidFill>
+            <a:pPr algn="ctr"/>
+            <a:endParaRPr b="0" lang="en-US" sz="4400" spc="-1" strike="noStrike">
               <a:latin typeface="Arial"/>
             </a:endParaRPr>
           </a:p>
@@ -2507,10 +2356,8 @@
             <a:noAutofit/>
           </a:bodyPr>
           <a:p>
-            <a:endParaRPr b="0" lang="en-US" sz="1400" spc="-1" strike="noStrike">
-              <a:solidFill>
-                <a:srgbClr val="000000"/>
-              </a:solidFill>
+            <a:pPr algn="ctr"/>
+            <a:endParaRPr b="0" lang="en-US" sz="4400" spc="-1" strike="noStrike">
               <a:latin typeface="Arial"/>
             </a:endParaRPr>
           </a:p>
@@ -2540,10 +2387,7 @@
             <a:normAutofit/>
           </a:bodyPr>
           <a:p>
-            <a:endParaRPr b="0" lang="en-US" sz="1400" spc="-1" strike="noStrike">
-              <a:solidFill>
-                <a:srgbClr val="000000"/>
-              </a:solidFill>
+            <a:endParaRPr b="0" lang="en-US" sz="3200" spc="-1" strike="noStrike">
               <a:latin typeface="Arial"/>
             </a:endParaRPr>
           </a:p>
@@ -2573,10 +2417,7 @@
             <a:normAutofit/>
           </a:bodyPr>
           <a:p>
-            <a:endParaRPr b="0" lang="en-US" sz="1400" spc="-1" strike="noStrike">
-              <a:solidFill>
-                <a:srgbClr val="000000"/>
-              </a:solidFill>
+            <a:endParaRPr b="0" lang="en-US" sz="3200" spc="-1" strike="noStrike">
               <a:latin typeface="Arial"/>
             </a:endParaRPr>
           </a:p>
@@ -2606,10 +2447,7 @@
             <a:normAutofit/>
           </a:bodyPr>
           <a:p>
-            <a:endParaRPr b="0" lang="en-US" sz="1400" spc="-1" strike="noStrike">
-              <a:solidFill>
-                <a:srgbClr val="000000"/>
-              </a:solidFill>
+            <a:endParaRPr b="0" lang="en-US" sz="3200" spc="-1" strike="noStrike">
               <a:latin typeface="Arial"/>
             </a:endParaRPr>
           </a:p>
@@ -2661,10 +2499,8 @@
             <a:noAutofit/>
           </a:bodyPr>
           <a:p>
-            <a:endParaRPr b="0" lang="en-US" sz="1400" spc="-1" strike="noStrike">
-              <a:solidFill>
-                <a:srgbClr val="000000"/>
-              </a:solidFill>
+            <a:pPr algn="ctr"/>
+            <a:endParaRPr b="0" lang="en-US" sz="4400" spc="-1" strike="noStrike">
               <a:latin typeface="Arial"/>
             </a:endParaRPr>
           </a:p>
@@ -2694,10 +2530,7 @@
             <a:normAutofit/>
           </a:bodyPr>
           <a:p>
-            <a:endParaRPr b="0" lang="en-US" sz="1400" spc="-1" strike="noStrike">
-              <a:solidFill>
-                <a:srgbClr val="000000"/>
-              </a:solidFill>
+            <a:endParaRPr b="0" lang="en-US" sz="3200" spc="-1" strike="noStrike">
               <a:latin typeface="Arial"/>
             </a:endParaRPr>
           </a:p>
@@ -2727,10 +2560,7 @@
             <a:normAutofit/>
           </a:bodyPr>
           <a:p>
-            <a:endParaRPr b="0" lang="en-US" sz="1400" spc="-1" strike="noStrike">
-              <a:solidFill>
-                <a:srgbClr val="000000"/>
-              </a:solidFill>
+            <a:endParaRPr b="0" lang="en-US" sz="3200" spc="-1" strike="noStrike">
               <a:latin typeface="Arial"/>
             </a:endParaRPr>
           </a:p>
@@ -2760,10 +2590,7 @@
             <a:normAutofit/>
           </a:bodyPr>
           <a:p>
-            <a:endParaRPr b="0" lang="en-US" sz="1400" spc="-1" strike="noStrike">
-              <a:solidFill>
-                <a:srgbClr val="000000"/>
-              </a:solidFill>
+            <a:endParaRPr b="0" lang="en-US" sz="3200" spc="-1" strike="noStrike">
               <a:latin typeface="Arial"/>
             </a:endParaRPr>
           </a:p>
@@ -2815,10 +2642,8 @@
             <a:noAutofit/>
           </a:bodyPr>
           <a:p>
-            <a:endParaRPr b="0" lang="en-US" sz="1400" spc="-1" strike="noStrike">
-              <a:solidFill>
-                <a:srgbClr val="000000"/>
-              </a:solidFill>
+            <a:pPr algn="ctr"/>
+            <a:endParaRPr b="0" lang="en-US" sz="4400" spc="-1" strike="noStrike">
               <a:latin typeface="Arial"/>
             </a:endParaRPr>
           </a:p>
@@ -2848,10 +2673,7 @@
             <a:normAutofit/>
           </a:bodyPr>
           <a:p>
-            <a:endParaRPr b="0" lang="en-US" sz="1400" spc="-1" strike="noStrike">
-              <a:solidFill>
-                <a:srgbClr val="000000"/>
-              </a:solidFill>
+            <a:endParaRPr b="0" lang="en-US" sz="3200" spc="-1" strike="noStrike">
               <a:latin typeface="Arial"/>
             </a:endParaRPr>
           </a:p>
@@ -2881,10 +2703,7 @@
             <a:normAutofit/>
           </a:bodyPr>
           <a:p>
-            <a:endParaRPr b="0" lang="en-US" sz="1400" spc="-1" strike="noStrike">
-              <a:solidFill>
-                <a:srgbClr val="000000"/>
-              </a:solidFill>
+            <a:endParaRPr b="0" lang="en-US" sz="3200" spc="-1" strike="noStrike">
               <a:latin typeface="Arial"/>
             </a:endParaRPr>
           </a:p>
@@ -2914,10 +2733,7 @@
             <a:normAutofit/>
           </a:bodyPr>
           <a:p>
-            <a:endParaRPr b="0" lang="en-US" sz="1400" spc="-1" strike="noStrike">
-              <a:solidFill>
-                <a:srgbClr val="000000"/>
-              </a:solidFill>
+            <a:endParaRPr b="0" lang="en-US" sz="3200" spc="-1" strike="noStrike">
               <a:latin typeface="Arial"/>
             </a:endParaRPr>
           </a:p>
@@ -2961,7 +2777,7 @@
         <p:spPr>
           <a:xfrm>
             <a:off x="446400" y="457200"/>
-            <a:ext cx="3701880" cy="93600"/>
+            <a:ext cx="3701520" cy="93240"/>
           </a:xfrm>
           <a:prstGeom prst="rect">
             <a:avLst/>
@@ -2996,7 +2812,7 @@
         <p:spPr>
           <a:xfrm>
             <a:off x="8042040" y="453600"/>
-            <a:ext cx="3701880" cy="97200"/>
+            <a:ext cx="3701520" cy="96840"/>
           </a:xfrm>
           <a:prstGeom prst="rect">
             <a:avLst/>
@@ -3031,7 +2847,7 @@
         <p:spPr>
           <a:xfrm>
             <a:off x="4241880" y="457200"/>
-            <a:ext cx="3701880" cy="90000"/>
+            <a:ext cx="3701520" cy="89640"/>
           </a:xfrm>
           <a:prstGeom prst="rect">
             <a:avLst/>
@@ -3066,7 +2882,7 @@
         <p:spPr>
           <a:xfrm>
             <a:off x="446400" y="3085920"/>
-            <a:ext cx="11261520" cy="3303360"/>
+            <a:ext cx="11261160" cy="3303000"/>
           </a:xfrm>
           <a:prstGeom prst="rect">
             <a:avLst/>
@@ -3116,19 +2932,14 @@
             <a:noAutofit/>
           </a:bodyPr>
           <a:p>
+            <a:pPr algn="ctr"/>
             <a:r>
-              <a:rPr b="0" lang="en-US" sz="1400" spc="-1" strike="noStrike">
-                <a:solidFill>
-                  <a:srgbClr val="000000"/>
-                </a:solidFill>
+              <a:rPr b="0" lang="en-US" sz="4400" spc="-1" strike="noStrike">
                 <a:latin typeface="Arial"/>
               </a:rPr>
               <a:t>Click to edit the title text format</a:t>
             </a:r>
-            <a:endParaRPr b="0" lang="en-US" sz="1400" spc="-1" strike="noStrike">
-              <a:solidFill>
-                <a:srgbClr val="000000"/>
-              </a:solidFill>
+            <a:endParaRPr b="0" lang="en-US" sz="4400" spc="-1" strike="noStrike">
               <a:latin typeface="Arial"/>
             </a:endParaRPr>
           </a:p>
@@ -3170,18 +2981,12 @@
               <a:buChar char=""/>
             </a:pPr>
             <a:r>
-              <a:rPr b="0" lang="en-US" sz="1400" spc="-1" strike="noStrike">
-                <a:solidFill>
-                  <a:srgbClr val="000000"/>
-                </a:solidFill>
+              <a:rPr b="0" lang="en-US" sz="3200" spc="-1" strike="noStrike">
                 <a:latin typeface="Arial"/>
               </a:rPr>
               <a:t>Click to edit the outline text format</a:t>
             </a:r>
-            <a:endParaRPr b="0" lang="en-US" sz="1400" spc="-1" strike="noStrike">
-              <a:solidFill>
-                <a:srgbClr val="000000"/>
-              </a:solidFill>
+            <a:endParaRPr b="0" lang="en-US" sz="3200" spc="-1" strike="noStrike">
               <a:latin typeface="Arial"/>
             </a:endParaRPr>
           </a:p>
@@ -3198,18 +3003,12 @@
               <a:buChar char=""/>
             </a:pPr>
             <a:r>
-              <a:rPr b="0" lang="en-US" sz="1400" spc="-1" strike="noStrike">
-                <a:solidFill>
-                  <a:srgbClr val="000000"/>
-                </a:solidFill>
+              <a:rPr b="0" lang="en-US" sz="2800" spc="-1" strike="noStrike">
                 <a:latin typeface="Arial"/>
               </a:rPr>
               <a:t>Second Outline Level</a:t>
             </a:r>
-            <a:endParaRPr b="0" lang="en-US" sz="1400" spc="-1" strike="noStrike">
-              <a:solidFill>
-                <a:srgbClr val="000000"/>
-              </a:solidFill>
+            <a:endParaRPr b="0" lang="en-US" sz="2800" spc="-1" strike="noStrike">
               <a:latin typeface="Arial"/>
             </a:endParaRPr>
           </a:p>
@@ -3226,18 +3025,12 @@
               <a:buChar char=""/>
             </a:pPr>
             <a:r>
-              <a:rPr b="0" lang="en-US" sz="1400" spc="-1" strike="noStrike">
-                <a:solidFill>
-                  <a:srgbClr val="000000"/>
-                </a:solidFill>
+              <a:rPr b="0" lang="en-US" sz="2400" spc="-1" strike="noStrike">
                 <a:latin typeface="Arial"/>
               </a:rPr>
               <a:t>Third Outline Level</a:t>
             </a:r>
-            <a:endParaRPr b="0" lang="en-US" sz="1400" spc="-1" strike="noStrike">
-              <a:solidFill>
-                <a:srgbClr val="000000"/>
-              </a:solidFill>
+            <a:endParaRPr b="0" lang="en-US" sz="2400" spc="-1" strike="noStrike">
               <a:latin typeface="Arial"/>
             </a:endParaRPr>
           </a:p>
@@ -3254,18 +3047,12 @@
               <a:buChar char=""/>
             </a:pPr>
             <a:r>
-              <a:rPr b="0" lang="en-US" sz="1400" spc="-1" strike="noStrike">
-                <a:solidFill>
-                  <a:srgbClr val="000000"/>
-                </a:solidFill>
+              <a:rPr b="0" lang="en-US" sz="2000" spc="-1" strike="noStrike">
                 <a:latin typeface="Arial"/>
               </a:rPr>
               <a:t>Fourth Outline Level</a:t>
             </a:r>
-            <a:endParaRPr b="0" lang="en-US" sz="1400" spc="-1" strike="noStrike">
-              <a:solidFill>
-                <a:srgbClr val="000000"/>
-              </a:solidFill>
+            <a:endParaRPr b="0" lang="en-US" sz="2000" spc="-1" strike="noStrike">
               <a:latin typeface="Arial"/>
             </a:endParaRPr>
           </a:p>
@@ -3283,17 +3070,11 @@
             </a:pPr>
             <a:r>
               <a:rPr b="0" lang="en-US" sz="2000" spc="-1" strike="noStrike">
-                <a:solidFill>
-                  <a:srgbClr val="000000"/>
-                </a:solidFill>
                 <a:latin typeface="Arial"/>
               </a:rPr>
               <a:t>Fifth Outline Level</a:t>
             </a:r>
             <a:endParaRPr b="0" lang="en-US" sz="2000" spc="-1" strike="noStrike">
-              <a:solidFill>
-                <a:srgbClr val="000000"/>
-              </a:solidFill>
               <a:latin typeface="Arial"/>
             </a:endParaRPr>
           </a:p>
@@ -3311,17 +3092,11 @@
             </a:pPr>
             <a:r>
               <a:rPr b="0" lang="en-US" sz="2000" spc="-1" strike="noStrike">
-                <a:solidFill>
-                  <a:srgbClr val="000000"/>
-                </a:solidFill>
                 <a:latin typeface="Arial"/>
               </a:rPr>
               <a:t>Sixth Outline Level</a:t>
             </a:r>
             <a:endParaRPr b="0" lang="en-US" sz="2000" spc="-1" strike="noStrike">
-              <a:solidFill>
-                <a:srgbClr val="000000"/>
-              </a:solidFill>
               <a:latin typeface="Arial"/>
             </a:endParaRPr>
           </a:p>
@@ -3339,17 +3114,11 @@
             </a:pPr>
             <a:r>
               <a:rPr b="0" lang="en-US" sz="2000" spc="-1" strike="noStrike">
-                <a:solidFill>
-                  <a:srgbClr val="000000"/>
-                </a:solidFill>
                 <a:latin typeface="Arial"/>
               </a:rPr>
               <a:t>Seventh Outline Level</a:t>
             </a:r>
             <a:endParaRPr b="0" lang="en-US" sz="2000" spc="-1" strike="noStrike">
-              <a:solidFill>
-                <a:srgbClr val="000000"/>
-              </a:solidFill>
               <a:latin typeface="Arial"/>
             </a:endParaRPr>
           </a:p>
@@ -3408,7 +3177,7 @@
         <p:spPr>
           <a:xfrm>
             <a:off x="446400" y="457200"/>
-            <a:ext cx="3701880" cy="93600"/>
+            <a:ext cx="3701520" cy="93240"/>
           </a:xfrm>
           <a:prstGeom prst="rect">
             <a:avLst/>
@@ -3443,7 +3212,7 @@
         <p:spPr>
           <a:xfrm>
             <a:off x="8042040" y="453600"/>
-            <a:ext cx="3701880" cy="97200"/>
+            <a:ext cx="3701520" cy="96840"/>
           </a:xfrm>
           <a:prstGeom prst="rect">
             <a:avLst/>
@@ -3478,7 +3247,7 @@
         <p:spPr>
           <a:xfrm>
             <a:off x="4241880" y="457200"/>
-            <a:ext cx="3701880" cy="90000"/>
+            <a:ext cx="3701520" cy="89640"/>
           </a:xfrm>
           <a:prstGeom prst="rect">
             <a:avLst/>
@@ -3513,7 +3282,7 @@
         <p:spPr>
           <a:xfrm>
             <a:off x="440280" y="614520"/>
-            <a:ext cx="11307960" cy="1188000"/>
+            <a:ext cx="11307600" cy="1187640"/>
           </a:xfrm>
           <a:prstGeom prst="rect">
             <a:avLst/>
@@ -3563,19 +3332,14 @@
             <a:noAutofit/>
           </a:bodyPr>
           <a:p>
+            <a:pPr algn="ctr"/>
             <a:r>
-              <a:rPr b="0" lang="en-US" sz="1400" spc="-1" strike="noStrike">
-                <a:solidFill>
-                  <a:srgbClr val="000000"/>
-                </a:solidFill>
+              <a:rPr b="0" lang="en-US" sz="4400" spc="-1" strike="noStrike">
                 <a:latin typeface="Arial"/>
               </a:rPr>
               <a:t>Click to edit the title text format</a:t>
             </a:r>
-            <a:endParaRPr b="0" lang="en-US" sz="1400" spc="-1" strike="noStrike">
-              <a:solidFill>
-                <a:srgbClr val="000000"/>
-              </a:solidFill>
+            <a:endParaRPr b="0" lang="en-US" sz="4400" spc="-1" strike="noStrike">
               <a:latin typeface="Arial"/>
             </a:endParaRPr>
           </a:p>
@@ -3617,18 +3381,12 @@
               <a:buChar char=""/>
             </a:pPr>
             <a:r>
-              <a:rPr b="0" lang="en-US" sz="1400" spc="-1" strike="noStrike">
-                <a:solidFill>
-                  <a:srgbClr val="000000"/>
-                </a:solidFill>
+              <a:rPr b="0" lang="en-US" sz="3200" spc="-1" strike="noStrike">
                 <a:latin typeface="Arial"/>
               </a:rPr>
               <a:t>Click to edit the outline text format</a:t>
             </a:r>
-            <a:endParaRPr b="0" lang="en-US" sz="1400" spc="-1" strike="noStrike">
-              <a:solidFill>
-                <a:srgbClr val="000000"/>
-              </a:solidFill>
+            <a:endParaRPr b="0" lang="en-US" sz="3200" spc="-1" strike="noStrike">
               <a:latin typeface="Arial"/>
             </a:endParaRPr>
           </a:p>
@@ -3645,18 +3403,12 @@
               <a:buChar char=""/>
             </a:pPr>
             <a:r>
-              <a:rPr b="0" lang="en-US" sz="1400" spc="-1" strike="noStrike">
-                <a:solidFill>
-                  <a:srgbClr val="000000"/>
-                </a:solidFill>
+              <a:rPr b="0" lang="en-US" sz="2800" spc="-1" strike="noStrike">
                 <a:latin typeface="Arial"/>
               </a:rPr>
               <a:t>Second Outline Level</a:t>
             </a:r>
-            <a:endParaRPr b="0" lang="en-US" sz="1400" spc="-1" strike="noStrike">
-              <a:solidFill>
-                <a:srgbClr val="000000"/>
-              </a:solidFill>
+            <a:endParaRPr b="0" lang="en-US" sz="2800" spc="-1" strike="noStrike">
               <a:latin typeface="Arial"/>
             </a:endParaRPr>
           </a:p>
@@ -3673,18 +3425,12 @@
               <a:buChar char=""/>
             </a:pPr>
             <a:r>
-              <a:rPr b="0" lang="en-US" sz="1400" spc="-1" strike="noStrike">
-                <a:solidFill>
-                  <a:srgbClr val="000000"/>
-                </a:solidFill>
+              <a:rPr b="0" lang="en-US" sz="2400" spc="-1" strike="noStrike">
                 <a:latin typeface="Arial"/>
               </a:rPr>
               <a:t>Third Outline Level</a:t>
             </a:r>
-            <a:endParaRPr b="0" lang="en-US" sz="1400" spc="-1" strike="noStrike">
-              <a:solidFill>
-                <a:srgbClr val="000000"/>
-              </a:solidFill>
+            <a:endParaRPr b="0" lang="en-US" sz="2400" spc="-1" strike="noStrike">
               <a:latin typeface="Arial"/>
             </a:endParaRPr>
           </a:p>
@@ -3701,18 +3447,12 @@
               <a:buChar char=""/>
             </a:pPr>
             <a:r>
-              <a:rPr b="0" lang="en-US" sz="1400" spc="-1" strike="noStrike">
-                <a:solidFill>
-                  <a:srgbClr val="000000"/>
-                </a:solidFill>
+              <a:rPr b="0" lang="en-US" sz="2000" spc="-1" strike="noStrike">
                 <a:latin typeface="Arial"/>
               </a:rPr>
               <a:t>Fourth Outline Level</a:t>
             </a:r>
-            <a:endParaRPr b="0" lang="en-US" sz="1400" spc="-1" strike="noStrike">
-              <a:solidFill>
-                <a:srgbClr val="000000"/>
-              </a:solidFill>
+            <a:endParaRPr b="0" lang="en-US" sz="2000" spc="-1" strike="noStrike">
               <a:latin typeface="Arial"/>
             </a:endParaRPr>
           </a:p>
@@ -3730,17 +3470,11 @@
             </a:pPr>
             <a:r>
               <a:rPr b="0" lang="en-US" sz="2000" spc="-1" strike="noStrike">
-                <a:solidFill>
-                  <a:srgbClr val="000000"/>
-                </a:solidFill>
                 <a:latin typeface="Arial"/>
               </a:rPr>
               <a:t>Fifth Outline Level</a:t>
             </a:r>
             <a:endParaRPr b="0" lang="en-US" sz="2000" spc="-1" strike="noStrike">
-              <a:solidFill>
-                <a:srgbClr val="000000"/>
-              </a:solidFill>
               <a:latin typeface="Arial"/>
             </a:endParaRPr>
           </a:p>
@@ -3758,17 +3492,11 @@
             </a:pPr>
             <a:r>
               <a:rPr b="0" lang="en-US" sz="2000" spc="-1" strike="noStrike">
-                <a:solidFill>
-                  <a:srgbClr val="000000"/>
-                </a:solidFill>
                 <a:latin typeface="Arial"/>
               </a:rPr>
               <a:t>Sixth Outline Level</a:t>
             </a:r>
             <a:endParaRPr b="0" lang="en-US" sz="2000" spc="-1" strike="noStrike">
-              <a:solidFill>
-                <a:srgbClr val="000000"/>
-              </a:solidFill>
               <a:latin typeface="Arial"/>
             </a:endParaRPr>
           </a:p>
@@ -3786,17 +3514,11 @@
             </a:pPr>
             <a:r>
               <a:rPr b="0" lang="en-US" sz="2000" spc="-1" strike="noStrike">
-                <a:solidFill>
-                  <a:srgbClr val="000000"/>
-                </a:solidFill>
                 <a:latin typeface="Arial"/>
               </a:rPr>
               <a:t>Seventh Outline Level</a:t>
             </a:r>
             <a:endParaRPr b="0" lang="en-US" sz="2000" spc="-1" strike="noStrike">
-              <a:solidFill>
-                <a:srgbClr val="000000"/>
-              </a:solidFill>
               <a:latin typeface="Arial"/>
             </a:endParaRPr>
           </a:p>
@@ -3848,7 +3570,7 @@
         <p:spPr>
           <a:xfrm>
             <a:off x="581040" y="1020600"/>
-            <a:ext cx="10992240" cy="1473480"/>
+            <a:ext cx="10991880" cy="1473120"/>
           </a:xfrm>
           <a:prstGeom prst="rect">
             <a:avLst/>
@@ -3902,7 +3624,7 @@
         <p:spPr>
           <a:xfrm>
             <a:off x="2848320" y="4120200"/>
-            <a:ext cx="7257240" cy="789120"/>
+            <a:ext cx="7256880" cy="788760"/>
           </a:xfrm>
           <a:prstGeom prst="rect">
             <a:avLst/>
@@ -3990,7 +3712,7 @@
         <p:spPr>
           <a:xfrm>
             <a:off x="442080" y="2079720"/>
-            <a:ext cx="11331720" cy="4619520"/>
+            <a:ext cx="11331360" cy="4619160"/>
           </a:xfrm>
           <a:prstGeom prst="rect">
             <a:avLst/>
@@ -4024,8 +3746,8 @@
         </p:blipFill>
         <p:spPr>
           <a:xfrm>
-            <a:off x="7362720" y="2503080"/>
-            <a:ext cx="3834360" cy="894960"/>
+            <a:off x="7413120" y="3494520"/>
+            <a:ext cx="3834000" cy="894600"/>
           </a:xfrm>
           <a:prstGeom prst="rect">
             <a:avLst/>
@@ -4035,39 +3757,16 @@
           </a:ln>
         </p:spPr>
       </p:pic>
-      <p:pic>
-        <p:nvPicPr>
-          <p:cNvPr id="122" name="Google Shape;193;p36" descr=""/>
-          <p:cNvPicPr/>
-          <p:nvPr/>
-        </p:nvPicPr>
-        <p:blipFill>
-          <a:blip r:embed="rId2"/>
-          <a:stretch/>
-        </p:blipFill>
-        <p:spPr>
-          <a:xfrm>
-            <a:off x="7362720" y="3745800"/>
-            <a:ext cx="3834360" cy="1026720"/>
-          </a:xfrm>
-          <a:prstGeom prst="rect">
-            <a:avLst/>
-          </a:prstGeom>
-          <a:ln>
-            <a:noFill/>
-          </a:ln>
-        </p:spPr>
-      </p:pic>
-      <p:sp>
-        <p:nvSpPr>
-          <p:cNvPr id="123" name="CustomShape 2"/>
+      <p:sp>
+        <p:nvSpPr>
+          <p:cNvPr id="122" name="CustomShape 2"/>
           <p:cNvSpPr/>
           <p:nvPr/>
         </p:nvSpPr>
         <p:spPr>
           <a:xfrm>
             <a:off x="548640" y="914400"/>
-            <a:ext cx="5445360" cy="486720"/>
+            <a:ext cx="5445000" cy="486360"/>
           </a:xfrm>
           <a:prstGeom prst="rect">
             <a:avLst/>
@@ -4114,14 +3813,14 @@
       </p:sp>
       <p:sp>
         <p:nvSpPr>
-          <p:cNvPr id="124" name="CustomShape 3"/>
+          <p:cNvPr id="123" name="CustomShape 3"/>
           <p:cNvSpPr/>
           <p:nvPr/>
         </p:nvSpPr>
         <p:spPr>
           <a:xfrm>
             <a:off x="884160" y="2397600"/>
-            <a:ext cx="3066840" cy="1615320"/>
+            <a:ext cx="3066480" cy="1614960"/>
           </a:xfrm>
           <a:prstGeom prst="rect">
             <a:avLst/>
@@ -4138,7 +3837,7 @@
           <a:fontRef idx="minor"/>
         </p:style>
         <p:txBody>
-          <a:bodyPr tIns="91440" bIns="91440">
+          <a:bodyPr lIns="90000" rIns="90000" tIns="91440" bIns="91440">
             <a:spAutoFit/>
           </a:bodyPr>
           <a:p>
@@ -4178,7 +3877,7 @@
             </a:endParaRPr>
           </a:p>
           <a:p>
-            <a:pPr marL="457200" indent="-361440">
+            <a:pPr marL="457200" indent="-361080">
               <a:lnSpc>
                 <a:spcPct val="100000"/>
               </a:lnSpc>
@@ -4206,7 +3905,7 @@
             </a:endParaRPr>
           </a:p>
           <a:p>
-            <a:pPr marL="457200" indent="-361440">
+            <a:pPr marL="457200" indent="-361080">
               <a:lnSpc>
                 <a:spcPct val="100000"/>
               </a:lnSpc>
@@ -4219,16 +3918,6 @@
                 <a:tab algn="l" pos="0"/>
               </a:tabLst>
             </a:pPr>
-            <a:r>
-              <a:rPr b="0" lang="en-US" sz="2100" spc="-1" strike="noStrike">
-                <a:solidFill>
-                  <a:srgbClr val="ffffff"/>
-                </a:solidFill>
-                <a:latin typeface="Arial"/>
-                <a:ea typeface="Arial"/>
-              </a:rPr>
-              <a:t>collecting dataset</a:t>
-            </a:r>
             <a:endParaRPr b="0" lang="en-US" sz="2100" spc="-1" strike="noStrike">
               <a:latin typeface="Arial"/>
             </a:endParaRPr>
@@ -4248,38 +3937,38 @@
   <p:timing>
     <p:tnLst>
       <p:par>
-        <p:cTn id="97" dur="indefinite" restart="never" nodeType="tmRoot">
+        <p:cTn id="91" dur="indefinite" restart="never" nodeType="tmRoot">
           <p:childTnLst>
             <p:seq>
-              <p:cTn id="98" dur="indefinite" nodeType="mainSeq">
+              <p:cTn id="92" dur="indefinite" nodeType="mainSeq">
                 <p:childTnLst>
                   <p:par>
-                    <p:cTn id="99" fill="hold">
+                    <p:cTn id="93" fill="hold">
                       <p:stCondLst>
                         <p:cond delay="indefinite"/>
                       </p:stCondLst>
                       <p:childTnLst>
                         <p:par>
-                          <p:cTn id="100" fill="hold">
+                          <p:cTn id="94" fill="hold">
                             <p:stCondLst>
                               <p:cond delay="0"/>
                             </p:stCondLst>
                             <p:childTnLst>
                               <p:par>
-                                <p:cTn id="101" nodeType="clickEffect" fill="hold" presetClass="entr" presetID="10">
+                                <p:cTn id="95" nodeType="clickEffect" fill="hold" presetClass="entr" presetID="10">
                                   <p:stCondLst>
                                     <p:cond delay="0"/>
                                   </p:stCondLst>
                                   <p:childTnLst>
                                     <p:set>
                                       <p:cBhvr>
-                                        <p:cTn id="102" dur="1" fill="hold">
+                                        <p:cTn id="96" dur="1" fill="hold">
                                           <p:stCondLst>
                                             <p:cond delay="0"/>
                                           </p:stCondLst>
                                         </p:cTn>
                                         <p:tgtEl>
-                                          <p:spTgt spid="124">
+                                          <p:spTgt spid="123">
                                             <p:txEl>
                                               <p:pRg st="0" end="0"/>
                                             </p:txEl>
@@ -4295,9 +3984,9 @@
                                     </p:set>
                                     <p:animEffect filter="fade" transition="in">
                                       <p:cBhvr additive="repl">
-                                        <p:cTn id="103" dur="500"/>
+                                        <p:cTn id="97" dur="500"/>
                                         <p:tgtEl>
-                                          <p:spTgt spid="124">
+                                          <p:spTgt spid="123">
                                             <p:txEl>
                                               <p:pRg st="0" end="0"/>
                                             </p:txEl>
@@ -4315,32 +4004,32 @@
                     </p:cTn>
                   </p:par>
                   <p:par>
-                    <p:cTn id="104" fill="hold">
+                    <p:cTn id="98" fill="hold">
                       <p:stCondLst>
                         <p:cond delay="indefinite"/>
                       </p:stCondLst>
                       <p:childTnLst>
                         <p:par>
-                          <p:cTn id="105" fill="hold">
+                          <p:cTn id="99" fill="hold">
                             <p:stCondLst>
                               <p:cond delay="0"/>
                             </p:stCondLst>
                             <p:childTnLst>
                               <p:par>
-                                <p:cTn id="106" nodeType="clickEffect" fill="hold" presetClass="entr" presetID="10">
+                                <p:cTn id="100" nodeType="clickEffect" fill="hold" presetClass="entr" presetID="10">
                                   <p:stCondLst>
                                     <p:cond delay="0"/>
                                   </p:stCondLst>
                                   <p:childTnLst>
                                     <p:set>
                                       <p:cBhvr>
-                                        <p:cTn id="107" dur="1" fill="hold">
+                                        <p:cTn id="101" dur="1" fill="hold">
                                           <p:stCondLst>
                                             <p:cond delay="0"/>
                                           </p:stCondLst>
                                         </p:cTn>
                                         <p:tgtEl>
-                                          <p:spTgt spid="124">
+                                          <p:spTgt spid="123">
                                             <p:txEl>
                                               <p:pRg st="2" end="2"/>
                                             </p:txEl>
@@ -4356,9 +4045,9 @@
                                     </p:set>
                                     <p:animEffect filter="fade" transition="in">
                                       <p:cBhvr additive="repl">
-                                        <p:cTn id="108" dur="500"/>
+                                        <p:cTn id="102" dur="500"/>
                                         <p:tgtEl>
-                                          <p:spTgt spid="124">
+                                          <p:spTgt spid="123">
                                             <p:txEl>
                                               <p:pRg st="2" end="2"/>
                                             </p:txEl>
@@ -4370,20 +4059,20 @@
                                 </p:cTn>
                               </p:par>
                               <p:par>
-                                <p:cTn id="109" nodeType="withEffect" fill="hold" presetClass="entr" presetID="10">
+                                <p:cTn id="103" nodeType="withEffect" fill="hold" presetClass="entr" presetID="10">
                                   <p:stCondLst>
                                     <p:cond delay="0"/>
                                   </p:stCondLst>
                                   <p:childTnLst>
                                     <p:set>
                                       <p:cBhvr>
-                                        <p:cTn id="110" dur="1" fill="hold">
+                                        <p:cTn id="104" dur="1" fill="hold">
                                           <p:stCondLst>
                                             <p:cond delay="0"/>
                                           </p:stCondLst>
                                         </p:cTn>
                                         <p:tgtEl>
-                                          <p:spTgt spid="124">
+                                          <p:spTgt spid="123">
                                             <p:txEl>
                                               <p:pRg st="3" end="3"/>
                                             </p:txEl>
@@ -4399,9 +4088,9 @@
                                     </p:set>
                                     <p:animEffect filter="fade" transition="in">
                                       <p:cBhvr additive="repl">
-                                        <p:cTn id="111" dur="500"/>
+                                        <p:cTn id="105" dur="500"/>
                                         <p:tgtEl>
-                                          <p:spTgt spid="124">
+                                          <p:spTgt spid="123">
                                             <p:txEl>
                                               <p:pRg st="3" end="3"/>
                                             </p:txEl>
@@ -4462,14 +4151,14 @@
       </p:grpSpPr>
       <p:sp>
         <p:nvSpPr>
-          <p:cNvPr id="125" name="CustomShape 1"/>
+          <p:cNvPr id="124" name="CustomShape 1"/>
           <p:cNvSpPr/>
           <p:nvPr/>
         </p:nvSpPr>
         <p:spPr>
           <a:xfrm>
             <a:off x="548640" y="914400"/>
-            <a:ext cx="5445360" cy="486720"/>
+            <a:ext cx="5445000" cy="486360"/>
           </a:xfrm>
           <a:prstGeom prst="rect">
             <a:avLst/>
@@ -4516,14 +4205,14 @@
       </p:sp>
       <p:sp>
         <p:nvSpPr>
-          <p:cNvPr id="126" name="CustomShape 2"/>
+          <p:cNvPr id="125" name="CustomShape 2"/>
           <p:cNvSpPr/>
           <p:nvPr/>
         </p:nvSpPr>
         <p:spPr>
           <a:xfrm>
             <a:off x="453960" y="1890360"/>
-            <a:ext cx="11186640" cy="4619520"/>
+            <a:ext cx="11186280" cy="4619160"/>
           </a:xfrm>
           <a:prstGeom prst="rect">
             <a:avLst/>
@@ -4547,14 +4236,14 @@
       </p:sp>
       <p:sp>
         <p:nvSpPr>
-          <p:cNvPr id="127" name="CustomShape 3"/>
+          <p:cNvPr id="126" name="CustomShape 3"/>
           <p:cNvSpPr/>
           <p:nvPr/>
         </p:nvSpPr>
         <p:spPr>
           <a:xfrm>
             <a:off x="812160" y="2375640"/>
-            <a:ext cx="4679280" cy="1935360"/>
+            <a:ext cx="4678920" cy="1935000"/>
           </a:xfrm>
           <a:prstGeom prst="rect">
             <a:avLst/>
@@ -4571,7 +4260,7 @@
           <a:fontRef idx="minor"/>
         </p:style>
         <p:txBody>
-          <a:bodyPr tIns="91440" bIns="91440">
+          <a:bodyPr lIns="90000" rIns="90000" tIns="91440" bIns="91440">
             <a:spAutoFit/>
           </a:bodyPr>
           <a:p>
@@ -4611,7 +4300,7 @@
             </a:endParaRPr>
           </a:p>
           <a:p>
-            <a:pPr marL="457200" indent="-361440">
+            <a:pPr marL="457200" indent="-361080">
               <a:lnSpc>
                 <a:spcPct val="100000"/>
               </a:lnSpc>
@@ -4642,7 +4331,7 @@
       </p:sp>
       <p:pic>
         <p:nvPicPr>
-          <p:cNvPr id="128" name="Google Shape;204;p37" descr=""/>
+          <p:cNvPr id="127" name="Google Shape;204;p37" descr=""/>
           <p:cNvPicPr/>
           <p:nvPr/>
         </p:nvPicPr>
@@ -4653,7 +4342,7 @@
         <p:spPr>
           <a:xfrm>
             <a:off x="8016840" y="3049560"/>
-            <a:ext cx="2970360" cy="1134000"/>
+            <a:ext cx="2970000" cy="1133640"/>
           </a:xfrm>
           <a:prstGeom prst="rect">
             <a:avLst/>
@@ -4676,38 +4365,38 @@
   <p:timing>
     <p:tnLst>
       <p:par>
-        <p:cTn id="112" dur="indefinite" restart="never" nodeType="tmRoot">
+        <p:cTn id="106" dur="indefinite" restart="never" nodeType="tmRoot">
           <p:childTnLst>
             <p:seq>
-              <p:cTn id="113" dur="indefinite" nodeType="mainSeq">
+              <p:cTn id="107" dur="indefinite" nodeType="mainSeq">
                 <p:childTnLst>
                   <p:par>
-                    <p:cTn id="114" fill="hold">
+                    <p:cTn id="108" fill="hold">
                       <p:stCondLst>
                         <p:cond delay="indefinite"/>
                       </p:stCondLst>
                       <p:childTnLst>
                         <p:par>
-                          <p:cTn id="115" fill="hold">
+                          <p:cTn id="109" fill="hold">
                             <p:stCondLst>
                               <p:cond delay="0"/>
                             </p:stCondLst>
                             <p:childTnLst>
                               <p:par>
-                                <p:cTn id="116" nodeType="clickEffect" fill="hold" presetClass="entr" presetID="10">
+                                <p:cTn id="110" nodeType="clickEffect" fill="hold" presetClass="entr" presetID="10">
                                   <p:stCondLst>
                                     <p:cond delay="0"/>
                                   </p:stCondLst>
                                   <p:childTnLst>
                                     <p:set>
                                       <p:cBhvr>
-                                        <p:cTn id="117" dur="1" fill="hold">
+                                        <p:cTn id="111" dur="1" fill="hold">
                                           <p:stCondLst>
                                             <p:cond delay="0"/>
                                           </p:stCondLst>
                                         </p:cTn>
                                         <p:tgtEl>
-                                          <p:spTgt spid="127">
+                                          <p:spTgt spid="126">
                                             <p:txEl>
                                               <p:pRg st="0" end="0"/>
                                             </p:txEl>
@@ -4723,9 +4412,9 @@
                                     </p:set>
                                     <p:animEffect filter="fade" transition="in">
                                       <p:cBhvr additive="repl">
-                                        <p:cTn id="118" dur="500"/>
+                                        <p:cTn id="112" dur="500"/>
                                         <p:tgtEl>
-                                          <p:spTgt spid="127">
+                                          <p:spTgt spid="126">
                                             <p:txEl>
                                               <p:pRg st="0" end="0"/>
                                             </p:txEl>
@@ -4743,32 +4432,32 @@
                     </p:cTn>
                   </p:par>
                   <p:par>
-                    <p:cTn id="119" fill="hold">
+                    <p:cTn id="113" fill="hold">
                       <p:stCondLst>
                         <p:cond delay="indefinite"/>
                       </p:stCondLst>
                       <p:childTnLst>
                         <p:par>
-                          <p:cTn id="120" fill="hold">
+                          <p:cTn id="114" fill="hold">
                             <p:stCondLst>
                               <p:cond delay="0"/>
                             </p:stCondLst>
                             <p:childTnLst>
                               <p:par>
-                                <p:cTn id="121" nodeType="clickEffect" fill="hold" presetClass="entr" presetID="10">
+                                <p:cTn id="115" nodeType="clickEffect" fill="hold" presetClass="entr" presetID="10">
                                   <p:stCondLst>
                                     <p:cond delay="0"/>
                                   </p:stCondLst>
                                   <p:childTnLst>
                                     <p:set>
                                       <p:cBhvr>
-                                        <p:cTn id="122" dur="1" fill="hold">
+                                        <p:cTn id="116" dur="1" fill="hold">
                                           <p:stCondLst>
                                             <p:cond delay="0"/>
                                           </p:stCondLst>
                                         </p:cTn>
                                         <p:tgtEl>
-                                          <p:spTgt spid="127">
+                                          <p:spTgt spid="126">
                                             <p:txEl>
                                               <p:pRg st="2" end="2"/>
                                             </p:txEl>
@@ -4784,9 +4473,9 @@
                                     </p:set>
                                     <p:animEffect filter="fade" transition="in">
                                       <p:cBhvr additive="repl">
-                                        <p:cTn id="123" dur="500"/>
+                                        <p:cTn id="117" dur="500"/>
                                         <p:tgtEl>
-                                          <p:spTgt spid="127">
+                                          <p:spTgt spid="126">
                                             <p:txEl>
                                               <p:pRg st="2" end="2"/>
                                             </p:txEl>
@@ -4847,14 +4536,14 @@
       </p:grpSpPr>
       <p:sp>
         <p:nvSpPr>
-          <p:cNvPr id="129" name="CustomShape 1"/>
+          <p:cNvPr id="128" name="CustomShape 1"/>
           <p:cNvSpPr/>
           <p:nvPr/>
         </p:nvSpPr>
         <p:spPr>
           <a:xfrm>
             <a:off x="455400" y="1921680"/>
-            <a:ext cx="11278080" cy="4799160"/>
+            <a:ext cx="11277720" cy="4798800"/>
           </a:xfrm>
           <a:prstGeom prst="rect">
             <a:avLst/>
@@ -4878,7 +4567,7 @@
       </p:sp>
       <p:pic>
         <p:nvPicPr>
-          <p:cNvPr id="130" name="Google Shape;210;p38" descr=""/>
+          <p:cNvPr id="129" name="Google Shape;210;p38" descr=""/>
           <p:cNvPicPr/>
           <p:nvPr/>
         </p:nvPicPr>
@@ -4889,7 +4578,7 @@
         <p:spPr>
           <a:xfrm>
             <a:off x="7727400" y="4806720"/>
-            <a:ext cx="3887640" cy="670680"/>
+            <a:ext cx="3887280" cy="670320"/>
           </a:xfrm>
           <a:prstGeom prst="rect">
             <a:avLst/>
@@ -4901,7 +4590,7 @@
       </p:pic>
       <p:pic>
         <p:nvPicPr>
-          <p:cNvPr id="131" name="Google Shape;211;p38" descr=""/>
+          <p:cNvPr id="130" name="Google Shape;211;p38" descr=""/>
           <p:cNvPicPr/>
           <p:nvPr/>
         </p:nvPicPr>
@@ -4912,7 +4601,7 @@
         <p:spPr>
           <a:xfrm>
             <a:off x="7727400" y="2052000"/>
-            <a:ext cx="3887640" cy="546120"/>
+            <a:ext cx="3887280" cy="545760"/>
           </a:xfrm>
           <a:prstGeom prst="rect">
             <a:avLst/>
@@ -4924,7 +4613,7 @@
       </p:pic>
       <p:pic>
         <p:nvPicPr>
-          <p:cNvPr id="132" name="Google Shape;212;p38" descr=""/>
+          <p:cNvPr id="131" name="Google Shape;212;p38" descr=""/>
           <p:cNvPicPr/>
           <p:nvPr/>
         </p:nvPicPr>
@@ -4935,7 +4624,7 @@
         <p:spPr>
           <a:xfrm>
             <a:off x="7762320" y="5710680"/>
-            <a:ext cx="3817800" cy="762120"/>
+            <a:ext cx="3817440" cy="761760"/>
           </a:xfrm>
           <a:prstGeom prst="rect">
             <a:avLst/>
@@ -4947,7 +4636,7 @@
       </p:pic>
       <p:pic>
         <p:nvPicPr>
-          <p:cNvPr id="133" name="Google Shape;213;p38" descr=""/>
+          <p:cNvPr id="132" name="Google Shape;213;p38" descr=""/>
           <p:cNvPicPr/>
           <p:nvPr/>
         </p:nvPicPr>
@@ -4958,7 +4647,7 @@
         <p:spPr>
           <a:xfrm>
             <a:off x="7727400" y="2850480"/>
-            <a:ext cx="3887640" cy="670680"/>
+            <a:ext cx="3887280" cy="670320"/>
           </a:xfrm>
           <a:prstGeom prst="rect">
             <a:avLst/>
@@ -4970,7 +4659,7 @@
       </p:pic>
       <p:pic>
         <p:nvPicPr>
-          <p:cNvPr id="134" name="Google Shape;214;p38" descr=""/>
+          <p:cNvPr id="133" name="Google Shape;214;p38" descr=""/>
           <p:cNvPicPr/>
           <p:nvPr/>
         </p:nvPicPr>
@@ -4981,7 +4670,7 @@
         <p:spPr>
           <a:xfrm>
             <a:off x="753840" y="5710680"/>
-            <a:ext cx="3817800" cy="855360"/>
+            <a:ext cx="3817440" cy="855000"/>
           </a:xfrm>
           <a:prstGeom prst="rect">
             <a:avLst/>
@@ -4993,7 +4682,7 @@
       </p:pic>
       <p:pic>
         <p:nvPicPr>
-          <p:cNvPr id="135" name="Google Shape;215;p38" descr=""/>
+          <p:cNvPr id="134" name="Google Shape;215;p38" descr=""/>
           <p:cNvPicPr/>
           <p:nvPr/>
         </p:nvPicPr>
@@ -5004,7 +4693,7 @@
         <p:spPr>
           <a:xfrm>
             <a:off x="7699680" y="3773520"/>
-            <a:ext cx="3942720" cy="762120"/>
+            <a:ext cx="3942360" cy="761760"/>
           </a:xfrm>
           <a:prstGeom prst="rect">
             <a:avLst/>
@@ -5016,14 +4705,14 @@
       </p:pic>
       <p:sp>
         <p:nvSpPr>
-          <p:cNvPr id="136" name="CustomShape 2"/>
+          <p:cNvPr id="135" name="CustomShape 2"/>
           <p:cNvSpPr/>
           <p:nvPr/>
         </p:nvSpPr>
         <p:spPr>
           <a:xfrm>
             <a:off x="674280" y="875160"/>
-            <a:ext cx="4603320" cy="609840"/>
+            <a:ext cx="4602960" cy="609480"/>
           </a:xfrm>
           <a:prstGeom prst="rect">
             <a:avLst/>
@@ -5040,7 +4729,7 @@
           <a:fontRef idx="minor"/>
         </p:style>
         <p:txBody>
-          <a:bodyPr tIns="91440" bIns="91440">
+          <a:bodyPr lIns="90000" rIns="90000" tIns="91440" bIns="91440">
             <a:spAutoFit/>
           </a:bodyPr>
           <a:p>
@@ -5070,14 +4759,14 @@
       </p:sp>
       <p:sp>
         <p:nvSpPr>
-          <p:cNvPr id="137" name="CustomShape 3"/>
+          <p:cNvPr id="136" name="CustomShape 3"/>
           <p:cNvSpPr/>
           <p:nvPr/>
         </p:nvSpPr>
         <p:spPr>
           <a:xfrm>
             <a:off x="817200" y="2330640"/>
-            <a:ext cx="5973480" cy="1767240"/>
+            <a:ext cx="5973120" cy="1766880"/>
           </a:xfrm>
           <a:prstGeom prst="rect">
             <a:avLst/>
@@ -5094,7 +4783,7 @@
           <a:fontRef idx="minor"/>
         </p:style>
         <p:txBody>
-          <a:bodyPr tIns="91440" bIns="91440">
+          <a:bodyPr lIns="90000" rIns="90000" tIns="91440" bIns="91440">
             <a:spAutoFit/>
           </a:bodyPr>
           <a:p>
@@ -5134,7 +4823,7 @@
             </a:endParaRPr>
           </a:p>
           <a:p>
-            <a:pPr marL="457200" indent="-393480">
+            <a:pPr marL="457200" indent="-393120">
               <a:lnSpc>
                 <a:spcPct val="100000"/>
               </a:lnSpc>
@@ -5176,38 +4865,38 @@
   <p:timing>
     <p:tnLst>
       <p:par>
-        <p:cTn id="124" dur="indefinite" restart="never" nodeType="tmRoot">
+        <p:cTn id="118" dur="indefinite" restart="never" nodeType="tmRoot">
           <p:childTnLst>
             <p:seq>
-              <p:cTn id="125" dur="indefinite" nodeType="mainSeq">
+              <p:cTn id="119" dur="indefinite" nodeType="mainSeq">
                 <p:childTnLst>
                   <p:par>
-                    <p:cTn id="126" fill="hold">
+                    <p:cTn id="120" fill="hold">
                       <p:stCondLst>
                         <p:cond delay="indefinite"/>
                       </p:stCondLst>
                       <p:childTnLst>
                         <p:par>
-                          <p:cTn id="127" fill="hold">
+                          <p:cTn id="121" fill="hold">
                             <p:stCondLst>
                               <p:cond delay="0"/>
                             </p:stCondLst>
                             <p:childTnLst>
                               <p:par>
-                                <p:cTn id="128" nodeType="clickEffect" fill="hold" presetClass="entr" presetID="10">
+                                <p:cTn id="122" nodeType="clickEffect" fill="hold" presetClass="entr" presetID="10">
                                   <p:stCondLst>
                                     <p:cond delay="0"/>
                                   </p:stCondLst>
                                   <p:childTnLst>
                                     <p:set>
                                       <p:cBhvr>
-                                        <p:cTn id="129" dur="1" fill="hold">
+                                        <p:cTn id="123" dur="1" fill="hold">
                                           <p:stCondLst>
                                             <p:cond delay="0"/>
                                           </p:stCondLst>
                                         </p:cTn>
                                         <p:tgtEl>
-                                          <p:spTgt spid="137">
+                                          <p:spTgt spid="136">
                                             <p:txEl>
                                               <p:pRg st="0" end="0"/>
                                             </p:txEl>
@@ -5223,9 +4912,9 @@
                                     </p:set>
                                     <p:animEffect filter="fade" transition="in">
                                       <p:cBhvr additive="repl">
-                                        <p:cTn id="130" dur="500"/>
+                                        <p:cTn id="124" dur="500"/>
                                         <p:tgtEl>
-                                          <p:spTgt spid="137">
+                                          <p:spTgt spid="136">
                                             <p:txEl>
                                               <p:pRg st="0" end="0"/>
                                             </p:txEl>
@@ -5243,32 +4932,32 @@
                     </p:cTn>
                   </p:par>
                   <p:par>
-                    <p:cTn id="131" fill="hold">
+                    <p:cTn id="125" fill="hold">
                       <p:stCondLst>
                         <p:cond delay="indefinite"/>
                       </p:stCondLst>
                       <p:childTnLst>
                         <p:par>
-                          <p:cTn id="132" fill="hold">
+                          <p:cTn id="126" fill="hold">
                             <p:stCondLst>
                               <p:cond delay="0"/>
                             </p:stCondLst>
                             <p:childTnLst>
                               <p:par>
-                                <p:cTn id="133" nodeType="clickEffect" fill="hold" presetClass="entr" presetID="10">
+                                <p:cTn id="127" nodeType="clickEffect" fill="hold" presetClass="entr" presetID="10">
                                   <p:stCondLst>
                                     <p:cond delay="0"/>
                                   </p:stCondLst>
                                   <p:childTnLst>
                                     <p:set>
                                       <p:cBhvr>
-                                        <p:cTn id="134" dur="1" fill="hold">
+                                        <p:cTn id="128" dur="1" fill="hold">
                                           <p:stCondLst>
                                             <p:cond delay="0"/>
                                           </p:stCondLst>
                                         </p:cTn>
                                         <p:tgtEl>
-                                          <p:spTgt spid="137">
+                                          <p:spTgt spid="136">
                                             <p:txEl>
                                               <p:pRg st="2" end="2"/>
                                             </p:txEl>
@@ -5284,9 +4973,9 @@
                                     </p:set>
                                     <p:animEffect filter="fade" transition="in">
                                       <p:cBhvr additive="repl">
-                                        <p:cTn id="135" dur="500"/>
+                                        <p:cTn id="129" dur="500"/>
                                         <p:tgtEl>
-                                          <p:spTgt spid="137">
+                                          <p:spTgt spid="136">
                                             <p:txEl>
                                               <p:pRg st="2" end="2"/>
                                             </p:txEl>
@@ -5347,14 +5036,14 @@
       </p:grpSpPr>
       <p:sp>
         <p:nvSpPr>
-          <p:cNvPr id="138" name="CustomShape 1"/>
+          <p:cNvPr id="137" name="CustomShape 1"/>
           <p:cNvSpPr/>
           <p:nvPr/>
         </p:nvSpPr>
         <p:spPr>
           <a:xfrm>
             <a:off x="581040" y="821880"/>
-            <a:ext cx="11028240" cy="715320"/>
+            <a:ext cx="11027880" cy="714960"/>
           </a:xfrm>
           <a:prstGeom prst="rect">
             <a:avLst/>
@@ -5412,14 +5101,14 @@
       </p:sp>
       <p:sp>
         <p:nvSpPr>
-          <p:cNvPr id="139" name="CustomShape 2"/>
+          <p:cNvPr id="138" name="CustomShape 2"/>
           <p:cNvSpPr/>
           <p:nvPr/>
         </p:nvSpPr>
         <p:spPr>
           <a:xfrm>
             <a:off x="447840" y="1866240"/>
-            <a:ext cx="11266200" cy="511920"/>
+            <a:ext cx="11265840" cy="511560"/>
           </a:xfrm>
           <a:prstGeom prst="rect">
             <a:avLst/>
@@ -5471,14 +5160,14 @@
       </p:sp>
       <p:sp>
         <p:nvSpPr>
-          <p:cNvPr id="140" name="CustomShape 3"/>
+          <p:cNvPr id="139" name="CustomShape 3"/>
           <p:cNvSpPr/>
           <p:nvPr/>
         </p:nvSpPr>
         <p:spPr>
           <a:xfrm>
             <a:off x="456480" y="1942200"/>
-            <a:ext cx="11279160" cy="4514040"/>
+            <a:ext cx="11278800" cy="4513680"/>
           </a:xfrm>
           <a:prstGeom prst="rect">
             <a:avLst/>
@@ -5502,19 +5191,19 @@
       </p:sp>
       <p:pic>
         <p:nvPicPr>
-          <p:cNvPr id="141" name="Google Shape;225;p39" descr=""/>
+          <p:cNvPr id="140" name="Google Shape;225;p39" descr=""/>
           <p:cNvPicPr/>
           <p:nvPr/>
         </p:nvPicPr>
         <p:blipFill>
           <a:blip r:embed="rId1"/>
-          <a:srcRect l="33963" t="19444" r="22157" b="45687"/>
+          <a:srcRect l="33959" t="19440" r="22154" b="45680"/>
           <a:stretch/>
         </p:blipFill>
         <p:spPr>
           <a:xfrm>
             <a:off x="1323720" y="2017440"/>
-            <a:ext cx="9691560" cy="4089240"/>
+            <a:ext cx="9691200" cy="4088880"/>
           </a:xfrm>
           <a:prstGeom prst="rect">
             <a:avLst/>
@@ -5547,38 +5236,38 @@
   <p:timing>
     <p:tnLst>
       <p:par>
-        <p:cTn id="136" dur="indefinite" restart="never" nodeType="tmRoot">
+        <p:cTn id="130" dur="indefinite" restart="never" nodeType="tmRoot">
           <p:childTnLst>
             <p:seq>
-              <p:cTn id="137" dur="indefinite" nodeType="mainSeq">
+              <p:cTn id="131" dur="indefinite" nodeType="mainSeq">
                 <p:childTnLst>
                   <p:par>
-                    <p:cTn id="138" fill="hold">
+                    <p:cTn id="132" fill="hold">
                       <p:stCondLst>
                         <p:cond delay="indefinite"/>
                       </p:stCondLst>
                       <p:childTnLst>
                         <p:par>
-                          <p:cTn id="139" fill="hold">
+                          <p:cTn id="133" fill="hold">
                             <p:stCondLst>
                               <p:cond delay="0"/>
                             </p:stCondLst>
                             <p:childTnLst>
                               <p:par>
-                                <p:cTn id="140" nodeType="clickEffect" fill="hold" presetClass="entr" presetID="10">
+                                <p:cTn id="134" nodeType="clickEffect" fill="hold" presetClass="entr" presetID="10">
                                   <p:stCondLst>
                                     <p:cond delay="0"/>
                                   </p:stCondLst>
                                   <p:childTnLst>
                                     <p:set>
                                       <p:cBhvr>
-                                        <p:cTn id="141" dur="1" fill="hold">
+                                        <p:cTn id="135" dur="1" fill="hold">
                                           <p:stCondLst>
                                             <p:cond delay="0"/>
                                           </p:stCondLst>
                                         </p:cTn>
                                         <p:tgtEl>
-                                          <p:spTgt spid="141"/>
+                                          <p:spTgt spid="140"/>
                                         </p:tgtEl>
                                         <p:attrNameLst>
                                           <p:attrName>style.visibility</p:attrName>
@@ -5590,9 +5279,9 @@
                                     </p:set>
                                     <p:animEffect filter="fade" transition="in">
                                       <p:cBhvr additive="repl">
-                                        <p:cTn id="142" dur="500"/>
+                                        <p:cTn id="136" dur="500"/>
                                         <p:tgtEl>
-                                          <p:spTgt spid="141"/>
+                                          <p:spTgt spid="140"/>
                                         </p:tgtEl>
                                       </p:cBhvr>
                                     </p:animEffect>
@@ -5649,14 +5338,14 @@
       </p:grpSpPr>
       <p:sp>
         <p:nvSpPr>
-          <p:cNvPr id="142" name="CustomShape 1"/>
+          <p:cNvPr id="141" name="CustomShape 1"/>
           <p:cNvSpPr/>
           <p:nvPr/>
         </p:nvSpPr>
         <p:spPr>
           <a:xfrm>
             <a:off x="456480" y="1942200"/>
-            <a:ext cx="11279160" cy="4514040"/>
+            <a:ext cx="11278800" cy="4513680"/>
           </a:xfrm>
           <a:prstGeom prst="rect">
             <a:avLst/>
@@ -5680,7 +5369,7 @@
       </p:sp>
       <p:pic>
         <p:nvPicPr>
-          <p:cNvPr id="143" name="Google Shape;231;p40" descr=""/>
+          <p:cNvPr id="142" name="Google Shape;231;p40" descr=""/>
           <p:cNvPicPr/>
           <p:nvPr/>
         </p:nvPicPr>
@@ -5691,7 +5380,7 @@
         <p:spPr>
           <a:xfrm>
             <a:off x="1793880" y="2099520"/>
-            <a:ext cx="8357760" cy="4199400"/>
+            <a:ext cx="8357400" cy="4199040"/>
           </a:xfrm>
           <a:prstGeom prst="rect">
             <a:avLst/>
@@ -5713,14 +5402,14 @@
       </p:pic>
       <p:sp>
         <p:nvSpPr>
-          <p:cNvPr id="144" name="CustomShape 2"/>
+          <p:cNvPr id="143" name="CustomShape 2"/>
           <p:cNvSpPr/>
           <p:nvPr/>
         </p:nvSpPr>
         <p:spPr>
           <a:xfrm>
             <a:off x="552240" y="822960"/>
-            <a:ext cx="9130320" cy="742680"/>
+            <a:ext cx="9129960" cy="742320"/>
           </a:xfrm>
           <a:prstGeom prst="rect">
             <a:avLst/>
@@ -5789,38 +5478,38 @@
   <p:timing>
     <p:tnLst>
       <p:par>
-        <p:cTn id="143" dur="indefinite" restart="never" nodeType="tmRoot">
+        <p:cTn id="137" dur="indefinite" restart="never" nodeType="tmRoot">
           <p:childTnLst>
             <p:seq>
-              <p:cTn id="144" dur="indefinite" nodeType="mainSeq">
+              <p:cTn id="138" dur="indefinite" nodeType="mainSeq">
                 <p:childTnLst>
                   <p:par>
-                    <p:cTn id="145" fill="hold">
+                    <p:cTn id="139" fill="hold">
                       <p:stCondLst>
                         <p:cond delay="indefinite"/>
                       </p:stCondLst>
                       <p:childTnLst>
                         <p:par>
-                          <p:cTn id="146" fill="hold">
+                          <p:cTn id="140" fill="hold">
                             <p:stCondLst>
                               <p:cond delay="0"/>
                             </p:stCondLst>
                             <p:childTnLst>
                               <p:par>
-                                <p:cTn id="147" nodeType="clickEffect" fill="hold" presetClass="entr" presetID="10">
+                                <p:cTn id="141" nodeType="clickEffect" fill="hold" presetClass="entr" presetID="10">
                                   <p:stCondLst>
                                     <p:cond delay="0"/>
                                   </p:stCondLst>
                                   <p:childTnLst>
                                     <p:set>
                                       <p:cBhvr>
-                                        <p:cTn id="148" dur="1" fill="hold">
+                                        <p:cTn id="142" dur="1" fill="hold">
                                           <p:stCondLst>
                                             <p:cond delay="0"/>
                                           </p:stCondLst>
                                         </p:cTn>
                                         <p:tgtEl>
-                                          <p:spTgt spid="143"/>
+                                          <p:spTgt spid="142"/>
                                         </p:tgtEl>
                                         <p:attrNameLst>
                                           <p:attrName>style.visibility</p:attrName>
@@ -5832,9 +5521,9 @@
                                     </p:set>
                                     <p:animEffect filter="fade" transition="in">
                                       <p:cBhvr additive="repl">
-                                        <p:cTn id="149" dur="500"/>
+                                        <p:cTn id="143" dur="500"/>
                                         <p:tgtEl>
-                                          <p:spTgt spid="143"/>
+                                          <p:spTgt spid="142"/>
                                         </p:tgtEl>
                                       </p:cBhvr>
                                     </p:animEffect>
@@ -5891,14 +5580,14 @@
       </p:grpSpPr>
       <p:sp>
         <p:nvSpPr>
-          <p:cNvPr id="145" name="CustomShape 1"/>
+          <p:cNvPr id="144" name="CustomShape 1"/>
           <p:cNvSpPr/>
           <p:nvPr/>
         </p:nvSpPr>
         <p:spPr>
           <a:xfrm>
             <a:off x="456480" y="1942200"/>
-            <a:ext cx="11279160" cy="4514040"/>
+            <a:ext cx="11278800" cy="4513680"/>
           </a:xfrm>
           <a:prstGeom prst="rect">
             <a:avLst/>
@@ -5922,14 +5611,14 @@
       </p:sp>
       <p:sp>
         <p:nvSpPr>
-          <p:cNvPr id="146" name="CustomShape 2"/>
+          <p:cNvPr id="145" name="CustomShape 2"/>
           <p:cNvSpPr/>
           <p:nvPr/>
         </p:nvSpPr>
         <p:spPr>
           <a:xfrm>
             <a:off x="548640" y="755280"/>
-            <a:ext cx="8862120" cy="1011960"/>
+            <a:ext cx="8861760" cy="1011600"/>
           </a:xfrm>
           <a:prstGeom prst="rect">
             <a:avLst/>
@@ -5987,7 +5676,7 @@
       </p:sp>
       <p:pic>
         <p:nvPicPr>
-          <p:cNvPr id="147" name="Google Shape;239;p41" descr=""/>
+          <p:cNvPr id="146" name="Google Shape;239;p41" descr=""/>
           <p:cNvPicPr/>
           <p:nvPr/>
         </p:nvPicPr>
@@ -5998,7 +5687,7 @@
         <p:spPr>
           <a:xfrm>
             <a:off x="1765080" y="2142000"/>
-            <a:ext cx="8503560" cy="4114440"/>
+            <a:ext cx="8503200" cy="4114080"/>
           </a:xfrm>
           <a:prstGeom prst="rect">
             <a:avLst/>
@@ -6031,38 +5720,38 @@
   <p:timing>
     <p:tnLst>
       <p:par>
-        <p:cTn id="150" dur="indefinite" restart="never" nodeType="tmRoot">
+        <p:cTn id="144" dur="indefinite" restart="never" nodeType="tmRoot">
           <p:childTnLst>
             <p:seq>
-              <p:cTn id="151" dur="indefinite" nodeType="mainSeq">
+              <p:cTn id="145" dur="indefinite" nodeType="mainSeq">
                 <p:childTnLst>
                   <p:par>
-                    <p:cTn id="152" fill="hold">
+                    <p:cTn id="146" fill="hold">
                       <p:stCondLst>
                         <p:cond delay="indefinite"/>
                       </p:stCondLst>
                       <p:childTnLst>
                         <p:par>
-                          <p:cTn id="153" fill="hold">
+                          <p:cTn id="147" fill="hold">
                             <p:stCondLst>
                               <p:cond delay="0"/>
                             </p:stCondLst>
                             <p:childTnLst>
                               <p:par>
-                                <p:cTn id="154" nodeType="clickEffect" fill="hold" presetClass="entr" presetID="10">
+                                <p:cTn id="148" nodeType="clickEffect" fill="hold" presetClass="entr" presetID="10">
                                   <p:stCondLst>
                                     <p:cond delay="0"/>
                                   </p:stCondLst>
                                   <p:childTnLst>
                                     <p:set>
                                       <p:cBhvr>
-                                        <p:cTn id="155" dur="1" fill="hold">
+                                        <p:cTn id="149" dur="1" fill="hold">
                                           <p:stCondLst>
                                             <p:cond delay="0"/>
                                           </p:stCondLst>
                                         </p:cTn>
                                         <p:tgtEl>
-                                          <p:spTgt spid="147"/>
+                                          <p:spTgt spid="146"/>
                                         </p:tgtEl>
                                         <p:attrNameLst>
                                           <p:attrName>style.visibility</p:attrName>
@@ -6074,9 +5763,9 @@
                                     </p:set>
                                     <p:animEffect filter="fade" transition="in">
                                       <p:cBhvr additive="repl">
-                                        <p:cTn id="156" dur="500"/>
+                                        <p:cTn id="150" dur="500"/>
                                         <p:tgtEl>
-                                          <p:spTgt spid="147"/>
+                                          <p:spTgt spid="146"/>
                                         </p:tgtEl>
                                       </p:cBhvr>
                                     </p:animEffect>
@@ -6133,14 +5822,14 @@
       </p:grpSpPr>
       <p:sp>
         <p:nvSpPr>
-          <p:cNvPr id="148" name="CustomShape 1"/>
+          <p:cNvPr id="147" name="CustomShape 1"/>
           <p:cNvSpPr/>
           <p:nvPr/>
         </p:nvSpPr>
         <p:spPr>
           <a:xfrm>
             <a:off x="456480" y="1843560"/>
-            <a:ext cx="11320920" cy="4876920"/>
+            <a:ext cx="11320560" cy="4876560"/>
           </a:xfrm>
           <a:prstGeom prst="rect">
             <a:avLst/>
@@ -6164,14 +5853,14 @@
       </p:sp>
       <p:sp>
         <p:nvSpPr>
-          <p:cNvPr id="149" name="CustomShape 2"/>
+          <p:cNvPr id="148" name="CustomShape 2"/>
           <p:cNvSpPr/>
           <p:nvPr/>
         </p:nvSpPr>
         <p:spPr>
           <a:xfrm>
             <a:off x="581040" y="702000"/>
-            <a:ext cx="11028240" cy="1012320"/>
+            <a:ext cx="11027880" cy="1011960"/>
           </a:xfrm>
           <a:prstGeom prst="rect">
             <a:avLst/>
@@ -6229,7 +5918,7 @@
       </p:sp>
       <p:pic>
         <p:nvPicPr>
-          <p:cNvPr id="150" name="Google Shape;246;p42" descr=""/>
+          <p:cNvPr id="149" name="Google Shape;246;p42" descr=""/>
           <p:cNvPicPr/>
           <p:nvPr/>
         </p:nvPicPr>
@@ -6240,7 +5929,7 @@
         <p:spPr>
           <a:xfrm>
             <a:off x="696960" y="2025000"/>
-            <a:ext cx="10797480" cy="4475160"/>
+            <a:ext cx="10797120" cy="4474800"/>
           </a:xfrm>
           <a:prstGeom prst="rect">
             <a:avLst/>
@@ -6273,38 +5962,38 @@
   <p:timing>
     <p:tnLst>
       <p:par>
-        <p:cTn id="157" dur="indefinite" restart="never" nodeType="tmRoot">
+        <p:cTn id="151" dur="indefinite" restart="never" nodeType="tmRoot">
           <p:childTnLst>
             <p:seq>
-              <p:cTn id="158" dur="indefinite" nodeType="mainSeq">
+              <p:cTn id="152" dur="indefinite" nodeType="mainSeq">
                 <p:childTnLst>
                   <p:par>
-                    <p:cTn id="159" fill="hold">
+                    <p:cTn id="153" fill="hold">
                       <p:stCondLst>
                         <p:cond delay="indefinite"/>
                       </p:stCondLst>
                       <p:childTnLst>
                         <p:par>
-                          <p:cTn id="160" fill="hold">
+                          <p:cTn id="154" fill="hold">
                             <p:stCondLst>
                               <p:cond delay="0"/>
                             </p:stCondLst>
                             <p:childTnLst>
                               <p:par>
-                                <p:cTn id="161" nodeType="clickEffect" fill="hold" presetClass="entr" presetID="10">
+                                <p:cTn id="155" nodeType="clickEffect" fill="hold" presetClass="entr" presetID="10">
                                   <p:stCondLst>
                                     <p:cond delay="0"/>
                                   </p:stCondLst>
                                   <p:childTnLst>
                                     <p:set>
                                       <p:cBhvr>
-                                        <p:cTn id="162" dur="1" fill="hold">
+                                        <p:cTn id="156" dur="1" fill="hold">
                                           <p:stCondLst>
                                             <p:cond delay="0"/>
                                           </p:stCondLst>
                                         </p:cTn>
                                         <p:tgtEl>
-                                          <p:spTgt spid="150"/>
+                                          <p:spTgt spid="149"/>
                                         </p:tgtEl>
                                         <p:attrNameLst>
                                           <p:attrName>style.visibility</p:attrName>
@@ -6316,9 +6005,9 @@
                                     </p:set>
                                     <p:animEffect filter="fade" transition="in">
                                       <p:cBhvr additive="repl">
-                                        <p:cTn id="163" dur="500"/>
+                                        <p:cTn id="157" dur="500"/>
                                         <p:tgtEl>
-                                          <p:spTgt spid="150"/>
+                                          <p:spTgt spid="149"/>
                                         </p:tgtEl>
                                       </p:cBhvr>
                                     </p:animEffect>
@@ -6375,14 +6064,14 @@
       </p:grpSpPr>
       <p:sp>
         <p:nvSpPr>
-          <p:cNvPr id="151" name="CustomShape 1"/>
+          <p:cNvPr id="150" name="CustomShape 1"/>
           <p:cNvSpPr/>
           <p:nvPr/>
         </p:nvSpPr>
         <p:spPr>
           <a:xfrm>
             <a:off x="456480" y="1942200"/>
-            <a:ext cx="11279160" cy="4514040"/>
+            <a:ext cx="11278800" cy="4513680"/>
           </a:xfrm>
           <a:prstGeom prst="rect">
             <a:avLst/>
@@ -6406,7 +6095,7 @@
       </p:sp>
       <p:pic>
         <p:nvPicPr>
-          <p:cNvPr id="152" name="Google Shape;252;p43" descr=""/>
+          <p:cNvPr id="151" name="Google Shape;252;p43" descr=""/>
           <p:cNvPicPr/>
           <p:nvPr/>
         </p:nvPicPr>
@@ -6417,7 +6106,7 @@
         <p:spPr>
           <a:xfrm>
             <a:off x="790200" y="2054160"/>
-            <a:ext cx="10702800" cy="4213440"/>
+            <a:ext cx="10702440" cy="4213080"/>
           </a:xfrm>
           <a:prstGeom prst="rect">
             <a:avLst/>
@@ -6439,14 +6128,14 @@
       </p:pic>
       <p:sp>
         <p:nvSpPr>
-          <p:cNvPr id="153" name="CustomShape 2"/>
+          <p:cNvPr id="152" name="CustomShape 2"/>
           <p:cNvSpPr/>
           <p:nvPr/>
         </p:nvSpPr>
         <p:spPr>
           <a:xfrm>
             <a:off x="474120" y="705960"/>
-            <a:ext cx="5340600" cy="914760"/>
+            <a:ext cx="5340240" cy="914400"/>
           </a:xfrm>
           <a:prstGeom prst="rect">
             <a:avLst/>
@@ -6463,7 +6152,7 @@
           <a:fontRef idx="minor"/>
         </p:style>
         <p:txBody>
-          <a:bodyPr tIns="91440" bIns="91440">
+          <a:bodyPr lIns="90000" rIns="90000" tIns="91440" bIns="91440">
             <a:spAutoFit/>
           </a:bodyPr>
           <a:p>
@@ -6534,14 +6223,14 @@
       </p:grpSpPr>
       <p:sp>
         <p:nvSpPr>
-          <p:cNvPr id="154" name="CustomShape 1"/>
+          <p:cNvPr id="153" name="CustomShape 1"/>
           <p:cNvSpPr/>
           <p:nvPr/>
         </p:nvSpPr>
         <p:spPr>
           <a:xfrm>
             <a:off x="456480" y="1942200"/>
-            <a:ext cx="11279160" cy="4514040"/>
+            <a:ext cx="11278800" cy="4513680"/>
           </a:xfrm>
           <a:prstGeom prst="rect">
             <a:avLst/>
@@ -6565,14 +6254,14 @@
       </p:sp>
       <p:sp>
         <p:nvSpPr>
-          <p:cNvPr id="155" name="CustomShape 2"/>
+          <p:cNvPr id="154" name="CustomShape 2"/>
           <p:cNvSpPr/>
           <p:nvPr/>
         </p:nvSpPr>
         <p:spPr>
           <a:xfrm>
             <a:off x="581040" y="702000"/>
-            <a:ext cx="11028240" cy="1012320"/>
+            <a:ext cx="11027880" cy="1011960"/>
           </a:xfrm>
           <a:prstGeom prst="rect">
             <a:avLst/>
@@ -6659,14 +6348,14 @@
       </p:grpSpPr>
       <p:sp>
         <p:nvSpPr>
-          <p:cNvPr id="156" name="CustomShape 1"/>
+          <p:cNvPr id="155" name="CustomShape 1"/>
           <p:cNvSpPr/>
           <p:nvPr/>
         </p:nvSpPr>
         <p:spPr>
           <a:xfrm>
             <a:off x="456480" y="4822200"/>
-            <a:ext cx="11279160" cy="1634040"/>
+            <a:ext cx="11278800" cy="1633680"/>
           </a:xfrm>
           <a:prstGeom prst="rect">
             <a:avLst/>
@@ -6690,14 +6379,14 @@
       </p:sp>
       <p:sp>
         <p:nvSpPr>
-          <p:cNvPr id="157" name="CustomShape 2"/>
+          <p:cNvPr id="156" name="CustomShape 2"/>
           <p:cNvSpPr/>
           <p:nvPr/>
         </p:nvSpPr>
         <p:spPr>
           <a:xfrm>
             <a:off x="3187800" y="2304000"/>
-            <a:ext cx="5518080" cy="1138680"/>
+            <a:ext cx="5517720" cy="1138320"/>
           </a:xfrm>
           <a:prstGeom prst="rect">
             <a:avLst/>
@@ -6714,7 +6403,7 @@
           <a:fontRef idx="minor"/>
         </p:style>
         <p:txBody>
-          <a:bodyPr tIns="91440" bIns="91440" anchor="ctr">
+          <a:bodyPr lIns="90000" rIns="90000" tIns="91440" bIns="91440" anchor="ctr">
             <a:noAutofit/>
           </a:bodyPr>
           <a:p>
@@ -6757,14 +6446,14 @@
       </p:sp>
       <p:sp>
         <p:nvSpPr>
-          <p:cNvPr id="158" name="CustomShape 3"/>
+          <p:cNvPr id="157" name="CustomShape 3"/>
           <p:cNvSpPr/>
           <p:nvPr/>
         </p:nvSpPr>
         <p:spPr>
           <a:xfrm>
             <a:off x="3577680" y="5196960"/>
-            <a:ext cx="5036040" cy="594720"/>
+            <a:ext cx="5035680" cy="594360"/>
           </a:xfrm>
           <a:prstGeom prst="rect">
             <a:avLst/>
@@ -6781,7 +6470,7 @@
           <a:fontRef idx="minor"/>
         </p:style>
         <p:txBody>
-          <a:bodyPr tIns="91440" bIns="91440">
+          <a:bodyPr lIns="90000" rIns="90000" tIns="91440" bIns="91440">
             <a:spAutoFit/>
           </a:bodyPr>
           <a:p>
@@ -6822,32 +6511,93 @@
   <p:timing>
     <p:tnLst>
       <p:par>
-        <p:cTn id="164" dur="indefinite" restart="never" nodeType="tmRoot">
+        <p:cTn id="158" dur="indefinite" restart="never" nodeType="tmRoot">
           <p:childTnLst>
             <p:seq>
-              <p:cTn id="165" dur="indefinite" nodeType="mainSeq">
+              <p:cTn id="159" dur="indefinite" nodeType="mainSeq">
                 <p:childTnLst>
                   <p:par>
-                    <p:cTn id="166" fill="hold">
+                    <p:cTn id="160" fill="hold">
                       <p:stCondLst>
                         <p:cond delay="indefinite"/>
                       </p:stCondLst>
                       <p:childTnLst>
                         <p:par>
-                          <p:cTn id="167" fill="hold">
+                          <p:cTn id="161" fill="hold">
                             <p:stCondLst>
                               <p:cond delay="0"/>
                             </p:stCondLst>
                             <p:childTnLst>
                               <p:par>
-                                <p:cTn id="168" nodeType="clickEffect" fill="hold" presetClass="entr" presetID="10">
+                                <p:cTn id="162" nodeType="clickEffect" fill="hold" presetClass="entr" presetID="10">
                                   <p:stCondLst>
                                     <p:cond delay="0"/>
                                   </p:stCondLst>
                                   <p:childTnLst>
                                     <p:set>
                                       <p:cBhvr>
-                                        <p:cTn id="169" dur="1" fill="hold">
+                                        <p:cTn id="163" dur="1" fill="hold">
+                                          <p:stCondLst>
+                                            <p:cond delay="0"/>
+                                          </p:stCondLst>
+                                        </p:cTn>
+                                        <p:tgtEl>
+                                          <p:spTgt spid="156">
+                                            <p:txEl>
+                                              <p:pRg st="0" end="0"/>
+                                            </p:txEl>
+                                          </p:spTgt>
+                                        </p:tgtEl>
+                                        <p:attrNameLst>
+                                          <p:attrName>style.visibility</p:attrName>
+                                        </p:attrNameLst>
+                                      </p:cBhvr>
+                                      <p:to>
+                                        <p:strVal val="visible"/>
+                                      </p:to>
+                                    </p:set>
+                                    <p:animEffect filter="fade" transition="in">
+                                      <p:cBhvr additive="repl">
+                                        <p:cTn id="164" dur="500"/>
+                                        <p:tgtEl>
+                                          <p:spTgt spid="156">
+                                            <p:txEl>
+                                              <p:pRg st="0" end="0"/>
+                                            </p:txEl>
+                                          </p:spTgt>
+                                        </p:tgtEl>
+                                      </p:cBhvr>
+                                    </p:animEffect>
+                                  </p:childTnLst>
+                                </p:cTn>
+                              </p:par>
+                            </p:childTnLst>
+                          </p:cTn>
+                        </p:par>
+                      </p:childTnLst>
+                    </p:cTn>
+                  </p:par>
+                  <p:par>
+                    <p:cTn id="165" fill="hold">
+                      <p:stCondLst>
+                        <p:cond delay="indefinite"/>
+                      </p:stCondLst>
+                      <p:childTnLst>
+                        <p:par>
+                          <p:cTn id="166" fill="hold">
+                            <p:stCondLst>
+                              <p:cond delay="0"/>
+                            </p:stCondLst>
+                            <p:childTnLst>
+                              <p:par>
+                                <p:cTn id="167" nodeType="clickEffect" fill="hold" presetClass="entr" presetID="10">
+                                  <p:stCondLst>
+                                    <p:cond delay="0"/>
+                                  </p:stCondLst>
+                                  <p:childTnLst>
+                                    <p:set>
+                                      <p:cBhvr>
+                                        <p:cTn id="168" dur="1" fill="hold">
                                           <p:stCondLst>
                                             <p:cond delay="0"/>
                                           </p:stCondLst>
@@ -6869,70 +6619,9 @@
                                     </p:set>
                                     <p:animEffect filter="fade" transition="in">
                                       <p:cBhvr additive="repl">
-                                        <p:cTn id="170" dur="500"/>
+                                        <p:cTn id="169" dur="500"/>
                                         <p:tgtEl>
                                           <p:spTgt spid="157">
-                                            <p:txEl>
-                                              <p:pRg st="0" end="0"/>
-                                            </p:txEl>
-                                          </p:spTgt>
-                                        </p:tgtEl>
-                                      </p:cBhvr>
-                                    </p:animEffect>
-                                  </p:childTnLst>
-                                </p:cTn>
-                              </p:par>
-                            </p:childTnLst>
-                          </p:cTn>
-                        </p:par>
-                      </p:childTnLst>
-                    </p:cTn>
-                  </p:par>
-                  <p:par>
-                    <p:cTn id="171" fill="hold">
-                      <p:stCondLst>
-                        <p:cond delay="indefinite"/>
-                      </p:stCondLst>
-                      <p:childTnLst>
-                        <p:par>
-                          <p:cTn id="172" fill="hold">
-                            <p:stCondLst>
-                              <p:cond delay="0"/>
-                            </p:stCondLst>
-                            <p:childTnLst>
-                              <p:par>
-                                <p:cTn id="173" nodeType="clickEffect" fill="hold" presetClass="entr" presetID="10">
-                                  <p:stCondLst>
-                                    <p:cond delay="0"/>
-                                  </p:stCondLst>
-                                  <p:childTnLst>
-                                    <p:set>
-                                      <p:cBhvr>
-                                        <p:cTn id="174" dur="1" fill="hold">
-                                          <p:stCondLst>
-                                            <p:cond delay="0"/>
-                                          </p:stCondLst>
-                                        </p:cTn>
-                                        <p:tgtEl>
-                                          <p:spTgt spid="158">
-                                            <p:txEl>
-                                              <p:pRg st="0" end="0"/>
-                                            </p:txEl>
-                                          </p:spTgt>
-                                        </p:tgtEl>
-                                        <p:attrNameLst>
-                                          <p:attrName>style.visibility</p:attrName>
-                                        </p:attrNameLst>
-                                      </p:cBhvr>
-                                      <p:to>
-                                        <p:strVal val="visible"/>
-                                      </p:to>
-                                    </p:set>
-                                    <p:animEffect filter="fade" transition="in">
-                                      <p:cBhvr additive="repl">
-                                        <p:cTn id="175" dur="500"/>
-                                        <p:tgtEl>
-                                          <p:spTgt spid="158">
                                             <p:txEl>
                                               <p:pRg st="0" end="0"/>
                                             </p:txEl>
@@ -7000,7 +6689,7 @@
         <p:spPr>
           <a:xfrm>
             <a:off x="456480" y="2250360"/>
-            <a:ext cx="11279160" cy="4205880"/>
+            <a:ext cx="11278800" cy="4205520"/>
           </a:xfrm>
           <a:prstGeom prst="rect">
             <a:avLst/>
@@ -7031,7 +6720,7 @@
         <p:spPr>
           <a:xfrm>
             <a:off x="790200" y="1071720"/>
-            <a:ext cx="9992160" cy="655560"/>
+            <a:ext cx="9991800" cy="655200"/>
           </a:xfrm>
           <a:prstGeom prst="rect">
             <a:avLst/>
@@ -7048,7 +6737,7 @@
           <a:fontRef idx="minor"/>
         </p:style>
         <p:txBody>
-          <a:bodyPr tIns="91440" bIns="91440">
+          <a:bodyPr lIns="90000" rIns="90000" tIns="91440" bIns="91440">
             <a:spAutoFit/>
           </a:bodyPr>
           <a:p>
@@ -7085,7 +6774,7 @@
         <p:spPr>
           <a:xfrm>
             <a:off x="937800" y="2839680"/>
-            <a:ext cx="9134640" cy="3232440"/>
+            <a:ext cx="9134280" cy="3232080"/>
           </a:xfrm>
           <a:prstGeom prst="rect">
             <a:avLst/>
@@ -7102,11 +6791,11 @@
           <a:fontRef idx="minor"/>
         </p:style>
         <p:txBody>
-          <a:bodyPr tIns="91440" bIns="91440">
+          <a:bodyPr lIns="90000" rIns="90000" tIns="91440" bIns="91440">
             <a:spAutoFit/>
           </a:bodyPr>
           <a:p>
-            <a:pPr marL="457200" indent="-355320">
+            <a:pPr marL="457200" indent="-354960">
               <a:lnSpc>
                 <a:spcPct val="100000"/>
               </a:lnSpc>
@@ -7131,7 +6820,7 @@
             </a:endParaRPr>
           </a:p>
           <a:p>
-            <a:pPr marL="457200" indent="-355320">
+            <a:pPr marL="457200" indent="-354960">
               <a:lnSpc>
                 <a:spcPct val="100000"/>
               </a:lnSpc>
@@ -7156,7 +6845,7 @@
             </a:endParaRPr>
           </a:p>
           <a:p>
-            <a:pPr marL="457200" indent="-355320">
+            <a:pPr marL="457200" indent="-354960">
               <a:lnSpc>
                 <a:spcPct val="100000"/>
               </a:lnSpc>
@@ -7181,7 +6870,7 @@
             </a:endParaRPr>
           </a:p>
           <a:p>
-            <a:pPr marL="457200" indent="-355320">
+            <a:pPr marL="457200" indent="-354960">
               <a:lnSpc>
                 <a:spcPct val="100000"/>
               </a:lnSpc>
@@ -7206,7 +6895,7 @@
             </a:endParaRPr>
           </a:p>
           <a:p>
-            <a:pPr marL="457200" indent="-355320">
+            <a:pPr marL="457200" indent="-354960">
               <a:lnSpc>
                 <a:spcPct val="100000"/>
               </a:lnSpc>
@@ -7231,7 +6920,7 @@
             </a:endParaRPr>
           </a:p>
           <a:p>
-            <a:pPr marL="457200" indent="-355320">
+            <a:pPr marL="457200" indent="-354960">
               <a:lnSpc>
                 <a:spcPct val="100000"/>
               </a:lnSpc>
@@ -7256,7 +6945,7 @@
             </a:endParaRPr>
           </a:p>
           <a:p>
-            <a:pPr marL="457200" indent="-355320">
+            <a:pPr marL="457200" indent="-354960">
               <a:lnSpc>
                 <a:spcPct val="100000"/>
               </a:lnSpc>
@@ -7281,7 +6970,7 @@
             </a:endParaRPr>
           </a:p>
           <a:p>
-            <a:pPr marL="457200" indent="-355320">
+            <a:pPr marL="457200" indent="-354960">
               <a:lnSpc>
                 <a:spcPct val="100000"/>
               </a:lnSpc>
@@ -7306,7 +6995,7 @@
             </a:endParaRPr>
           </a:p>
           <a:p>
-            <a:pPr marL="457200" indent="-355320">
+            <a:pPr marL="457200" indent="-354960">
               <a:lnSpc>
                 <a:spcPct val="100000"/>
               </a:lnSpc>
@@ -7331,7 +7020,7 @@
             </a:endParaRPr>
           </a:p>
           <a:p>
-            <a:pPr marL="457200" indent="-355320">
+            <a:pPr marL="457200" indent="-354960">
               <a:lnSpc>
                 <a:spcPct val="100000"/>
               </a:lnSpc>
@@ -7389,14 +7078,14 @@
       </p:grpSpPr>
       <p:sp>
         <p:nvSpPr>
-          <p:cNvPr id="159" name="CustomShape 1"/>
+          <p:cNvPr id="158" name="CustomShape 1"/>
           <p:cNvSpPr/>
           <p:nvPr/>
         </p:nvSpPr>
         <p:spPr>
           <a:xfrm>
             <a:off x="468720" y="2079720"/>
-            <a:ext cx="11251080" cy="4619520"/>
+            <a:ext cx="11250720" cy="4619160"/>
           </a:xfrm>
           <a:prstGeom prst="rect">
             <a:avLst/>
@@ -7420,14 +7109,14 @@
       </p:sp>
       <p:sp>
         <p:nvSpPr>
-          <p:cNvPr id="160" name="CustomShape 2"/>
+          <p:cNvPr id="159" name="CustomShape 2"/>
           <p:cNvSpPr/>
           <p:nvPr/>
         </p:nvSpPr>
         <p:spPr>
           <a:xfrm>
             <a:off x="709920" y="910800"/>
-            <a:ext cx="2705400" cy="655560"/>
+            <a:ext cx="2705040" cy="655200"/>
           </a:xfrm>
           <a:prstGeom prst="rect">
             <a:avLst/>
@@ -7444,7 +7133,7 @@
           <a:fontRef idx="minor"/>
         </p:style>
         <p:txBody>
-          <a:bodyPr tIns="91440" bIns="91440">
+          <a:bodyPr lIns="90000" rIns="90000" tIns="91440" bIns="91440">
             <a:spAutoFit/>
           </a:bodyPr>
           <a:p>
@@ -7474,14 +7163,14 @@
       </p:sp>
       <p:sp>
         <p:nvSpPr>
-          <p:cNvPr id="161" name="CustomShape 3"/>
+          <p:cNvPr id="160" name="CustomShape 3"/>
           <p:cNvSpPr/>
           <p:nvPr/>
         </p:nvSpPr>
         <p:spPr>
           <a:xfrm>
             <a:off x="964440" y="2812680"/>
-            <a:ext cx="7674840" cy="1783440"/>
+            <a:ext cx="7674480" cy="1783080"/>
           </a:xfrm>
           <a:prstGeom prst="rect">
             <a:avLst/>
@@ -7498,11 +7187,11 @@
           <a:fontRef idx="minor"/>
         </p:style>
         <p:txBody>
-          <a:bodyPr tIns="91440" bIns="91440">
+          <a:bodyPr lIns="90000" rIns="90000" tIns="91440" bIns="91440">
             <a:spAutoFit/>
           </a:bodyPr>
           <a:p>
-            <a:pPr marL="457200" indent="-361440">
+            <a:pPr marL="457200" indent="-361080">
               <a:lnSpc>
                 <a:spcPct val="100000"/>
               </a:lnSpc>
@@ -7542,7 +7231,7 @@
             </a:endParaRPr>
           </a:p>
           <a:p>
-            <a:pPr marL="457200" indent="-361440">
+            <a:pPr marL="457200" indent="-361080">
               <a:lnSpc>
                 <a:spcPct val="100000"/>
               </a:lnSpc>
@@ -7585,7 +7274,7 @@
             </a:endParaRPr>
           </a:p>
           <a:p>
-            <a:pPr marL="457200" indent="-361440">
+            <a:pPr marL="457200" indent="-361080">
               <a:lnSpc>
                 <a:spcPct val="100000"/>
               </a:lnSpc>
@@ -7628,38 +7317,38 @@
   <p:timing>
     <p:tnLst>
       <p:par>
-        <p:cTn id="176" dur="indefinite" restart="never" nodeType="tmRoot">
+        <p:cTn id="170" dur="indefinite" restart="never" nodeType="tmRoot">
           <p:childTnLst>
             <p:seq>
-              <p:cTn id="177" dur="indefinite" nodeType="mainSeq">
+              <p:cTn id="171" dur="indefinite" nodeType="mainSeq">
                 <p:childTnLst>
                   <p:par>
-                    <p:cTn id="178" fill="hold">
+                    <p:cTn id="172" fill="hold">
                       <p:stCondLst>
                         <p:cond delay="indefinite"/>
                       </p:stCondLst>
                       <p:childTnLst>
                         <p:par>
-                          <p:cTn id="179" fill="hold">
+                          <p:cTn id="173" fill="hold">
                             <p:stCondLst>
                               <p:cond delay="0"/>
                             </p:stCondLst>
                             <p:childTnLst>
                               <p:par>
-                                <p:cTn id="180" nodeType="clickEffect" fill="hold" presetClass="entr" presetID="10">
+                                <p:cTn id="174" nodeType="clickEffect" fill="hold" presetClass="entr" presetID="10">
                                   <p:stCondLst>
                                     <p:cond delay="0"/>
                                   </p:stCondLst>
                                   <p:childTnLst>
                                     <p:set>
                                       <p:cBhvr>
-                                        <p:cTn id="181" dur="1" fill="hold">
+                                        <p:cTn id="175" dur="1" fill="hold">
                                           <p:stCondLst>
                                             <p:cond delay="0"/>
                                           </p:stCondLst>
                                         </p:cTn>
                                         <p:tgtEl>
-                                          <p:spTgt spid="161">
+                                          <p:spTgt spid="160">
                                             <p:txEl>
                                               <p:pRg st="0" end="0"/>
                                             </p:txEl>
@@ -7675,9 +7364,9 @@
                                     </p:set>
                                     <p:animEffect filter="fade" transition="in">
                                       <p:cBhvr additive="repl">
-                                        <p:cTn id="182" dur="500"/>
+                                        <p:cTn id="176" dur="500"/>
                                         <p:tgtEl>
-                                          <p:spTgt spid="161">
+                                          <p:spTgt spid="160">
                                             <p:txEl>
                                               <p:pRg st="0" end="0"/>
                                             </p:txEl>
@@ -7689,20 +7378,20 @@
                                 </p:cTn>
                               </p:par>
                               <p:par>
-                                <p:cTn id="183" nodeType="withEffect" fill="hold" presetClass="entr" presetID="10">
+                                <p:cTn id="177" nodeType="withEffect" fill="hold" presetClass="entr" presetID="10">
                                   <p:stCondLst>
                                     <p:cond delay="0"/>
                                   </p:stCondLst>
                                   <p:childTnLst>
                                     <p:set>
                                       <p:cBhvr>
-                                        <p:cTn id="184" dur="1" fill="hold">
+                                        <p:cTn id="178" dur="1" fill="hold">
                                           <p:stCondLst>
                                             <p:cond delay="0"/>
                                           </p:stCondLst>
                                         </p:cTn>
                                         <p:tgtEl>
-                                          <p:spTgt spid="161">
+                                          <p:spTgt spid="160">
                                             <p:txEl>
                                               <p:pRg st="2" end="2"/>
                                             </p:txEl>
@@ -7718,9 +7407,9 @@
                                     </p:set>
                                     <p:animEffect filter="fade" transition="in">
                                       <p:cBhvr additive="repl">
-                                        <p:cTn id="185" dur="500"/>
+                                        <p:cTn id="179" dur="500"/>
                                         <p:tgtEl>
-                                          <p:spTgt spid="161">
+                                          <p:spTgt spid="160">
                                             <p:txEl>
                                               <p:pRg st="2" end="2"/>
                                             </p:txEl>
@@ -7732,20 +7421,20 @@
                                 </p:cTn>
                               </p:par>
                               <p:par>
-                                <p:cTn id="186" nodeType="withEffect" fill="hold" presetClass="entr" presetID="10">
+                                <p:cTn id="180" nodeType="withEffect" fill="hold" presetClass="entr" presetID="10">
                                   <p:stCondLst>
                                     <p:cond delay="0"/>
                                   </p:stCondLst>
                                   <p:childTnLst>
                                     <p:set>
                                       <p:cBhvr>
-                                        <p:cTn id="187" dur="1" fill="hold">
+                                        <p:cTn id="181" dur="1" fill="hold">
                                           <p:stCondLst>
                                             <p:cond delay="0"/>
                                           </p:stCondLst>
                                         </p:cTn>
                                         <p:tgtEl>
-                                          <p:spTgt spid="161">
+                                          <p:spTgt spid="160">
                                             <p:txEl>
                                               <p:pRg st="4" end="4"/>
                                             </p:txEl>
@@ -7761,9 +7450,9 @@
                                     </p:set>
                                     <p:animEffect filter="fade" transition="in">
                                       <p:cBhvr additive="repl">
-                                        <p:cTn id="188" dur="500"/>
+                                        <p:cTn id="182" dur="500"/>
                                         <p:tgtEl>
-                                          <p:spTgt spid="161">
+                                          <p:spTgt spid="160">
                                             <p:txEl>
                                               <p:pRg st="4" end="4"/>
                                             </p:txEl>
@@ -7831,7 +7520,7 @@
         <p:spPr>
           <a:xfrm>
             <a:off x="483480" y="852120"/>
-            <a:ext cx="3494520" cy="594360"/>
+            <a:ext cx="3494160" cy="594000"/>
           </a:xfrm>
           <a:prstGeom prst="rect">
             <a:avLst/>
@@ -7885,7 +7574,7 @@
         <p:spPr>
           <a:xfrm>
             <a:off x="483480" y="2530800"/>
-            <a:ext cx="9787320" cy="430920"/>
+            <a:ext cx="9786960" cy="430560"/>
           </a:xfrm>
           <a:prstGeom prst="rect">
             <a:avLst/>
@@ -7911,7 +7600,7 @@
         <p:spPr>
           <a:xfrm>
             <a:off x="442080" y="2045880"/>
-            <a:ext cx="11307960" cy="4674240"/>
+            <a:ext cx="11307600" cy="4673880"/>
           </a:xfrm>
           <a:prstGeom prst="rect">
             <a:avLst/>
@@ -7946,7 +7635,7 @@
         <p:spPr>
           <a:xfrm>
             <a:off x="6714720" y="2484360"/>
-            <a:ext cx="4506840" cy="3514320"/>
+            <a:ext cx="4506480" cy="3513960"/>
           </a:xfrm>
           <a:prstGeom prst="rect">
             <a:avLst/>
@@ -7965,7 +7654,7 @@
         <p:spPr>
           <a:xfrm>
             <a:off x="670320" y="2180520"/>
-            <a:ext cx="5626800" cy="4496040"/>
+            <a:ext cx="5626440" cy="4449960"/>
           </a:xfrm>
           <a:prstGeom prst="rect">
             <a:avLst/>
@@ -7982,7 +7671,7 @@
           <a:fontRef idx="minor"/>
         </p:style>
         <p:txBody>
-          <a:bodyPr tIns="91440" bIns="91440">
+          <a:bodyPr lIns="90000" rIns="90000" tIns="91440" bIns="91440">
             <a:spAutoFit/>
           </a:bodyPr>
           <a:p>
@@ -7999,7 +7688,7 @@
             </a:endParaRPr>
           </a:p>
           <a:p>
-            <a:pPr marL="457200" indent="-336240">
+            <a:pPr marL="457200" indent="-335880">
               <a:lnSpc>
                 <a:spcPct val="100000"/>
               </a:lnSpc>
@@ -8040,7 +7729,7 @@
             </a:endParaRPr>
           </a:p>
           <a:p>
-            <a:pPr marL="457200" indent="-336240">
+            <a:pPr marL="457200" indent="-335880">
               <a:lnSpc>
                 <a:spcPct val="100000"/>
               </a:lnSpc>
@@ -8070,6 +7759,7 @@
                   <a:srgbClr val="ffffff"/>
                 </a:solidFill>
                 <a:latin typeface="Arial"/>
+                <a:ea typeface="DejaVu Sans"/>
               </a:rPr>
               <a:t> </a:t>
             </a:r>
@@ -8078,7 +7768,7 @@
             </a:endParaRPr>
           </a:p>
           <a:p>
-            <a:pPr marL="457200" indent="-336240">
+            <a:pPr marL="457200" indent="-335880">
               <a:lnSpc>
                 <a:spcPct val="100000"/>
               </a:lnSpc>
@@ -8108,6 +7798,7 @@
                   <a:srgbClr val="ffffff"/>
                 </a:solidFill>
                 <a:latin typeface="Arial"/>
+                <a:ea typeface="DejaVu Sans"/>
               </a:rPr>
               <a:t> </a:t>
             </a:r>
@@ -8116,7 +7807,7 @@
             </a:endParaRPr>
           </a:p>
           <a:p>
-            <a:pPr marL="457200" indent="-336240">
+            <a:pPr marL="457200" indent="-335880">
               <a:lnSpc>
                 <a:spcPct val="100000"/>
               </a:lnSpc>
@@ -8471,7 +8162,7 @@
         <p:spPr>
           <a:xfrm>
             <a:off x="581040" y="778320"/>
-            <a:ext cx="4310280" cy="761040"/>
+            <a:ext cx="4309920" cy="760680"/>
           </a:xfrm>
           <a:prstGeom prst="rect">
             <a:avLst/>
@@ -8525,7 +8216,7 @@
         <p:spPr>
           <a:xfrm>
             <a:off x="975960" y="2540160"/>
-            <a:ext cx="7699680" cy="399960"/>
+            <a:ext cx="7699320" cy="399600"/>
           </a:xfrm>
           <a:prstGeom prst="rect">
             <a:avLst/>
@@ -8551,7 +8242,7 @@
         <p:spPr>
           <a:xfrm>
             <a:off x="456480" y="2022480"/>
-            <a:ext cx="11279160" cy="4500360"/>
+            <a:ext cx="11278800" cy="4500000"/>
           </a:xfrm>
           <a:prstGeom prst="rect">
             <a:avLst/>
@@ -8586,7 +8277,7 @@
         <p:spPr>
           <a:xfrm>
             <a:off x="7956000" y="2676600"/>
-            <a:ext cx="3299760" cy="2499840"/>
+            <a:ext cx="3299400" cy="2499480"/>
           </a:xfrm>
           <a:prstGeom prst="rect">
             <a:avLst/>
@@ -8616,7 +8307,7 @@
         <p:spPr>
           <a:xfrm>
             <a:off x="975960" y="2288520"/>
-            <a:ext cx="4902120" cy="3475080"/>
+            <a:ext cx="4901760" cy="3474720"/>
           </a:xfrm>
           <a:prstGeom prst="rect">
             <a:avLst/>
@@ -8633,11 +8324,11 @@
           <a:fontRef idx="minor"/>
         </p:style>
         <p:txBody>
-          <a:bodyPr tIns="91440" bIns="91440">
+          <a:bodyPr lIns="90000" rIns="90000" tIns="91440" bIns="91440">
             <a:spAutoFit/>
           </a:bodyPr>
           <a:p>
-            <a:pPr marL="457200" indent="-342720">
+            <a:pPr marL="457200" indent="-342360">
               <a:lnSpc>
                 <a:spcPct val="100000"/>
               </a:lnSpc>
@@ -8675,7 +8366,7 @@
             </a:endParaRPr>
           </a:p>
           <a:p>
-            <a:pPr marL="457200" indent="-342720">
+            <a:pPr marL="457200" indent="-342360">
               <a:lnSpc>
                 <a:spcPct val="100000"/>
               </a:lnSpc>
@@ -8877,7 +8568,7 @@
         <p:spPr>
           <a:xfrm>
             <a:off x="640080" y="914400"/>
-            <a:ext cx="4351680" cy="486720"/>
+            <a:ext cx="4351320" cy="486360"/>
           </a:xfrm>
           <a:prstGeom prst="rect">
             <a:avLst/>
@@ -8931,7 +8622,7 @@
         <p:spPr>
           <a:xfrm>
             <a:off x="457200" y="1957320"/>
-            <a:ext cx="11279160" cy="4569120"/>
+            <a:ext cx="11278800" cy="4568760"/>
           </a:xfrm>
           <a:prstGeom prst="rect">
             <a:avLst/>
@@ -8962,7 +8653,7 @@
         <p:spPr>
           <a:xfrm>
             <a:off x="640080" y="2926440"/>
-            <a:ext cx="6569280" cy="4116600"/>
+            <a:ext cx="6568920" cy="4146480"/>
           </a:xfrm>
           <a:prstGeom prst="rect">
             <a:avLst/>
@@ -8979,11 +8670,11 @@
           <a:fontRef idx="minor"/>
         </p:style>
         <p:txBody>
-          <a:bodyPr tIns="91440" bIns="91440">
+          <a:bodyPr lIns="90000" rIns="90000" tIns="91440" bIns="91440">
             <a:spAutoFit/>
           </a:bodyPr>
           <a:p>
-            <a:pPr marL="457200" indent="-355320">
+            <a:pPr marL="457200" indent="-354960">
               <a:lnSpc>
                 <a:spcPct val="100000"/>
               </a:lnSpc>
@@ -9008,7 +8699,7 @@
             </a:endParaRPr>
           </a:p>
           <a:p>
-            <a:pPr marL="457200" indent="-355320">
+            <a:pPr marL="457200" indent="-354960">
               <a:lnSpc>
                 <a:spcPct val="100000"/>
               </a:lnSpc>
@@ -9046,7 +8737,7 @@
             </a:endParaRPr>
           </a:p>
           <a:p>
-            <a:pPr>
+            <a:pPr marL="457200">
               <a:lnSpc>
                 <a:spcPct val="100000"/>
               </a:lnSpc>
@@ -9059,7 +8750,7 @@
             </a:endParaRPr>
           </a:p>
           <a:p>
-            <a:pPr>
+            <a:pPr marL="457200">
               <a:lnSpc>
                 <a:spcPct val="100000"/>
               </a:lnSpc>
@@ -9125,7 +8816,7 @@
         <p:spPr>
           <a:xfrm>
             <a:off x="7496640" y="2151000"/>
-            <a:ext cx="3620520" cy="2804760"/>
+            <a:ext cx="3620160" cy="2804400"/>
           </a:xfrm>
           <a:prstGeom prst="rect">
             <a:avLst/>
@@ -9316,7 +9007,7 @@
         <p:spPr>
           <a:xfrm>
             <a:off x="585720" y="914400"/>
-            <a:ext cx="4351680" cy="486720"/>
+            <a:ext cx="4351320" cy="486360"/>
           </a:xfrm>
           <a:prstGeom prst="rect">
             <a:avLst/>
@@ -9370,7 +9061,7 @@
         <p:spPr>
           <a:xfrm>
             <a:off x="456480" y="2022480"/>
-            <a:ext cx="11279160" cy="4433760"/>
+            <a:ext cx="11278800" cy="4433400"/>
           </a:xfrm>
           <a:prstGeom prst="rect">
             <a:avLst/>
@@ -9401,7 +9092,7 @@
         <p:spPr>
           <a:xfrm>
             <a:off x="1379520" y="2544840"/>
-            <a:ext cx="9322200" cy="3475080"/>
+            <a:ext cx="9321840" cy="3475080"/>
           </a:xfrm>
           <a:prstGeom prst="rect">
             <a:avLst/>
@@ -9418,11 +9109,11 @@
           <a:fontRef idx="minor"/>
         </p:style>
         <p:txBody>
-          <a:bodyPr tIns="91440" bIns="91440">
+          <a:bodyPr lIns="90000" rIns="90000" tIns="91440" bIns="91440">
             <a:spAutoFit/>
           </a:bodyPr>
           <a:p>
-            <a:pPr marL="457200" indent="-342720">
+            <a:pPr marL="457200" indent="-342360">
               <a:lnSpc>
                 <a:spcPct val="100000"/>
               </a:lnSpc>
@@ -9460,7 +9151,7 @@
             </a:endParaRPr>
           </a:p>
           <a:p>
-            <a:pPr marL="457200" indent="-342720">
+            <a:pPr marL="457200" indent="-342360">
               <a:lnSpc>
                 <a:spcPct val="100000"/>
               </a:lnSpc>
@@ -9501,7 +9192,7 @@
             </a:endParaRPr>
           </a:p>
           <a:p>
-            <a:pPr marL="457200" indent="-342720">
+            <a:pPr marL="457200" indent="-342360">
               <a:lnSpc>
                 <a:spcPct val="100000"/>
               </a:lnSpc>
@@ -9551,7 +9242,7 @@
                   <p:par>
                     <p:cTn id="42" fill="hold">
                       <p:stCondLst>
-                        <p:cond delay="indefinite"/>
+                        <p:cond delay="0"/>
                       </p:stCondLst>
                       <p:childTnLst>
                         <p:par>
@@ -9561,7 +9252,7 @@
                             </p:stCondLst>
                             <p:childTnLst>
                               <p:par>
-                                <p:cTn id="44" nodeType="clickEffect" fill="hold" presetClass="entr" presetID="10">
+                                <p:cTn id="44" nodeType="withEffect" fill="hold" presetClass="entr" presetID="10">
                                   <p:stCondLst>
                                     <p:cond delay="0"/>
                                   </p:stCondLst>
@@ -9595,92 +9286,6 @@
                                           <p:spTgt spid="105">
                                             <p:txEl>
                                               <p:pRg st="0" end="0"/>
-                                            </p:txEl>
-                                          </p:spTgt>
-                                        </p:tgtEl>
-                                      </p:cBhvr>
-                                    </p:animEffect>
-                                  </p:childTnLst>
-                                </p:cTn>
-                              </p:par>
-                              <p:par>
-                                <p:cTn id="47" nodeType="withEffect" fill="hold" presetClass="entr" presetID="10">
-                                  <p:stCondLst>
-                                    <p:cond delay="0"/>
-                                  </p:stCondLst>
-                                  <p:childTnLst>
-                                    <p:set>
-                                      <p:cBhvr>
-                                        <p:cTn id="48" dur="1" fill="hold">
-                                          <p:stCondLst>
-                                            <p:cond delay="0"/>
-                                          </p:stCondLst>
-                                        </p:cTn>
-                                        <p:tgtEl>
-                                          <p:spTgt spid="105">
-                                            <p:txEl>
-                                              <p:pRg st="2" end="2"/>
-                                            </p:txEl>
-                                          </p:spTgt>
-                                        </p:tgtEl>
-                                        <p:attrNameLst>
-                                          <p:attrName>style.visibility</p:attrName>
-                                        </p:attrNameLst>
-                                      </p:cBhvr>
-                                      <p:to>
-                                        <p:strVal val="visible"/>
-                                      </p:to>
-                                    </p:set>
-                                    <p:animEffect filter="fade" transition="in">
-                                      <p:cBhvr additive="repl">
-                                        <p:cTn id="49" dur="500"/>
-                                        <p:tgtEl>
-                                          <p:spTgt spid="105">
-                                            <p:txEl>
-                                              <p:pRg st="2" end="2"/>
-                                            </p:txEl>
-                                          </p:spTgt>
-                                        </p:tgtEl>
-                                      </p:cBhvr>
-                                    </p:animEffect>
-                                  </p:childTnLst>
-                                </p:cTn>
-                              </p:par>
-                              <p:par>
-                                <p:cTn id="50" nodeType="withEffect" fill="hold" presetClass="entr" presetID="10">
-                                  <p:stCondLst>
-                                    <p:cond delay="0"/>
-                                  </p:stCondLst>
-                                  <p:childTnLst>
-                                    <p:set>
-                                      <p:cBhvr>
-                                        <p:cTn id="51" dur="1" fill="hold">
-                                          <p:stCondLst>
-                                            <p:cond delay="0"/>
-                                          </p:stCondLst>
-                                        </p:cTn>
-                                        <p:tgtEl>
-                                          <p:spTgt spid="105">
-                                            <p:txEl>
-                                              <p:pRg st="4" end="4"/>
-                                            </p:txEl>
-                                          </p:spTgt>
-                                        </p:tgtEl>
-                                        <p:attrNameLst>
-                                          <p:attrName>style.visibility</p:attrName>
-                                        </p:attrNameLst>
-                                      </p:cBhvr>
-                                      <p:to>
-                                        <p:strVal val="visible"/>
-                                      </p:to>
-                                    </p:set>
-                                    <p:animEffect filter="fade" transition="in">
-                                      <p:cBhvr additive="repl">
-                                        <p:cTn id="52" dur="500"/>
-                                        <p:tgtEl>
-                                          <p:spTgt spid="105">
-                                            <p:txEl>
-                                              <p:pRg st="4" end="4"/>
                                             </p:txEl>
                                           </p:spTgt>
                                         </p:tgtEl>
@@ -9746,7 +9351,7 @@
         <p:spPr>
           <a:xfrm>
             <a:off x="581760" y="706680"/>
-            <a:ext cx="11028240" cy="1012320"/>
+            <a:ext cx="11027880" cy="1011960"/>
           </a:xfrm>
           <a:prstGeom prst="rect">
             <a:avLst/>
@@ -9772,7 +9377,7 @@
         <p:spPr>
           <a:xfrm>
             <a:off x="763560" y="803520"/>
-            <a:ext cx="10728720" cy="655560"/>
+            <a:ext cx="10728360" cy="655200"/>
           </a:xfrm>
           <a:prstGeom prst="rect">
             <a:avLst/>
@@ -9789,7 +9394,7 @@
           <a:fontRef idx="minor"/>
         </p:style>
         <p:txBody>
-          <a:bodyPr tIns="91440" bIns="91440">
+          <a:bodyPr lIns="90000" rIns="90000" tIns="91440" bIns="91440">
             <a:spAutoFit/>
           </a:bodyPr>
           <a:p>
@@ -9826,7 +9431,7 @@
         <p:spPr>
           <a:xfrm>
             <a:off x="456480" y="1942200"/>
-            <a:ext cx="11279160" cy="4514040"/>
+            <a:ext cx="11278800" cy="4513680"/>
           </a:xfrm>
           <a:prstGeom prst="rect">
             <a:avLst/>
@@ -9861,7 +9466,7 @@
         <p:spPr>
           <a:xfrm>
             <a:off x="1868760" y="2163600"/>
-            <a:ext cx="8518320" cy="4070880"/>
+            <a:ext cx="8517960" cy="4070520"/>
           </a:xfrm>
           <a:prstGeom prst="rect">
             <a:avLst/>
@@ -9894,32 +9499,32 @@
   <p:timing>
     <p:tnLst>
       <p:par>
-        <p:cTn id="53" dur="indefinite" restart="never" nodeType="tmRoot">
+        <p:cTn id="47" dur="indefinite" restart="never" nodeType="tmRoot">
           <p:childTnLst>
             <p:seq>
-              <p:cTn id="54" dur="indefinite" nodeType="mainSeq">
+              <p:cTn id="48" dur="indefinite" nodeType="mainSeq">
                 <p:childTnLst>
                   <p:par>
-                    <p:cTn id="55" fill="hold">
+                    <p:cTn id="49" fill="hold">
                       <p:stCondLst>
                         <p:cond delay="indefinite"/>
                       </p:stCondLst>
                       <p:childTnLst>
                         <p:par>
-                          <p:cTn id="56" fill="hold">
+                          <p:cTn id="50" fill="hold">
                             <p:stCondLst>
                               <p:cond delay="0"/>
                             </p:stCondLst>
                             <p:childTnLst>
                               <p:par>
-                                <p:cTn id="57" nodeType="clickEffect" fill="hold" presetClass="entr" presetID="10">
+                                <p:cTn id="51" nodeType="clickEffect" fill="hold" presetClass="entr" presetID="10">
                                   <p:stCondLst>
                                     <p:cond delay="0"/>
                                   </p:stCondLst>
                                   <p:childTnLst>
                                     <p:set>
                                       <p:cBhvr>
-                                        <p:cTn id="58" dur="1" fill="hold">
+                                        <p:cTn id="52" dur="1" fill="hold">
                                           <p:stCondLst>
                                             <p:cond delay="0"/>
                                           </p:stCondLst>
@@ -9937,7 +9542,7 @@
                                     </p:set>
                                     <p:animEffect filter="fade" transition="in">
                                       <p:cBhvr additive="repl">
-                                        <p:cTn id="59" dur="500"/>
+                                        <p:cTn id="53" dur="500"/>
                                         <p:tgtEl>
                                           <p:spTgt spid="109"/>
                                         </p:tgtEl>
@@ -10003,7 +9608,7 @@
         <p:spPr>
           <a:xfrm>
             <a:off x="581040" y="702000"/>
-            <a:ext cx="11028240" cy="910440"/>
+            <a:ext cx="11027880" cy="910080"/>
           </a:xfrm>
           <a:prstGeom prst="rect">
             <a:avLst/>
@@ -10058,7 +9663,7 @@
         <p:spPr>
           <a:xfrm>
             <a:off x="457200" y="1957320"/>
-            <a:ext cx="11279160" cy="4498560"/>
+            <a:ext cx="11278800" cy="4498200"/>
           </a:xfrm>
           <a:prstGeom prst="rect">
             <a:avLst/>
@@ -10089,7 +9694,7 @@
         <p:spPr>
           <a:xfrm>
             <a:off x="800640" y="2384280"/>
-            <a:ext cx="10543320" cy="3749400"/>
+            <a:ext cx="10542960" cy="3749040"/>
           </a:xfrm>
           <a:prstGeom prst="rect">
             <a:avLst/>
@@ -10106,11 +9711,11 @@
           <a:fontRef idx="minor"/>
         </p:style>
         <p:txBody>
-          <a:bodyPr tIns="91440" bIns="91440">
+          <a:bodyPr lIns="90000" rIns="90000" tIns="91440" bIns="91440">
             <a:spAutoFit/>
           </a:bodyPr>
           <a:p>
-            <a:pPr marL="457200" indent="-342720">
+            <a:pPr marL="457200" indent="-342360">
               <a:lnSpc>
                 <a:spcPct val="100000"/>
               </a:lnSpc>
@@ -10161,7 +9766,7 @@
             </a:endParaRPr>
           </a:p>
           <a:p>
-            <a:pPr marL="457200" indent="-342720">
+            <a:pPr marL="457200" indent="-342360">
               <a:lnSpc>
                 <a:spcPct val="100000"/>
               </a:lnSpc>
@@ -10215,7 +9820,7 @@
             </a:endParaRPr>
           </a:p>
           <a:p>
-            <a:pPr marL="457200" indent="-342720">
+            <a:pPr marL="457200" indent="-342360">
               <a:lnSpc>
                 <a:spcPct val="100000"/>
               </a:lnSpc>
@@ -10292,7 +9897,7 @@
             </a:endParaRPr>
           </a:p>
           <a:p>
-            <a:pPr marL="457200" indent="-342720">
+            <a:pPr marL="457200" indent="-342360">
               <a:lnSpc>
                 <a:spcPct val="100000"/>
               </a:lnSpc>
@@ -10347,32 +9952,32 @@
   <p:timing>
     <p:tnLst>
       <p:par>
-        <p:cTn id="60" dur="indefinite" restart="never" nodeType="tmRoot">
+        <p:cTn id="54" dur="indefinite" restart="never" nodeType="tmRoot">
           <p:childTnLst>
             <p:seq>
-              <p:cTn id="61" dur="indefinite" nodeType="mainSeq">
+              <p:cTn id="55" dur="indefinite" nodeType="mainSeq">
                 <p:childTnLst>
                   <p:par>
-                    <p:cTn id="62" fill="hold">
+                    <p:cTn id="56" fill="hold">
                       <p:stCondLst>
                         <p:cond delay="indefinite"/>
                       </p:stCondLst>
                       <p:childTnLst>
                         <p:par>
-                          <p:cTn id="63" fill="hold">
+                          <p:cTn id="57" fill="hold">
                             <p:stCondLst>
                               <p:cond delay="0"/>
                             </p:stCondLst>
                             <p:childTnLst>
                               <p:par>
-                                <p:cTn id="64" nodeType="clickEffect" fill="hold" presetClass="entr" presetID="10">
+                                <p:cTn id="58" nodeType="clickEffect" fill="hold" presetClass="entr" presetID="10">
                                   <p:stCondLst>
                                     <p:cond delay="0"/>
                                   </p:stCondLst>
                                   <p:childTnLst>
                                     <p:set>
                                       <p:cBhvr>
-                                        <p:cTn id="65" dur="1" fill="hold">
+                                        <p:cTn id="59" dur="1" fill="hold">
                                           <p:stCondLst>
                                             <p:cond delay="0"/>
                                           </p:stCondLst>
@@ -10394,11 +9999,97 @@
                                     </p:set>
                                     <p:animEffect filter="fade" transition="in">
                                       <p:cBhvr additive="repl">
+                                        <p:cTn id="60" dur="500"/>
+                                        <p:tgtEl>
+                                          <p:spTgt spid="112">
+                                            <p:txEl>
+                                              <p:pRg st="0" end="0"/>
+                                            </p:txEl>
+                                          </p:spTgt>
+                                        </p:tgtEl>
+                                      </p:cBhvr>
+                                    </p:animEffect>
+                                  </p:childTnLst>
+                                </p:cTn>
+                              </p:par>
+                              <p:par>
+                                <p:cTn id="61" nodeType="withEffect" fill="hold" presetClass="entr" presetID="10">
+                                  <p:stCondLst>
+                                    <p:cond delay="0"/>
+                                  </p:stCondLst>
+                                  <p:childTnLst>
+                                    <p:set>
+                                      <p:cBhvr>
+                                        <p:cTn id="62" dur="1" fill="hold">
+                                          <p:stCondLst>
+                                            <p:cond delay="0"/>
+                                          </p:stCondLst>
+                                        </p:cTn>
+                                        <p:tgtEl>
+                                          <p:spTgt spid="112">
+                                            <p:txEl>
+                                              <p:pRg st="3" end="3"/>
+                                            </p:txEl>
+                                          </p:spTgt>
+                                        </p:tgtEl>
+                                        <p:attrNameLst>
+                                          <p:attrName>style.visibility</p:attrName>
+                                        </p:attrNameLst>
+                                      </p:cBhvr>
+                                      <p:to>
+                                        <p:strVal val="visible"/>
+                                      </p:to>
+                                    </p:set>
+                                    <p:animEffect filter="fade" transition="in">
+                                      <p:cBhvr additive="repl">
+                                        <p:cTn id="63" dur="500"/>
+                                        <p:tgtEl>
+                                          <p:spTgt spid="112">
+                                            <p:txEl>
+                                              <p:pRg st="3" end="3"/>
+                                            </p:txEl>
+                                          </p:spTgt>
+                                        </p:tgtEl>
+                                      </p:cBhvr>
+                                    </p:animEffect>
+                                  </p:childTnLst>
+                                </p:cTn>
+                              </p:par>
+                              <p:par>
+                                <p:cTn id="64" nodeType="withEffect" fill="hold" presetClass="entr" presetID="10">
+                                  <p:stCondLst>
+                                    <p:cond delay="0"/>
+                                  </p:stCondLst>
+                                  <p:childTnLst>
+                                    <p:set>
+                                      <p:cBhvr>
+                                        <p:cTn id="65" dur="1" fill="hold">
+                                          <p:stCondLst>
+                                            <p:cond delay="0"/>
+                                          </p:stCondLst>
+                                        </p:cTn>
+                                        <p:tgtEl>
+                                          <p:spTgt spid="112">
+                                            <p:txEl>
+                                              <p:pRg st="6" end="6"/>
+                                            </p:txEl>
+                                          </p:spTgt>
+                                        </p:tgtEl>
+                                        <p:attrNameLst>
+                                          <p:attrName>style.visibility</p:attrName>
+                                        </p:attrNameLst>
+                                      </p:cBhvr>
+                                      <p:to>
+                                        <p:strVal val="visible"/>
+                                      </p:to>
+                                    </p:set>
+                                    <p:animEffect filter="fade" transition="in">
+                                      <p:cBhvr additive="repl">
                                         <p:cTn id="66" dur="500"/>
                                         <p:tgtEl>
                                           <p:spTgt spid="112">
                                             <p:txEl>
-                                              <p:pRg st="0" end="0"/>
+                                              <p:pRg st="6" end="6"/>
                                             </p:txEl>
                                           </p:spTgt>
                                         </p:tgtEl>
@@ -10423,7 +10114,7 @@
                                         <p:tgtEl>
                                           <p:spTgt spid="112">
                                             <p:txEl>
-                                              <p:pRg st="3" end="3"/>
+                                              <p:pRg st="9" end="9"/>
                                             </p:txEl>
                                           </p:spTgt>
                                         </p:tgtEl>
@@ -10441,7 +10132,7 @@
                                         <p:tgtEl>
                                           <p:spTgt spid="112">
                                             <p:txEl>
-                                              <p:pRg st="3" end="3"/>
+                                              <p:pRg st="9" end="9"/>
                                             </p:txEl>
                                           </p:spTgt>
                                         </p:tgtEl>
@@ -10466,7 +10157,7 @@
                                         <p:tgtEl>
                                           <p:spTgt spid="112">
                                             <p:txEl>
-                                              <p:pRg st="6" end="6"/>
+                                              <p:pRg st="10" end="10"/>
                                             </p:txEl>
                                           </p:spTgt>
                                         </p:tgtEl>
@@ -10481,92 +10172,6 @@
                                     <p:animEffect filter="fade" transition="in">
                                       <p:cBhvr additive="repl">
                                         <p:cTn id="72" dur="500"/>
-                                        <p:tgtEl>
-                                          <p:spTgt spid="112">
-                                            <p:txEl>
-                                              <p:pRg st="6" end="6"/>
-                                            </p:txEl>
-                                          </p:spTgt>
-                                        </p:tgtEl>
-                                      </p:cBhvr>
-                                    </p:animEffect>
-                                  </p:childTnLst>
-                                </p:cTn>
-                              </p:par>
-                              <p:par>
-                                <p:cTn id="73" nodeType="withEffect" fill="hold" presetClass="entr" presetID="10">
-                                  <p:stCondLst>
-                                    <p:cond delay="0"/>
-                                  </p:stCondLst>
-                                  <p:childTnLst>
-                                    <p:set>
-                                      <p:cBhvr>
-                                        <p:cTn id="74" dur="1" fill="hold">
-                                          <p:stCondLst>
-                                            <p:cond delay="0"/>
-                                          </p:stCondLst>
-                                        </p:cTn>
-                                        <p:tgtEl>
-                                          <p:spTgt spid="112">
-                                            <p:txEl>
-                                              <p:pRg st="9" end="9"/>
-                                            </p:txEl>
-                                          </p:spTgt>
-                                        </p:tgtEl>
-                                        <p:attrNameLst>
-                                          <p:attrName>style.visibility</p:attrName>
-                                        </p:attrNameLst>
-                                      </p:cBhvr>
-                                      <p:to>
-                                        <p:strVal val="visible"/>
-                                      </p:to>
-                                    </p:set>
-                                    <p:animEffect filter="fade" transition="in">
-                                      <p:cBhvr additive="repl">
-                                        <p:cTn id="75" dur="500"/>
-                                        <p:tgtEl>
-                                          <p:spTgt spid="112">
-                                            <p:txEl>
-                                              <p:pRg st="9" end="9"/>
-                                            </p:txEl>
-                                          </p:spTgt>
-                                        </p:tgtEl>
-                                      </p:cBhvr>
-                                    </p:animEffect>
-                                  </p:childTnLst>
-                                </p:cTn>
-                              </p:par>
-                              <p:par>
-                                <p:cTn id="76" nodeType="withEffect" fill="hold" presetClass="entr" presetID="10">
-                                  <p:stCondLst>
-                                    <p:cond delay="0"/>
-                                  </p:stCondLst>
-                                  <p:childTnLst>
-                                    <p:set>
-                                      <p:cBhvr>
-                                        <p:cTn id="77" dur="1" fill="hold">
-                                          <p:stCondLst>
-                                            <p:cond delay="0"/>
-                                          </p:stCondLst>
-                                        </p:cTn>
-                                        <p:tgtEl>
-                                          <p:spTgt spid="112">
-                                            <p:txEl>
-                                              <p:pRg st="10" end="10"/>
-                                            </p:txEl>
-                                          </p:spTgt>
-                                        </p:tgtEl>
-                                        <p:attrNameLst>
-                                          <p:attrName>style.visibility</p:attrName>
-                                        </p:attrNameLst>
-                                      </p:cBhvr>
-                                      <p:to>
-                                        <p:strVal val="visible"/>
-                                      </p:to>
-                                    </p:set>
-                                    <p:animEffect filter="fade" transition="in">
-                                      <p:cBhvr additive="repl">
-                                        <p:cTn id="78" dur="500"/>
                                         <p:tgtEl>
                                           <p:spTgt spid="112">
                                             <p:txEl>
@@ -10636,7 +10241,7 @@
         <p:spPr>
           <a:xfrm>
             <a:off x="581040" y="833760"/>
-            <a:ext cx="11028240" cy="715320"/>
+            <a:ext cx="11027880" cy="714960"/>
           </a:xfrm>
           <a:prstGeom prst="rect">
             <a:avLst/>
@@ -10690,7 +10295,7 @@
         <p:spPr>
           <a:xfrm>
             <a:off x="468720" y="2079720"/>
-            <a:ext cx="11251080" cy="4619520"/>
+            <a:ext cx="11250720" cy="4619160"/>
           </a:xfrm>
           <a:prstGeom prst="rect">
             <a:avLst/>
@@ -10721,7 +10326,7 @@
         <p:spPr>
           <a:xfrm>
             <a:off x="723240" y="2277000"/>
-            <a:ext cx="5196960" cy="579240"/>
+            <a:ext cx="5196600" cy="578880"/>
           </a:xfrm>
           <a:prstGeom prst="rect">
             <a:avLst/>
@@ -10738,7 +10343,7 @@
           <a:fontRef idx="minor"/>
         </p:style>
         <p:txBody>
-          <a:bodyPr tIns="91440" bIns="91440">
+          <a:bodyPr lIns="90000" rIns="90000" tIns="91440" bIns="91440">
             <a:spAutoFit/>
           </a:bodyPr>
           <a:p>
@@ -10779,7 +10384,7 @@
         <p:spPr>
           <a:xfrm>
             <a:off x="7876080" y="4844520"/>
-            <a:ext cx="3283200" cy="1060560"/>
+            <a:ext cx="3282840" cy="1060200"/>
           </a:xfrm>
           <a:prstGeom prst="rect">
             <a:avLst/>
@@ -10802,7 +10407,7 @@
         <p:spPr>
           <a:xfrm>
             <a:off x="7876080" y="3626280"/>
-            <a:ext cx="3283200" cy="1060560"/>
+            <a:ext cx="3282840" cy="1060200"/>
           </a:xfrm>
           <a:prstGeom prst="rect">
             <a:avLst/>
@@ -10825,7 +10430,7 @@
         <p:spPr>
           <a:xfrm>
             <a:off x="7876080" y="2408040"/>
-            <a:ext cx="3283200" cy="1060560"/>
+            <a:ext cx="3282840" cy="1060200"/>
           </a:xfrm>
           <a:prstGeom prst="rect">
             <a:avLst/>
@@ -10844,7 +10449,7 @@
         <p:spPr>
           <a:xfrm>
             <a:off x="803520" y="3281760"/>
-            <a:ext cx="5169960" cy="2103480"/>
+            <a:ext cx="5169600" cy="2103120"/>
           </a:xfrm>
           <a:prstGeom prst="rect">
             <a:avLst/>
@@ -10861,11 +10466,11 @@
           <a:fontRef idx="minor"/>
         </p:style>
         <p:txBody>
-          <a:bodyPr tIns="91440" bIns="91440">
+          <a:bodyPr lIns="90000" rIns="90000" tIns="91440" bIns="91440">
             <a:spAutoFit/>
           </a:bodyPr>
           <a:p>
-            <a:pPr marL="457200" indent="-361440">
+            <a:pPr marL="457200" indent="-361080">
               <a:lnSpc>
                 <a:spcPct val="100000"/>
               </a:lnSpc>
@@ -10903,7 +10508,7 @@
             </a:endParaRPr>
           </a:p>
           <a:p>
-            <a:pPr marL="457200" indent="-361440">
+            <a:pPr marL="457200" indent="-361080">
               <a:lnSpc>
                 <a:spcPct val="100000"/>
               </a:lnSpc>
@@ -10944,7 +10549,7 @@
             </a:endParaRPr>
           </a:p>
           <a:p>
-            <a:pPr marL="457200" indent="-361440">
+            <a:pPr marL="457200" indent="-361080">
               <a:lnSpc>
                 <a:spcPct val="100000"/>
               </a:lnSpc>
@@ -10986,32 +10591,32 @@
   <p:timing>
     <p:tnLst>
       <p:par>
-        <p:cTn id="79" dur="indefinite" restart="never" nodeType="tmRoot">
+        <p:cTn id="73" dur="indefinite" restart="never" nodeType="tmRoot">
           <p:childTnLst>
             <p:seq>
-              <p:cTn id="80" dur="indefinite" nodeType="mainSeq">
+              <p:cTn id="74" dur="indefinite" nodeType="mainSeq">
                 <p:childTnLst>
                   <p:par>
-                    <p:cTn id="81" fill="hold">
+                    <p:cTn id="75" fill="hold">
                       <p:stCondLst>
                         <p:cond delay="indefinite"/>
                       </p:stCondLst>
                       <p:childTnLst>
                         <p:par>
-                          <p:cTn id="82" fill="hold">
+                          <p:cTn id="76" fill="hold">
                             <p:stCondLst>
                               <p:cond delay="0"/>
                             </p:stCondLst>
                             <p:childTnLst>
                               <p:par>
-                                <p:cTn id="83" nodeType="clickEffect" fill="hold" presetClass="entr" presetID="10">
+                                <p:cTn id="77" nodeType="clickEffect" fill="hold" presetClass="entr" presetID="10">
                                   <p:stCondLst>
                                     <p:cond delay="0"/>
                                   </p:stCondLst>
                                   <p:childTnLst>
                                     <p:set>
                                       <p:cBhvr>
-                                        <p:cTn id="84" dur="1" fill="hold">
+                                        <p:cTn id="78" dur="1" fill="hold">
                                           <p:stCondLst>
                                             <p:cond delay="0"/>
                                           </p:stCondLst>
@@ -11033,7 +10638,7 @@
                                     </p:set>
                                     <p:animEffect filter="fade" transition="in">
                                       <p:cBhvr additive="repl">
-                                        <p:cTn id="85" dur="500"/>
+                                        <p:cTn id="79" dur="500"/>
                                         <p:tgtEl>
                                           <p:spTgt spid="115">
                                             <p:txEl>
@@ -11053,26 +10658,26 @@
                     </p:cTn>
                   </p:par>
                   <p:par>
-                    <p:cTn id="86" fill="hold">
+                    <p:cTn id="80" fill="hold">
                       <p:stCondLst>
                         <p:cond delay="indefinite"/>
                       </p:stCondLst>
                       <p:childTnLst>
                         <p:par>
-                          <p:cTn id="87" fill="hold">
+                          <p:cTn id="81" fill="hold">
                             <p:stCondLst>
                               <p:cond delay="0"/>
                             </p:stCondLst>
                             <p:childTnLst>
                               <p:par>
-                                <p:cTn id="88" nodeType="clickEffect" fill="hold" presetClass="entr" presetID="10">
+                                <p:cTn id="82" nodeType="clickEffect" fill="hold" presetClass="entr" presetID="10">
                                   <p:stCondLst>
                                     <p:cond delay="0"/>
                                   </p:stCondLst>
                                   <p:childTnLst>
                                     <p:set>
                                       <p:cBhvr>
-                                        <p:cTn id="89" dur="1" fill="hold">
+                                        <p:cTn id="83" dur="1" fill="hold">
                                           <p:stCondLst>
                                             <p:cond delay="0"/>
                                           </p:stCondLst>
@@ -11094,7 +10699,7 @@
                                     </p:set>
                                     <p:animEffect filter="fade" transition="in">
                                       <p:cBhvr additive="repl">
-                                        <p:cTn id="90" dur="500"/>
+                                        <p:cTn id="84" dur="500"/>
                                         <p:tgtEl>
                                           <p:spTgt spid="119">
                                             <p:txEl>
@@ -11108,14 +10713,14 @@
                                 </p:cTn>
                               </p:par>
                               <p:par>
-                                <p:cTn id="91" nodeType="withEffect" fill="hold" presetClass="entr" presetID="10">
+                                <p:cTn id="85" nodeType="withEffect" fill="hold" presetClass="entr" presetID="10">
                                   <p:stCondLst>
                                     <p:cond delay="0"/>
                                   </p:stCondLst>
                                   <p:childTnLst>
                                     <p:set>
                                       <p:cBhvr>
-                                        <p:cTn id="92" dur="1" fill="hold">
+                                        <p:cTn id="86" dur="1" fill="hold">
                                           <p:stCondLst>
                                             <p:cond delay="0"/>
                                           </p:stCondLst>
@@ -11137,7 +10742,7 @@
                                     </p:set>
                                     <p:animEffect filter="fade" transition="in">
                                       <p:cBhvr additive="repl">
-                                        <p:cTn id="93" dur="500"/>
+                                        <p:cTn id="87" dur="500"/>
                                         <p:tgtEl>
                                           <p:spTgt spid="119">
                                             <p:txEl>
@@ -11151,14 +10756,14 @@
                                 </p:cTn>
                               </p:par>
                               <p:par>
-                                <p:cTn id="94" nodeType="withEffect" fill="hold" presetClass="entr" presetID="10">
+                                <p:cTn id="88" nodeType="withEffect" fill="hold" presetClass="entr" presetID="10">
                                   <p:stCondLst>
                                     <p:cond delay="0"/>
                                   </p:stCondLst>
                                   <p:childTnLst>
                                     <p:set>
                                       <p:cBhvr>
-                                        <p:cTn id="95" dur="1" fill="hold">
+                                        <p:cTn id="89" dur="1" fill="hold">
                                           <p:stCondLst>
                                             <p:cond delay="0"/>
                                           </p:stCondLst>
@@ -11180,7 +10785,7 @@
                                     </p:set>
                                     <p:animEffect filter="fade" transition="in">
                                       <p:cBhvr additive="repl">
-                                        <p:cTn id="96" dur="500"/>
+                                        <p:cTn id="90" dur="500"/>
                                         <p:tgtEl>
                                           <p:spTgt spid="119">
                                             <p:txEl>

--- a/E-Genetics/Proposal/genetics(2).pptx
+++ b/E-Genetics/Proposal/genetics(2).pptx
@@ -26,6 +26,7 @@
     <p:sldId id="273" r:id="rId21"/>
     <p:sldId id="274" r:id="rId22"/>
     <p:sldId id="275" r:id="rId23"/>
+    <p:sldId id="276" r:id="rId24"/>
   </p:sldIdLst>
   <p:sldSz cx="12192000" cy="6858000"/>
   <p:notesSz cx="7772400" cy="10058400"/>
@@ -2777,7 +2778,7 @@
         <p:spPr>
           <a:xfrm>
             <a:off x="446400" y="457200"/>
-            <a:ext cx="3701520" cy="93240"/>
+            <a:ext cx="3701160" cy="92880"/>
           </a:xfrm>
           <a:prstGeom prst="rect">
             <a:avLst/>
@@ -2812,7 +2813,7 @@
         <p:spPr>
           <a:xfrm>
             <a:off x="8042040" y="453600"/>
-            <a:ext cx="3701520" cy="96840"/>
+            <a:ext cx="3701160" cy="96480"/>
           </a:xfrm>
           <a:prstGeom prst="rect">
             <a:avLst/>
@@ -2847,7 +2848,7 @@
         <p:spPr>
           <a:xfrm>
             <a:off x="4241880" y="457200"/>
-            <a:ext cx="3701520" cy="89640"/>
+            <a:ext cx="3701160" cy="89280"/>
           </a:xfrm>
           <a:prstGeom prst="rect">
             <a:avLst/>
@@ -2882,7 +2883,7 @@
         <p:spPr>
           <a:xfrm>
             <a:off x="446400" y="3085920"/>
-            <a:ext cx="11261160" cy="3303000"/>
+            <a:ext cx="11260800" cy="3302640"/>
           </a:xfrm>
           <a:prstGeom prst="rect">
             <a:avLst/>
@@ -3177,7 +3178,7 @@
         <p:spPr>
           <a:xfrm>
             <a:off x="446400" y="457200"/>
-            <a:ext cx="3701520" cy="93240"/>
+            <a:ext cx="3701160" cy="92880"/>
           </a:xfrm>
           <a:prstGeom prst="rect">
             <a:avLst/>
@@ -3212,7 +3213,7 @@
         <p:spPr>
           <a:xfrm>
             <a:off x="8042040" y="453600"/>
-            <a:ext cx="3701520" cy="96840"/>
+            <a:ext cx="3701160" cy="96480"/>
           </a:xfrm>
           <a:prstGeom prst="rect">
             <a:avLst/>
@@ -3247,7 +3248,7 @@
         <p:spPr>
           <a:xfrm>
             <a:off x="4241880" y="457200"/>
-            <a:ext cx="3701520" cy="89640"/>
+            <a:ext cx="3701160" cy="89280"/>
           </a:xfrm>
           <a:prstGeom prst="rect">
             <a:avLst/>
@@ -3282,7 +3283,7 @@
         <p:spPr>
           <a:xfrm>
             <a:off x="440280" y="614520"/>
-            <a:ext cx="11307600" cy="1187640"/>
+            <a:ext cx="11307240" cy="1187280"/>
           </a:xfrm>
           <a:prstGeom prst="rect">
             <a:avLst/>
@@ -3570,7 +3571,7 @@
         <p:spPr>
           <a:xfrm>
             <a:off x="581040" y="1020600"/>
-            <a:ext cx="10991880" cy="1473120"/>
+            <a:ext cx="10991520" cy="1472760"/>
           </a:xfrm>
           <a:prstGeom prst="rect">
             <a:avLst/>
@@ -3624,7 +3625,7 @@
         <p:spPr>
           <a:xfrm>
             <a:off x="2848320" y="4120200"/>
-            <a:ext cx="7256880" cy="788760"/>
+            <a:ext cx="7256520" cy="788400"/>
           </a:xfrm>
           <a:prstGeom prst="rect">
             <a:avLst/>
@@ -3712,7 +3713,7 @@
         <p:spPr>
           <a:xfrm>
             <a:off x="442080" y="2079720"/>
-            <a:ext cx="11331360" cy="4619160"/>
+            <a:ext cx="11331000" cy="4618800"/>
           </a:xfrm>
           <a:prstGeom prst="rect">
             <a:avLst/>
@@ -3747,7 +3748,7 @@
         <p:spPr>
           <a:xfrm>
             <a:off x="7413120" y="3494520"/>
-            <a:ext cx="3834000" cy="894600"/>
+            <a:ext cx="3833640" cy="894240"/>
           </a:xfrm>
           <a:prstGeom prst="rect">
             <a:avLst/>
@@ -3766,7 +3767,7 @@
         <p:spPr>
           <a:xfrm>
             <a:off x="548640" y="914400"/>
-            <a:ext cx="5445000" cy="486360"/>
+            <a:ext cx="5444640" cy="486000"/>
           </a:xfrm>
           <a:prstGeom prst="rect">
             <a:avLst/>
@@ -3820,7 +3821,7 @@
         <p:spPr>
           <a:xfrm>
             <a:off x="884160" y="2397600"/>
-            <a:ext cx="3066480" cy="1614960"/>
+            <a:ext cx="3066120" cy="1614600"/>
           </a:xfrm>
           <a:prstGeom prst="rect">
             <a:avLst/>
@@ -3877,7 +3878,7 @@
             </a:endParaRPr>
           </a:p>
           <a:p>
-            <a:pPr marL="457200" indent="-361080">
+            <a:pPr marL="457200" indent="-360720">
               <a:lnSpc>
                 <a:spcPct val="100000"/>
               </a:lnSpc>
@@ -3905,15 +3906,10 @@
             </a:endParaRPr>
           </a:p>
           <a:p>
-            <a:pPr marL="457200" indent="-361080">
+            <a:pPr>
               <a:lnSpc>
                 <a:spcPct val="100000"/>
               </a:lnSpc>
-              <a:buClr>
-                <a:srgbClr val="ffffff"/>
-              </a:buClr>
-              <a:buFont typeface="Arial"/>
-              <a:buChar char="●"/>
               <a:tabLst>
                 <a:tab algn="l" pos="0"/>
               </a:tabLst>
@@ -4158,7 +4154,7 @@
         <p:spPr>
           <a:xfrm>
             <a:off x="548640" y="914400"/>
-            <a:ext cx="5445000" cy="486360"/>
+            <a:ext cx="5444640" cy="486000"/>
           </a:xfrm>
           <a:prstGeom prst="rect">
             <a:avLst/>
@@ -4212,7 +4208,7 @@
         <p:spPr>
           <a:xfrm>
             <a:off x="453960" y="1890360"/>
-            <a:ext cx="11186280" cy="4619160"/>
+            <a:ext cx="11185920" cy="4618800"/>
           </a:xfrm>
           <a:prstGeom prst="rect">
             <a:avLst/>
@@ -4243,7 +4239,7 @@
         <p:spPr>
           <a:xfrm>
             <a:off x="812160" y="2375640"/>
-            <a:ext cx="4678920" cy="1935000"/>
+            <a:ext cx="4678560" cy="1934640"/>
           </a:xfrm>
           <a:prstGeom prst="rect">
             <a:avLst/>
@@ -4300,7 +4296,7 @@
             </a:endParaRPr>
           </a:p>
           <a:p>
-            <a:pPr marL="457200" indent="-361080">
+            <a:pPr marL="457200" indent="-360720">
               <a:lnSpc>
                 <a:spcPct val="100000"/>
               </a:lnSpc>
@@ -4342,7 +4338,7 @@
         <p:spPr>
           <a:xfrm>
             <a:off x="8016840" y="3049560"/>
-            <a:ext cx="2970000" cy="1133640"/>
+            <a:ext cx="2969640" cy="1133280"/>
           </a:xfrm>
           <a:prstGeom prst="rect">
             <a:avLst/>
@@ -4543,7 +4539,7 @@
         <p:spPr>
           <a:xfrm>
             <a:off x="455400" y="1921680"/>
-            <a:ext cx="11277720" cy="4798800"/>
+            <a:ext cx="11277360" cy="4798440"/>
           </a:xfrm>
           <a:prstGeom prst="rect">
             <a:avLst/>
@@ -4578,7 +4574,7 @@
         <p:spPr>
           <a:xfrm>
             <a:off x="7727400" y="4806720"/>
-            <a:ext cx="3887280" cy="670320"/>
+            <a:ext cx="3886920" cy="669960"/>
           </a:xfrm>
           <a:prstGeom prst="rect">
             <a:avLst/>
@@ -4601,7 +4597,7 @@
         <p:spPr>
           <a:xfrm>
             <a:off x="7727400" y="2052000"/>
-            <a:ext cx="3887280" cy="545760"/>
+            <a:ext cx="3886920" cy="545400"/>
           </a:xfrm>
           <a:prstGeom prst="rect">
             <a:avLst/>
@@ -4624,7 +4620,7 @@
         <p:spPr>
           <a:xfrm>
             <a:off x="7762320" y="5710680"/>
-            <a:ext cx="3817440" cy="761760"/>
+            <a:ext cx="3817080" cy="761400"/>
           </a:xfrm>
           <a:prstGeom prst="rect">
             <a:avLst/>
@@ -4647,7 +4643,7 @@
         <p:spPr>
           <a:xfrm>
             <a:off x="7727400" y="2850480"/>
-            <a:ext cx="3887280" cy="670320"/>
+            <a:ext cx="3886920" cy="669960"/>
           </a:xfrm>
           <a:prstGeom prst="rect">
             <a:avLst/>
@@ -4670,7 +4666,7 @@
         <p:spPr>
           <a:xfrm>
             <a:off x="753840" y="5710680"/>
-            <a:ext cx="3817440" cy="855000"/>
+            <a:ext cx="3817080" cy="854640"/>
           </a:xfrm>
           <a:prstGeom prst="rect">
             <a:avLst/>
@@ -4693,7 +4689,7 @@
         <p:spPr>
           <a:xfrm>
             <a:off x="7699680" y="3773520"/>
-            <a:ext cx="3942360" cy="761760"/>
+            <a:ext cx="3942000" cy="761400"/>
           </a:xfrm>
           <a:prstGeom prst="rect">
             <a:avLst/>
@@ -4712,7 +4708,7 @@
         <p:spPr>
           <a:xfrm>
             <a:off x="674280" y="875160"/>
-            <a:ext cx="4602960" cy="609480"/>
+            <a:ext cx="4602600" cy="609120"/>
           </a:xfrm>
           <a:prstGeom prst="rect">
             <a:avLst/>
@@ -4766,7 +4762,7 @@
         <p:spPr>
           <a:xfrm>
             <a:off x="817200" y="2330640"/>
-            <a:ext cx="5973120" cy="1766880"/>
+            <a:ext cx="5972760" cy="1766520"/>
           </a:xfrm>
           <a:prstGeom prst="rect">
             <a:avLst/>
@@ -4823,7 +4819,7 @@
             </a:endParaRPr>
           </a:p>
           <a:p>
-            <a:pPr marL="457200" indent="-393120">
+            <a:pPr marL="457200" indent="-392760">
               <a:lnSpc>
                 <a:spcPct val="100000"/>
               </a:lnSpc>
@@ -5043,7 +5039,7 @@
         <p:spPr>
           <a:xfrm>
             <a:off x="581040" y="821880"/>
-            <a:ext cx="11027880" cy="714960"/>
+            <a:ext cx="11027520" cy="714600"/>
           </a:xfrm>
           <a:prstGeom prst="rect">
             <a:avLst/>
@@ -5108,7 +5104,7 @@
         <p:spPr>
           <a:xfrm>
             <a:off x="447840" y="1866240"/>
-            <a:ext cx="11265840" cy="511560"/>
+            <a:ext cx="11265480" cy="511200"/>
           </a:xfrm>
           <a:prstGeom prst="rect">
             <a:avLst/>
@@ -5167,7 +5163,7 @@
         <p:spPr>
           <a:xfrm>
             <a:off x="456480" y="1942200"/>
-            <a:ext cx="11278800" cy="4513680"/>
+            <a:ext cx="11278440" cy="4513320"/>
           </a:xfrm>
           <a:prstGeom prst="rect">
             <a:avLst/>
@@ -5197,13 +5193,13 @@
         </p:nvPicPr>
         <p:blipFill>
           <a:blip r:embed="rId1"/>
-          <a:srcRect l="33959" t="19440" r="22154" b="45680"/>
+          <a:srcRect l="33965" t="19444" r="22157" b="45687"/>
           <a:stretch/>
         </p:blipFill>
         <p:spPr>
           <a:xfrm>
             <a:off x="1323720" y="2017440"/>
-            <a:ext cx="9691200" cy="4088880"/>
+            <a:ext cx="9690840" cy="4088520"/>
           </a:xfrm>
           <a:prstGeom prst="rect">
             <a:avLst/>
@@ -5345,7 +5341,7 @@
         <p:spPr>
           <a:xfrm>
             <a:off x="456480" y="1942200"/>
-            <a:ext cx="11278800" cy="4513680"/>
+            <a:ext cx="11278440" cy="4513320"/>
           </a:xfrm>
           <a:prstGeom prst="rect">
             <a:avLst/>
@@ -5380,7 +5376,7 @@
         <p:spPr>
           <a:xfrm>
             <a:off x="1793880" y="2099520"/>
-            <a:ext cx="8357400" cy="4199040"/>
+            <a:ext cx="8357040" cy="4198680"/>
           </a:xfrm>
           <a:prstGeom prst="rect">
             <a:avLst/>
@@ -5409,7 +5405,7 @@
         <p:spPr>
           <a:xfrm>
             <a:off x="552240" y="822960"/>
-            <a:ext cx="9129960" cy="742320"/>
+            <a:ext cx="9129600" cy="741960"/>
           </a:xfrm>
           <a:prstGeom prst="rect">
             <a:avLst/>
@@ -5587,7 +5583,7 @@
         <p:spPr>
           <a:xfrm>
             <a:off x="456480" y="1942200"/>
-            <a:ext cx="11278800" cy="4513680"/>
+            <a:ext cx="11278440" cy="4513320"/>
           </a:xfrm>
           <a:prstGeom prst="rect">
             <a:avLst/>
@@ -5618,7 +5614,7 @@
         <p:spPr>
           <a:xfrm>
             <a:off x="548640" y="755280"/>
-            <a:ext cx="8861760" cy="1011600"/>
+            <a:ext cx="8861400" cy="1011240"/>
           </a:xfrm>
           <a:prstGeom prst="rect">
             <a:avLst/>
@@ -5687,7 +5683,7 @@
         <p:spPr>
           <a:xfrm>
             <a:off x="1765080" y="2142000"/>
-            <a:ext cx="8503200" cy="4114080"/>
+            <a:ext cx="8502840" cy="4113720"/>
           </a:xfrm>
           <a:prstGeom prst="rect">
             <a:avLst/>
@@ -5829,7 +5825,7 @@
         <p:spPr>
           <a:xfrm>
             <a:off x="456480" y="1843560"/>
-            <a:ext cx="11320560" cy="4876560"/>
+            <a:ext cx="11320200" cy="4876200"/>
           </a:xfrm>
           <a:prstGeom prst="rect">
             <a:avLst/>
@@ -5860,7 +5856,7 @@
         <p:spPr>
           <a:xfrm>
             <a:off x="581040" y="702000"/>
-            <a:ext cx="11027880" cy="1011960"/>
+            <a:ext cx="11027520" cy="1011600"/>
           </a:xfrm>
           <a:prstGeom prst="rect">
             <a:avLst/>
@@ -5929,7 +5925,7 @@
         <p:spPr>
           <a:xfrm>
             <a:off x="696960" y="2025000"/>
-            <a:ext cx="10797120" cy="4474800"/>
+            <a:ext cx="10796760" cy="4474440"/>
           </a:xfrm>
           <a:prstGeom prst="rect">
             <a:avLst/>
@@ -6071,7 +6067,7 @@
         <p:spPr>
           <a:xfrm>
             <a:off x="456480" y="1942200"/>
-            <a:ext cx="11278800" cy="4513680"/>
+            <a:ext cx="11278440" cy="4513320"/>
           </a:xfrm>
           <a:prstGeom prst="rect">
             <a:avLst/>
@@ -6106,7 +6102,7 @@
         <p:spPr>
           <a:xfrm>
             <a:off x="790200" y="2054160"/>
-            <a:ext cx="10702440" cy="4213080"/>
+            <a:ext cx="10702080" cy="4212720"/>
           </a:xfrm>
           <a:prstGeom prst="rect">
             <a:avLst/>
@@ -6135,7 +6131,7 @@
         <p:spPr>
           <a:xfrm>
             <a:off x="474120" y="705960"/>
-            <a:ext cx="5340240" cy="914400"/>
+            <a:ext cx="5339880" cy="914040"/>
           </a:xfrm>
           <a:prstGeom prst="rect">
             <a:avLst/>
@@ -6221,47 +6217,40 @@
           <a:chExt cx="0" cy="0"/>
         </a:xfrm>
       </p:grpSpPr>
-      <p:sp>
-        <p:nvSpPr>
-          <p:cNvPr id="153" name="CustomShape 1"/>
-          <p:cNvSpPr/>
+      <p:pic>
+        <p:nvPicPr>
+          <p:cNvPr id="153" name="" descr=""/>
+          <p:cNvPicPr/>
           <p:nvPr/>
-        </p:nvSpPr>
-        <p:spPr>
-          <a:xfrm>
-            <a:off x="456480" y="1942200"/>
-            <a:ext cx="11278800" cy="4513680"/>
-          </a:xfrm>
-          <a:prstGeom prst="rect">
-            <a:avLst/>
-          </a:prstGeom>
-          <a:solidFill>
-            <a:schemeClr val="accent1"/>
-          </a:solidFill>
-          <a:ln cap="rnd" w="9360">
-            <a:solidFill>
-              <a:srgbClr val="380e25"/>
-            </a:solidFill>
-            <a:round/>
+        </p:nvPicPr>
+        <p:blipFill>
+          <a:blip r:embed="rId1"/>
+          <a:srcRect l="0" t="16969" r="11154" b="8360"/>
+          <a:stretch/>
+        </p:blipFill>
+        <p:spPr>
+          <a:xfrm>
+            <a:off x="274320" y="1920240"/>
+            <a:ext cx="11612880" cy="4754880"/>
+          </a:xfrm>
+          <a:prstGeom prst="rect">
+            <a:avLst/>
+          </a:prstGeom>
+          <a:ln>
+            <a:noFill/>
           </a:ln>
         </p:spPr>
-        <p:style>
-          <a:lnRef idx="0"/>
-          <a:fillRef idx="0"/>
-          <a:effectRef idx="0"/>
-          <a:fontRef idx="minor"/>
-        </p:style>
-      </p:sp>
-      <p:sp>
-        <p:nvSpPr>
-          <p:cNvPr id="154" name="CustomShape 2"/>
-          <p:cNvSpPr/>
+      </p:pic>
+      <p:sp>
+        <p:nvSpPr>
+          <p:cNvPr id="154" name="TextShape 1"/>
+          <p:cNvSpPr txBox="1"/>
           <p:nvPr/>
         </p:nvSpPr>
         <p:spPr>
           <a:xfrm>
-            <a:off x="581040" y="702000"/>
-            <a:ext cx="11027880" cy="1011960"/>
+            <a:off x="503640" y="1005840"/>
+            <a:ext cx="2422440" cy="457200"/>
           </a:xfrm>
           <a:prstGeom prst="rect">
             <a:avLst/>
@@ -6271,46 +6260,42 @@
             <a:noFill/>
           </a:ln>
         </p:spPr>
-        <p:style>
-          <a:lnRef idx="0"/>
-          <a:fillRef idx="0"/>
-          <a:effectRef idx="0"/>
-          <a:fontRef idx="minor"/>
-        </p:style>
         <p:txBody>
-          <a:bodyPr lIns="0" rIns="0" tIns="0" bIns="0" anchor="ctr">
+          <a:bodyPr lIns="90000" rIns="90000" tIns="45000" bIns="45000">
             <a:noAutofit/>
           </a:bodyPr>
           <a:p>
-            <a:pPr>
-              <a:lnSpc>
-                <a:spcPct val="100000"/>
-              </a:lnSpc>
-              <a:tabLst>
-                <a:tab algn="l" pos="0"/>
-              </a:tabLst>
-            </a:pPr>
             <a:r>
-              <a:rPr b="0" lang="en-US" sz="2800" spc="-1" strike="noStrike">
+              <a:rPr b="1" i="1" lang="en-US" sz="2000" spc="-1" strike="noStrike">
                 <a:solidFill>
                   <a:srgbClr val="ffffff"/>
                 </a:solidFill>
                 <a:latin typeface="Arial"/>
                 <a:ea typeface="Arial"/>
               </a:rPr>
+              <a:t>New</a:t>
+            </a:r>
+            <a:r>
+              <a:rPr b="1" i="1" lang="en-US" sz="1800" spc="-1" strike="noStrike">
+                <a:solidFill>
+                  <a:srgbClr val="000000"/>
+                </a:solidFill>
+                <a:latin typeface="Arial"/>
+                <a:ea typeface="DejaVu Sans"/>
+              </a:rPr>
               <a:t> </a:t>
             </a:r>
             <a:r>
-              <a:rPr b="0" lang="en-US" sz="2800" spc="-1" strike="noStrike">
+              <a:rPr b="1" i="1" lang="en-US" sz="2000" spc="-1" strike="noStrike">
                 <a:solidFill>
                   <a:srgbClr val="ffffff"/>
                 </a:solidFill>
                 <a:latin typeface="Arial"/>
                 <a:ea typeface="Arial"/>
               </a:rPr>
-              <a:t>Live Demo</a:t>
+              <a:t>DATASET</a:t>
             </a:r>
-            <a:endParaRPr b="0" lang="en-US" sz="2800" spc="-1" strike="noStrike">
+            <a:endParaRPr b="1" i="1" lang="en-US" sz="2000" spc="-1" strike="noStrike">
               <a:latin typeface="Arial"/>
             </a:endParaRPr>
           </a:p>
@@ -6354,8 +6339,8 @@
         </p:nvSpPr>
         <p:spPr>
           <a:xfrm>
-            <a:off x="456480" y="4822200"/>
-            <a:ext cx="11278800" cy="1633680"/>
+            <a:off x="274320" y="1828800"/>
+            <a:ext cx="11704320" cy="4937760"/>
           </a:xfrm>
           <a:prstGeom prst="rect">
             <a:avLst/>
@@ -6385,8 +6370,529 @@
         </p:nvSpPr>
         <p:spPr>
           <a:xfrm>
+            <a:off x="581040" y="702000"/>
+            <a:ext cx="11027520" cy="1011600"/>
+          </a:xfrm>
+          <a:prstGeom prst="rect">
+            <a:avLst/>
+          </a:prstGeom>
+          <a:noFill/>
+          <a:ln>
+            <a:noFill/>
+          </a:ln>
+        </p:spPr>
+        <p:style>
+          <a:lnRef idx="0"/>
+          <a:fillRef idx="0"/>
+          <a:effectRef idx="0"/>
+          <a:fontRef idx="minor"/>
+        </p:style>
+        <p:txBody>
+          <a:bodyPr lIns="0" rIns="0" tIns="0" bIns="0" anchor="ctr">
+            <a:noAutofit/>
+          </a:bodyPr>
+          <a:p>
+            <a:pPr>
+              <a:lnSpc>
+                <a:spcPct val="100000"/>
+              </a:lnSpc>
+              <a:tabLst>
+                <a:tab algn="l" pos="0"/>
+              </a:tabLst>
+            </a:pPr>
+            <a:r>
+              <a:rPr b="0" lang="en-US" sz="2800" spc="-1" strike="noStrike">
+                <a:solidFill>
+                  <a:srgbClr val="ffffff"/>
+                </a:solidFill>
+                <a:latin typeface="Arial"/>
+                <a:ea typeface="Arial"/>
+              </a:rPr>
+              <a:t> </a:t>
+            </a:r>
+            <a:r>
+              <a:rPr b="0" lang="en-US" sz="2800" spc="-1" strike="noStrike">
+                <a:solidFill>
+                  <a:srgbClr val="ffffff"/>
+                </a:solidFill>
+                <a:latin typeface="Arial"/>
+                <a:ea typeface="Arial"/>
+              </a:rPr>
+              <a:t>Live Demo</a:t>
+            </a:r>
+            <a:endParaRPr b="0" lang="en-US" sz="2800" spc="-1" strike="noStrike">
+              <a:latin typeface="Arial"/>
+            </a:endParaRPr>
+          </a:p>
+        </p:txBody>
+      </p:sp>
+    </p:spTree>
+  </p:cSld>
+  <mc:AlternateContent>
+    <mc:Choice Requires="p14">
+      <p:transition spd="slow" p14:dur="2000"/>
+    </mc:Choice>
+    <mc:Fallback>
+      <p:transition spd="slow"/>
+    </mc:Fallback>
+  </mc:AlternateContent>
+</p:sld>
+</file>
+
+<file path=ppt/slides/slide2.xml><?xml version="1.0" encoding="utf-8"?>
+<p:sld xmlns:a="http://schemas.openxmlformats.org/drawingml/2006/main" xmlns:p="http://schemas.openxmlformats.org/presentationml/2006/main" xmlns:r="http://schemas.openxmlformats.org/officeDocument/2006/relationships" xmlns:p14="http://schemas.microsoft.com/office/powerpoint/2010/main" xmlns:p15="http://schemas.microsoft.com/office/powerpoint/2012/main" xmlns:mc="http://schemas.openxmlformats.org/markup-compatibility/2006">
+  <p:cSld>
+    <p:spTree>
+      <p:nvGrpSpPr>
+        <p:cNvPr id="1" name=""/>
+        <p:cNvGrpSpPr/>
+        <p:nvPr/>
+      </p:nvGrpSpPr>
+      <p:grpSpPr>
+        <a:xfrm>
+          <a:off x="0" y="0"/>
+          <a:ext cx="0" cy="0"/>
+          <a:chOff x="0" y="0"/>
+          <a:chExt cx="0" cy="0"/>
+        </a:xfrm>
+      </p:grpSpPr>
+      <p:sp>
+        <p:nvSpPr>
+          <p:cNvPr id="86" name="CustomShape 1"/>
+          <p:cNvSpPr/>
+          <p:nvPr/>
+        </p:nvSpPr>
+        <p:spPr>
+          <a:xfrm>
+            <a:off x="456480" y="2250360"/>
+            <a:ext cx="11278440" cy="4205160"/>
+          </a:xfrm>
+          <a:prstGeom prst="rect">
+            <a:avLst/>
+          </a:prstGeom>
+          <a:solidFill>
+            <a:schemeClr val="accent1"/>
+          </a:solidFill>
+          <a:ln cap="rnd" w="9360">
+            <a:solidFill>
+              <a:srgbClr val="380e25"/>
+            </a:solidFill>
+            <a:round/>
+          </a:ln>
+        </p:spPr>
+        <p:style>
+          <a:lnRef idx="0"/>
+          <a:fillRef idx="0"/>
+          <a:effectRef idx="0"/>
+          <a:fontRef idx="minor"/>
+        </p:style>
+      </p:sp>
+      <p:sp>
+        <p:nvSpPr>
+          <p:cNvPr id="87" name="CustomShape 2"/>
+          <p:cNvSpPr/>
+          <p:nvPr/>
+        </p:nvSpPr>
+        <p:spPr>
+          <a:xfrm>
+            <a:off x="790200" y="1071720"/>
+            <a:ext cx="9991440" cy="654840"/>
+          </a:xfrm>
+          <a:prstGeom prst="rect">
+            <a:avLst/>
+          </a:prstGeom>
+          <a:noFill/>
+          <a:ln>
+            <a:noFill/>
+          </a:ln>
+        </p:spPr>
+        <p:style>
+          <a:lnRef idx="0"/>
+          <a:fillRef idx="0"/>
+          <a:effectRef idx="0"/>
+          <a:fontRef idx="minor"/>
+        </p:style>
+        <p:txBody>
+          <a:bodyPr lIns="90000" rIns="90000" tIns="91440" bIns="91440">
+            <a:spAutoFit/>
+          </a:bodyPr>
+          <a:p>
+            <a:pPr>
+              <a:lnSpc>
+                <a:spcPct val="100000"/>
+              </a:lnSpc>
+              <a:tabLst>
+                <a:tab algn="l" pos="0"/>
+              </a:tabLst>
+            </a:pPr>
+            <a:r>
+              <a:rPr b="0" lang="en-US" sz="3100" spc="-1" strike="noStrike">
+                <a:solidFill>
+                  <a:srgbClr val="4d1434"/>
+                </a:solidFill>
+                <a:latin typeface="Arial"/>
+                <a:ea typeface="Arial"/>
+              </a:rPr>
+              <a:t>Agenda</a:t>
+            </a:r>
+            <a:endParaRPr b="0" lang="en-US" sz="3100" spc="-1" strike="noStrike">
+              <a:latin typeface="Arial"/>
+            </a:endParaRPr>
+          </a:p>
+        </p:txBody>
+      </p:sp>
+      <p:sp>
+        <p:nvSpPr>
+          <p:cNvPr id="88" name="CustomShape 3"/>
+          <p:cNvSpPr/>
+          <p:nvPr/>
+        </p:nvSpPr>
+        <p:spPr>
+          <a:xfrm>
+            <a:off x="937800" y="2839680"/>
+            <a:ext cx="9133920" cy="3231720"/>
+          </a:xfrm>
+          <a:prstGeom prst="rect">
+            <a:avLst/>
+          </a:prstGeom>
+          <a:noFill/>
+          <a:ln>
+            <a:noFill/>
+          </a:ln>
+        </p:spPr>
+        <p:style>
+          <a:lnRef idx="0"/>
+          <a:fillRef idx="0"/>
+          <a:effectRef idx="0"/>
+          <a:fontRef idx="minor"/>
+        </p:style>
+        <p:txBody>
+          <a:bodyPr lIns="90000" rIns="90000" tIns="91440" bIns="91440">
+            <a:spAutoFit/>
+          </a:bodyPr>
+          <a:p>
+            <a:pPr marL="457200" indent="-354600">
+              <a:lnSpc>
+                <a:spcPct val="100000"/>
+              </a:lnSpc>
+              <a:buClr>
+                <a:srgbClr val="ffffff"/>
+              </a:buClr>
+              <a:buFont typeface="Arial"/>
+              <a:buChar char="●"/>
+            </a:pPr>
+            <a:r>
+              <a:rPr b="0" lang="en-US" sz="2000" spc="-1" strike="noStrike">
+                <a:solidFill>
+                  <a:srgbClr val="ffffff"/>
+                </a:solidFill>
+                <a:latin typeface="Arial"/>
+                <a:ea typeface="Arial"/>
+              </a:rPr>
+              <a:t>Introduction</a:t>
+            </a:r>
+            <a:endParaRPr b="0" lang="en-US" sz="2000" spc="-1" strike="noStrike">
+              <a:latin typeface="Arial"/>
+            </a:endParaRPr>
+          </a:p>
+          <a:p>
+            <a:pPr marL="457200" indent="-354600">
+              <a:lnSpc>
+                <a:spcPct val="100000"/>
+              </a:lnSpc>
+              <a:buClr>
+                <a:srgbClr val="ffffff"/>
+              </a:buClr>
+              <a:buFont typeface="Arial"/>
+              <a:buChar char="●"/>
+            </a:pPr>
+            <a:r>
+              <a:rPr b="0" lang="en-US" sz="2000" spc="-1" strike="noStrike">
+                <a:solidFill>
+                  <a:srgbClr val="ffffff"/>
+                </a:solidFill>
+                <a:latin typeface="Arial"/>
+                <a:ea typeface="Arial"/>
+              </a:rPr>
+              <a:t>Motivation</a:t>
+            </a:r>
+            <a:endParaRPr b="0" lang="en-US" sz="2000" spc="-1" strike="noStrike">
+              <a:latin typeface="Arial"/>
+            </a:endParaRPr>
+          </a:p>
+          <a:p>
+            <a:pPr marL="457200" indent="-354600">
+              <a:lnSpc>
+                <a:spcPct val="100000"/>
+              </a:lnSpc>
+              <a:buClr>
+                <a:srgbClr val="ffffff"/>
+              </a:buClr>
+              <a:buFont typeface="Arial"/>
+              <a:buChar char="●"/>
+            </a:pPr>
+            <a:r>
+              <a:rPr b="0" lang="en-US" sz="2000" spc="-1" strike="noStrike">
+                <a:solidFill>
+                  <a:srgbClr val="ffffff"/>
+                </a:solidFill>
+                <a:latin typeface="Arial"/>
+                <a:ea typeface="Arial"/>
+              </a:rPr>
+              <a:t>Problem Statement</a:t>
+            </a:r>
+            <a:endParaRPr b="0" lang="en-US" sz="2000" spc="-1" strike="noStrike">
+              <a:latin typeface="Arial"/>
+            </a:endParaRPr>
+          </a:p>
+          <a:p>
+            <a:pPr marL="457200" indent="-354600">
+              <a:lnSpc>
+                <a:spcPct val="100000"/>
+              </a:lnSpc>
+              <a:buClr>
+                <a:srgbClr val="ffffff"/>
+              </a:buClr>
+              <a:buFont typeface="Arial"/>
+              <a:buChar char="●"/>
+            </a:pPr>
+            <a:r>
+              <a:rPr b="0" lang="en-US" sz="2000" spc="-1" strike="noStrike">
+                <a:solidFill>
+                  <a:srgbClr val="ffffff"/>
+                </a:solidFill>
+                <a:latin typeface="Arial"/>
+                <a:ea typeface="Arial"/>
+              </a:rPr>
+              <a:t>Similar Systems</a:t>
+            </a:r>
+            <a:endParaRPr b="0" lang="en-US" sz="2000" spc="-1" strike="noStrike">
+              <a:latin typeface="Arial"/>
+            </a:endParaRPr>
+          </a:p>
+          <a:p>
+            <a:pPr marL="457200" indent="-354600">
+              <a:lnSpc>
+                <a:spcPct val="100000"/>
+              </a:lnSpc>
+              <a:buClr>
+                <a:srgbClr val="ffffff"/>
+              </a:buClr>
+              <a:buFont typeface="Arial"/>
+              <a:buChar char="●"/>
+            </a:pPr>
+            <a:r>
+              <a:rPr b="0" lang="en-US" sz="2000" spc="-1" strike="noStrike">
+                <a:solidFill>
+                  <a:srgbClr val="ffffff"/>
+                </a:solidFill>
+                <a:latin typeface="Arial"/>
+                <a:ea typeface="Arial"/>
+              </a:rPr>
+              <a:t>System Overview</a:t>
+            </a:r>
+            <a:endParaRPr b="0" lang="en-US" sz="2000" spc="-1" strike="noStrike">
+              <a:latin typeface="Arial"/>
+            </a:endParaRPr>
+          </a:p>
+          <a:p>
+            <a:pPr marL="457200" indent="-354600">
+              <a:lnSpc>
+                <a:spcPct val="100000"/>
+              </a:lnSpc>
+              <a:buClr>
+                <a:srgbClr val="ffffff"/>
+              </a:buClr>
+              <a:buFont typeface="Arial"/>
+              <a:buChar char="●"/>
+            </a:pPr>
+            <a:r>
+              <a:rPr b="0" lang="en-US" sz="2000" spc="-1" strike="noStrike">
+                <a:solidFill>
+                  <a:srgbClr val="ffffff"/>
+                </a:solidFill>
+                <a:latin typeface="Arial"/>
+                <a:ea typeface="Arial"/>
+              </a:rPr>
+              <a:t>Deliverables</a:t>
+            </a:r>
+            <a:endParaRPr b="0" lang="en-US" sz="2000" spc="-1" strike="noStrike">
+              <a:latin typeface="Arial"/>
+            </a:endParaRPr>
+          </a:p>
+          <a:p>
+            <a:pPr marL="457200" indent="-354600">
+              <a:lnSpc>
+                <a:spcPct val="100000"/>
+              </a:lnSpc>
+              <a:buClr>
+                <a:srgbClr val="ffffff"/>
+              </a:buClr>
+              <a:buFont typeface="Arial"/>
+              <a:buChar char="●"/>
+            </a:pPr>
+            <a:r>
+              <a:rPr b="0" lang="en-US" sz="2000" spc="-1" strike="noStrike">
+                <a:solidFill>
+                  <a:srgbClr val="ffffff"/>
+                </a:solidFill>
+                <a:latin typeface="Arial"/>
+                <a:ea typeface="Arial"/>
+              </a:rPr>
+              <a:t>Time plan</a:t>
+            </a:r>
+            <a:endParaRPr b="0" lang="en-US" sz="2000" spc="-1" strike="noStrike">
+              <a:latin typeface="Arial"/>
+            </a:endParaRPr>
+          </a:p>
+          <a:p>
+            <a:pPr marL="457200" indent="-354600">
+              <a:lnSpc>
+                <a:spcPct val="100000"/>
+              </a:lnSpc>
+              <a:buClr>
+                <a:srgbClr val="ffffff"/>
+              </a:buClr>
+              <a:buFont typeface="Arial"/>
+              <a:buChar char="●"/>
+            </a:pPr>
+            <a:r>
+              <a:rPr b="0" lang="en-US" sz="2000" spc="-1" strike="noStrike">
+                <a:solidFill>
+                  <a:srgbClr val="ffffff"/>
+                </a:solidFill>
+                <a:latin typeface="Arial"/>
+                <a:ea typeface="Arial"/>
+              </a:rPr>
+              <a:t>Supportive Documents</a:t>
+            </a:r>
+            <a:endParaRPr b="0" lang="en-US" sz="2000" spc="-1" strike="noStrike">
+              <a:latin typeface="Arial"/>
+            </a:endParaRPr>
+          </a:p>
+          <a:p>
+            <a:pPr marL="457200" indent="-354600">
+              <a:lnSpc>
+                <a:spcPct val="100000"/>
+              </a:lnSpc>
+              <a:buClr>
+                <a:srgbClr val="ffffff"/>
+              </a:buClr>
+              <a:buFont typeface="Arial"/>
+              <a:buChar char="●"/>
+            </a:pPr>
+            <a:r>
+              <a:rPr b="0" lang="en-US" sz="2000" spc="-1" strike="noStrike">
+                <a:solidFill>
+                  <a:srgbClr val="ffffff"/>
+                </a:solidFill>
+                <a:latin typeface="Arial"/>
+                <a:ea typeface="Arial"/>
+              </a:rPr>
+              <a:t>Live Demo</a:t>
+            </a:r>
+            <a:endParaRPr b="0" lang="en-US" sz="2000" spc="-1" strike="noStrike">
+              <a:latin typeface="Arial"/>
+            </a:endParaRPr>
+          </a:p>
+          <a:p>
+            <a:pPr marL="457200" indent="-354600">
+              <a:lnSpc>
+                <a:spcPct val="100000"/>
+              </a:lnSpc>
+              <a:buClr>
+                <a:srgbClr val="ffffff"/>
+              </a:buClr>
+              <a:buFont typeface="Arial"/>
+              <a:buChar char="●"/>
+            </a:pPr>
+            <a:r>
+              <a:rPr b="0" lang="en-US" sz="2000" spc="-1" strike="noStrike">
+                <a:solidFill>
+                  <a:srgbClr val="ffffff"/>
+                </a:solidFill>
+                <a:latin typeface="Arial"/>
+                <a:ea typeface="Arial"/>
+              </a:rPr>
+              <a:t>References</a:t>
+            </a:r>
+            <a:endParaRPr b="0" lang="en-US" sz="2000" spc="-1" strike="noStrike">
+              <a:latin typeface="Arial"/>
+            </a:endParaRPr>
+          </a:p>
+        </p:txBody>
+      </p:sp>
+    </p:spTree>
+  </p:cSld>
+  <mc:AlternateContent>
+    <mc:Choice Requires="p14">
+      <p:transition spd="slow" p14:dur="2000"/>
+    </mc:Choice>
+    <mc:Fallback>
+      <p:transition spd="slow"/>
+    </mc:Fallback>
+  </mc:AlternateContent>
+</p:sld>
+</file>
+
+<file path=ppt/slides/slide20.xml><?xml version="1.0" encoding="utf-8"?>
+<p:sld xmlns:a="http://schemas.openxmlformats.org/drawingml/2006/main" xmlns:p="http://schemas.openxmlformats.org/presentationml/2006/main" xmlns:r="http://schemas.openxmlformats.org/officeDocument/2006/relationships" xmlns:p14="http://schemas.microsoft.com/office/powerpoint/2010/main" xmlns:p15="http://schemas.microsoft.com/office/powerpoint/2012/main" xmlns:mc="http://schemas.openxmlformats.org/markup-compatibility/2006">
+  <p:cSld>
+    <p:spTree>
+      <p:nvGrpSpPr>
+        <p:cNvPr id="1" name=""/>
+        <p:cNvGrpSpPr/>
+        <p:nvPr/>
+      </p:nvGrpSpPr>
+      <p:grpSpPr>
+        <a:xfrm>
+          <a:off x="0" y="0"/>
+          <a:ext cx="0" cy="0"/>
+          <a:chOff x="0" y="0"/>
+          <a:chExt cx="0" cy="0"/>
+        </a:xfrm>
+      </p:grpSpPr>
+      <p:sp>
+        <p:nvSpPr>
+          <p:cNvPr id="157" name="CustomShape 1"/>
+          <p:cNvSpPr/>
+          <p:nvPr/>
+        </p:nvSpPr>
+        <p:spPr>
+          <a:xfrm>
+            <a:off x="456480" y="4822200"/>
+            <a:ext cx="11278440" cy="1633320"/>
+          </a:xfrm>
+          <a:prstGeom prst="rect">
+            <a:avLst/>
+          </a:prstGeom>
+          <a:solidFill>
+            <a:schemeClr val="accent1"/>
+          </a:solidFill>
+          <a:ln cap="rnd" w="9360">
+            <a:solidFill>
+              <a:srgbClr val="380e25"/>
+            </a:solidFill>
+            <a:round/>
+          </a:ln>
+        </p:spPr>
+        <p:style>
+          <a:lnRef idx="0"/>
+          <a:fillRef idx="0"/>
+          <a:effectRef idx="0"/>
+          <a:fontRef idx="minor"/>
+        </p:style>
+      </p:sp>
+      <p:sp>
+        <p:nvSpPr>
+          <p:cNvPr id="158" name="CustomShape 2"/>
+          <p:cNvSpPr/>
+          <p:nvPr/>
+        </p:nvSpPr>
+        <p:spPr>
+          <a:xfrm>
             <a:off x="3187800" y="2304000"/>
-            <a:ext cx="5517720" cy="1138320"/>
+            <a:ext cx="5517360" cy="1137960"/>
           </a:xfrm>
           <a:prstGeom prst="rect">
             <a:avLst/>
@@ -6446,14 +6952,14 @@
       </p:sp>
       <p:sp>
         <p:nvSpPr>
-          <p:cNvPr id="157" name="CustomShape 3"/>
+          <p:cNvPr id="159" name="CustomShape 3"/>
           <p:cNvSpPr/>
           <p:nvPr/>
         </p:nvSpPr>
         <p:spPr>
           <a:xfrm>
             <a:off x="3577680" y="5196960"/>
-            <a:ext cx="5035680" cy="594360"/>
+            <a:ext cx="5035320" cy="594000"/>
           </a:xfrm>
           <a:prstGeom prst="rect">
             <a:avLst/>
@@ -6542,7 +7048,7 @@
                                           </p:stCondLst>
                                         </p:cTn>
                                         <p:tgtEl>
-                                          <p:spTgt spid="156">
+                                          <p:spTgt spid="158">
                                             <p:txEl>
                                               <p:pRg st="0" end="0"/>
                                             </p:txEl>
@@ -6560,7 +7066,7 @@
                                       <p:cBhvr additive="repl">
                                         <p:cTn id="164" dur="500"/>
                                         <p:tgtEl>
-                                          <p:spTgt spid="156">
+                                          <p:spTgt spid="158">
                                             <p:txEl>
                                               <p:pRg st="0" end="0"/>
                                             </p:txEl>
@@ -6603,7 +7109,7 @@
                                           </p:stCondLst>
                                         </p:cTn>
                                         <p:tgtEl>
-                                          <p:spTgt spid="157">
+                                          <p:spTgt spid="159">
                                             <p:txEl>
                                               <p:pRg st="0" end="0"/>
                                             </p:txEl>
@@ -6621,7 +7127,7 @@
                                       <p:cBhvr additive="repl">
                                         <p:cTn id="169" dur="500"/>
                                         <p:tgtEl>
-                                          <p:spTgt spid="157">
+                                          <p:spTgt spid="159">
                                             <p:txEl>
                                               <p:pRg st="0" end="0"/>
                                             </p:txEl>
@@ -6663,7 +7169,7 @@
 </p:sld>
 </file>
 
-<file path=ppt/slides/slide2.xml><?xml version="1.0" encoding="utf-8"?>
+<file path=ppt/slides/slide21.xml><?xml version="1.0" encoding="utf-8"?>
 <p:sld xmlns:a="http://schemas.openxmlformats.org/drawingml/2006/main" xmlns:p="http://schemas.openxmlformats.org/presentationml/2006/main" xmlns:r="http://schemas.openxmlformats.org/officeDocument/2006/relationships" xmlns:p14="http://schemas.microsoft.com/office/powerpoint/2010/main" xmlns:p15="http://schemas.microsoft.com/office/powerpoint/2012/main" xmlns:mc="http://schemas.openxmlformats.org/markup-compatibility/2006">
   <p:cSld>
     <p:spTree>
@@ -6682,14 +7188,14 @@
       </p:grpSpPr>
       <p:sp>
         <p:nvSpPr>
-          <p:cNvPr id="86" name="CustomShape 1"/>
+          <p:cNvPr id="160" name="CustomShape 1"/>
           <p:cNvSpPr/>
           <p:nvPr/>
         </p:nvSpPr>
         <p:spPr>
           <a:xfrm>
-            <a:off x="456480" y="2250360"/>
-            <a:ext cx="11278800" cy="4205520"/>
+            <a:off x="468720" y="2079720"/>
+            <a:ext cx="11250360" cy="4618800"/>
           </a:xfrm>
           <a:prstGeom prst="rect">
             <a:avLst/>
@@ -6713,410 +7219,14 @@
       </p:sp>
       <p:sp>
         <p:nvSpPr>
-          <p:cNvPr id="87" name="CustomShape 2"/>
+          <p:cNvPr id="161" name="CustomShape 2"/>
           <p:cNvSpPr/>
           <p:nvPr/>
         </p:nvSpPr>
         <p:spPr>
           <a:xfrm>
-            <a:off x="790200" y="1071720"/>
-            <a:ext cx="9991800" cy="655200"/>
-          </a:xfrm>
-          <a:prstGeom prst="rect">
-            <a:avLst/>
-          </a:prstGeom>
-          <a:noFill/>
-          <a:ln>
-            <a:noFill/>
-          </a:ln>
-        </p:spPr>
-        <p:style>
-          <a:lnRef idx="0"/>
-          <a:fillRef idx="0"/>
-          <a:effectRef idx="0"/>
-          <a:fontRef idx="minor"/>
-        </p:style>
-        <p:txBody>
-          <a:bodyPr lIns="90000" rIns="90000" tIns="91440" bIns="91440">
-            <a:spAutoFit/>
-          </a:bodyPr>
-          <a:p>
-            <a:pPr>
-              <a:lnSpc>
-                <a:spcPct val="100000"/>
-              </a:lnSpc>
-              <a:tabLst>
-                <a:tab algn="l" pos="0"/>
-              </a:tabLst>
-            </a:pPr>
-            <a:r>
-              <a:rPr b="0" lang="en-US" sz="3100" spc="-1" strike="noStrike">
-                <a:solidFill>
-                  <a:srgbClr val="4d1434"/>
-                </a:solidFill>
-                <a:latin typeface="Arial"/>
-                <a:ea typeface="Arial"/>
-              </a:rPr>
-              <a:t>Agenda</a:t>
-            </a:r>
-            <a:endParaRPr b="0" lang="en-US" sz="3100" spc="-1" strike="noStrike">
-              <a:latin typeface="Arial"/>
-            </a:endParaRPr>
-          </a:p>
-        </p:txBody>
-      </p:sp>
-      <p:sp>
-        <p:nvSpPr>
-          <p:cNvPr id="88" name="CustomShape 3"/>
-          <p:cNvSpPr/>
-          <p:nvPr/>
-        </p:nvSpPr>
-        <p:spPr>
-          <a:xfrm>
-            <a:off x="937800" y="2839680"/>
-            <a:ext cx="9134280" cy="3232080"/>
-          </a:xfrm>
-          <a:prstGeom prst="rect">
-            <a:avLst/>
-          </a:prstGeom>
-          <a:noFill/>
-          <a:ln>
-            <a:noFill/>
-          </a:ln>
-        </p:spPr>
-        <p:style>
-          <a:lnRef idx="0"/>
-          <a:fillRef idx="0"/>
-          <a:effectRef idx="0"/>
-          <a:fontRef idx="minor"/>
-        </p:style>
-        <p:txBody>
-          <a:bodyPr lIns="90000" rIns="90000" tIns="91440" bIns="91440">
-            <a:spAutoFit/>
-          </a:bodyPr>
-          <a:p>
-            <a:pPr marL="457200" indent="-354960">
-              <a:lnSpc>
-                <a:spcPct val="100000"/>
-              </a:lnSpc>
-              <a:buClr>
-                <a:srgbClr val="ffffff"/>
-              </a:buClr>
-              <a:buFont typeface="Arial"/>
-              <a:buChar char="●"/>
-            </a:pPr>
-            <a:r>
-              <a:rPr b="0" lang="en-US" sz="2000" spc="-1" strike="noStrike">
-                <a:solidFill>
-                  <a:srgbClr val="ffffff"/>
-                </a:solidFill>
-                <a:latin typeface="Arial"/>
-                <a:ea typeface="Arial"/>
-              </a:rPr>
-              <a:t>Introduction</a:t>
-            </a:r>
-            <a:endParaRPr b="0" lang="en-US" sz="2000" spc="-1" strike="noStrike">
-              <a:latin typeface="Arial"/>
-            </a:endParaRPr>
-          </a:p>
-          <a:p>
-            <a:pPr marL="457200" indent="-354960">
-              <a:lnSpc>
-                <a:spcPct val="100000"/>
-              </a:lnSpc>
-              <a:buClr>
-                <a:srgbClr val="ffffff"/>
-              </a:buClr>
-              <a:buFont typeface="Arial"/>
-              <a:buChar char="●"/>
-            </a:pPr>
-            <a:r>
-              <a:rPr b="0" lang="en-US" sz="2000" spc="-1" strike="noStrike">
-                <a:solidFill>
-                  <a:srgbClr val="ffffff"/>
-                </a:solidFill>
-                <a:latin typeface="Arial"/>
-                <a:ea typeface="Arial"/>
-              </a:rPr>
-              <a:t>Motivation</a:t>
-            </a:r>
-            <a:endParaRPr b="0" lang="en-US" sz="2000" spc="-1" strike="noStrike">
-              <a:latin typeface="Arial"/>
-            </a:endParaRPr>
-          </a:p>
-          <a:p>
-            <a:pPr marL="457200" indent="-354960">
-              <a:lnSpc>
-                <a:spcPct val="100000"/>
-              </a:lnSpc>
-              <a:buClr>
-                <a:srgbClr val="ffffff"/>
-              </a:buClr>
-              <a:buFont typeface="Arial"/>
-              <a:buChar char="●"/>
-            </a:pPr>
-            <a:r>
-              <a:rPr b="0" lang="en-US" sz="2000" spc="-1" strike="noStrike">
-                <a:solidFill>
-                  <a:srgbClr val="ffffff"/>
-                </a:solidFill>
-                <a:latin typeface="Arial"/>
-                <a:ea typeface="Arial"/>
-              </a:rPr>
-              <a:t>Problem Statement</a:t>
-            </a:r>
-            <a:endParaRPr b="0" lang="en-US" sz="2000" spc="-1" strike="noStrike">
-              <a:latin typeface="Arial"/>
-            </a:endParaRPr>
-          </a:p>
-          <a:p>
-            <a:pPr marL="457200" indent="-354960">
-              <a:lnSpc>
-                <a:spcPct val="100000"/>
-              </a:lnSpc>
-              <a:buClr>
-                <a:srgbClr val="ffffff"/>
-              </a:buClr>
-              <a:buFont typeface="Arial"/>
-              <a:buChar char="●"/>
-            </a:pPr>
-            <a:r>
-              <a:rPr b="0" lang="en-US" sz="2000" spc="-1" strike="noStrike">
-                <a:solidFill>
-                  <a:srgbClr val="ffffff"/>
-                </a:solidFill>
-                <a:latin typeface="Arial"/>
-                <a:ea typeface="Arial"/>
-              </a:rPr>
-              <a:t>Similar Systems</a:t>
-            </a:r>
-            <a:endParaRPr b="0" lang="en-US" sz="2000" spc="-1" strike="noStrike">
-              <a:latin typeface="Arial"/>
-            </a:endParaRPr>
-          </a:p>
-          <a:p>
-            <a:pPr marL="457200" indent="-354960">
-              <a:lnSpc>
-                <a:spcPct val="100000"/>
-              </a:lnSpc>
-              <a:buClr>
-                <a:srgbClr val="ffffff"/>
-              </a:buClr>
-              <a:buFont typeface="Arial"/>
-              <a:buChar char="●"/>
-            </a:pPr>
-            <a:r>
-              <a:rPr b="0" lang="en-US" sz="2000" spc="-1" strike="noStrike">
-                <a:solidFill>
-                  <a:srgbClr val="ffffff"/>
-                </a:solidFill>
-                <a:latin typeface="Arial"/>
-                <a:ea typeface="Arial"/>
-              </a:rPr>
-              <a:t>System Overview</a:t>
-            </a:r>
-            <a:endParaRPr b="0" lang="en-US" sz="2000" spc="-1" strike="noStrike">
-              <a:latin typeface="Arial"/>
-            </a:endParaRPr>
-          </a:p>
-          <a:p>
-            <a:pPr marL="457200" indent="-354960">
-              <a:lnSpc>
-                <a:spcPct val="100000"/>
-              </a:lnSpc>
-              <a:buClr>
-                <a:srgbClr val="ffffff"/>
-              </a:buClr>
-              <a:buFont typeface="Arial"/>
-              <a:buChar char="●"/>
-            </a:pPr>
-            <a:r>
-              <a:rPr b="0" lang="en-US" sz="2000" spc="-1" strike="noStrike">
-                <a:solidFill>
-                  <a:srgbClr val="ffffff"/>
-                </a:solidFill>
-                <a:latin typeface="Arial"/>
-                <a:ea typeface="Arial"/>
-              </a:rPr>
-              <a:t>Deliverables</a:t>
-            </a:r>
-            <a:endParaRPr b="0" lang="en-US" sz="2000" spc="-1" strike="noStrike">
-              <a:latin typeface="Arial"/>
-            </a:endParaRPr>
-          </a:p>
-          <a:p>
-            <a:pPr marL="457200" indent="-354960">
-              <a:lnSpc>
-                <a:spcPct val="100000"/>
-              </a:lnSpc>
-              <a:buClr>
-                <a:srgbClr val="ffffff"/>
-              </a:buClr>
-              <a:buFont typeface="Arial"/>
-              <a:buChar char="●"/>
-            </a:pPr>
-            <a:r>
-              <a:rPr b="0" lang="en-US" sz="2000" spc="-1" strike="noStrike">
-                <a:solidFill>
-                  <a:srgbClr val="ffffff"/>
-                </a:solidFill>
-                <a:latin typeface="Arial"/>
-                <a:ea typeface="Arial"/>
-              </a:rPr>
-              <a:t>Time plan</a:t>
-            </a:r>
-            <a:endParaRPr b="0" lang="en-US" sz="2000" spc="-1" strike="noStrike">
-              <a:latin typeface="Arial"/>
-            </a:endParaRPr>
-          </a:p>
-          <a:p>
-            <a:pPr marL="457200" indent="-354960">
-              <a:lnSpc>
-                <a:spcPct val="100000"/>
-              </a:lnSpc>
-              <a:buClr>
-                <a:srgbClr val="ffffff"/>
-              </a:buClr>
-              <a:buFont typeface="Arial"/>
-              <a:buChar char="●"/>
-            </a:pPr>
-            <a:r>
-              <a:rPr b="0" lang="en-US" sz="2000" spc="-1" strike="noStrike">
-                <a:solidFill>
-                  <a:srgbClr val="ffffff"/>
-                </a:solidFill>
-                <a:latin typeface="Arial"/>
-                <a:ea typeface="Arial"/>
-              </a:rPr>
-              <a:t>Supportive Documents</a:t>
-            </a:r>
-            <a:endParaRPr b="0" lang="en-US" sz="2000" spc="-1" strike="noStrike">
-              <a:latin typeface="Arial"/>
-            </a:endParaRPr>
-          </a:p>
-          <a:p>
-            <a:pPr marL="457200" indent="-354960">
-              <a:lnSpc>
-                <a:spcPct val="100000"/>
-              </a:lnSpc>
-              <a:buClr>
-                <a:srgbClr val="ffffff"/>
-              </a:buClr>
-              <a:buFont typeface="Arial"/>
-              <a:buChar char="●"/>
-            </a:pPr>
-            <a:r>
-              <a:rPr b="0" lang="en-US" sz="2000" spc="-1" strike="noStrike">
-                <a:solidFill>
-                  <a:srgbClr val="ffffff"/>
-                </a:solidFill>
-                <a:latin typeface="Arial"/>
-                <a:ea typeface="Arial"/>
-              </a:rPr>
-              <a:t>Live Demo</a:t>
-            </a:r>
-            <a:endParaRPr b="0" lang="en-US" sz="2000" spc="-1" strike="noStrike">
-              <a:latin typeface="Arial"/>
-            </a:endParaRPr>
-          </a:p>
-          <a:p>
-            <a:pPr marL="457200" indent="-354960">
-              <a:lnSpc>
-                <a:spcPct val="100000"/>
-              </a:lnSpc>
-              <a:buClr>
-                <a:srgbClr val="ffffff"/>
-              </a:buClr>
-              <a:buFont typeface="Arial"/>
-              <a:buChar char="●"/>
-            </a:pPr>
-            <a:r>
-              <a:rPr b="0" lang="en-US" sz="2000" spc="-1" strike="noStrike">
-                <a:solidFill>
-                  <a:srgbClr val="ffffff"/>
-                </a:solidFill>
-                <a:latin typeface="Arial"/>
-                <a:ea typeface="Arial"/>
-              </a:rPr>
-              <a:t>References</a:t>
-            </a:r>
-            <a:endParaRPr b="0" lang="en-US" sz="2000" spc="-1" strike="noStrike">
-              <a:latin typeface="Arial"/>
-            </a:endParaRPr>
-          </a:p>
-        </p:txBody>
-      </p:sp>
-    </p:spTree>
-  </p:cSld>
-  <mc:AlternateContent>
-    <mc:Choice Requires="p14">
-      <p:transition spd="slow" p14:dur="2000"/>
-    </mc:Choice>
-    <mc:Fallback>
-      <p:transition spd="slow"/>
-    </mc:Fallback>
-  </mc:AlternateContent>
-</p:sld>
-</file>
-
-<file path=ppt/slides/slide20.xml><?xml version="1.0" encoding="utf-8"?>
-<p:sld xmlns:a="http://schemas.openxmlformats.org/drawingml/2006/main" xmlns:p="http://schemas.openxmlformats.org/presentationml/2006/main" xmlns:r="http://schemas.openxmlformats.org/officeDocument/2006/relationships" xmlns:p14="http://schemas.microsoft.com/office/powerpoint/2010/main" xmlns:p15="http://schemas.microsoft.com/office/powerpoint/2012/main" xmlns:mc="http://schemas.openxmlformats.org/markup-compatibility/2006">
-  <p:cSld>
-    <p:spTree>
-      <p:nvGrpSpPr>
-        <p:cNvPr id="1" name=""/>
-        <p:cNvGrpSpPr/>
-        <p:nvPr/>
-      </p:nvGrpSpPr>
-      <p:grpSpPr>
-        <a:xfrm>
-          <a:off x="0" y="0"/>
-          <a:ext cx="0" cy="0"/>
-          <a:chOff x="0" y="0"/>
-          <a:chExt cx="0" cy="0"/>
-        </a:xfrm>
-      </p:grpSpPr>
-      <p:sp>
-        <p:nvSpPr>
-          <p:cNvPr id="158" name="CustomShape 1"/>
-          <p:cNvSpPr/>
-          <p:nvPr/>
-        </p:nvSpPr>
-        <p:spPr>
-          <a:xfrm>
-            <a:off x="468720" y="2079720"/>
-            <a:ext cx="11250720" cy="4619160"/>
-          </a:xfrm>
-          <a:prstGeom prst="rect">
-            <a:avLst/>
-          </a:prstGeom>
-          <a:solidFill>
-            <a:schemeClr val="accent1"/>
-          </a:solidFill>
-          <a:ln cap="rnd" w="9360">
-            <a:solidFill>
-              <a:srgbClr val="380e25"/>
-            </a:solidFill>
-            <a:round/>
-          </a:ln>
-        </p:spPr>
-        <p:style>
-          <a:lnRef idx="0"/>
-          <a:fillRef idx="0"/>
-          <a:effectRef idx="0"/>
-          <a:fontRef idx="minor"/>
-        </p:style>
-      </p:sp>
-      <p:sp>
-        <p:nvSpPr>
-          <p:cNvPr id="159" name="CustomShape 2"/>
-          <p:cNvSpPr/>
-          <p:nvPr/>
-        </p:nvSpPr>
-        <p:spPr>
-          <a:xfrm>
             <a:off x="709920" y="910800"/>
-            <a:ext cx="2705040" cy="655200"/>
+            <a:ext cx="2704680" cy="654840"/>
           </a:xfrm>
           <a:prstGeom prst="rect">
             <a:avLst/>
@@ -7163,14 +7273,14 @@
       </p:sp>
       <p:sp>
         <p:nvSpPr>
-          <p:cNvPr id="160" name="CustomShape 3"/>
+          <p:cNvPr id="162" name="CustomShape 3"/>
           <p:cNvSpPr/>
           <p:nvPr/>
         </p:nvSpPr>
         <p:spPr>
           <a:xfrm>
             <a:off x="964440" y="2812680"/>
-            <a:ext cx="7674480" cy="1783080"/>
+            <a:ext cx="7674120" cy="1782720"/>
           </a:xfrm>
           <a:prstGeom prst="rect">
             <a:avLst/>
@@ -7191,7 +7301,7 @@
             <a:spAutoFit/>
           </a:bodyPr>
           <a:p>
-            <a:pPr marL="457200" indent="-361080">
+            <a:pPr marL="457200" indent="-360720">
               <a:lnSpc>
                 <a:spcPct val="100000"/>
               </a:lnSpc>
@@ -7231,7 +7341,7 @@
             </a:endParaRPr>
           </a:p>
           <a:p>
-            <a:pPr marL="457200" indent="-361080">
+            <a:pPr marL="457200" indent="-360720">
               <a:lnSpc>
                 <a:spcPct val="100000"/>
               </a:lnSpc>
@@ -7274,7 +7384,7 @@
             </a:endParaRPr>
           </a:p>
           <a:p>
-            <a:pPr marL="457200" indent="-361080">
+            <a:pPr marL="457200" indent="-360720">
               <a:lnSpc>
                 <a:spcPct val="100000"/>
               </a:lnSpc>
@@ -7348,7 +7458,7 @@
                                           </p:stCondLst>
                                         </p:cTn>
                                         <p:tgtEl>
-                                          <p:spTgt spid="160">
+                                          <p:spTgt spid="162">
                                             <p:txEl>
                                               <p:pRg st="0" end="0"/>
                                             </p:txEl>
@@ -7366,7 +7476,7 @@
                                       <p:cBhvr additive="repl">
                                         <p:cTn id="176" dur="500"/>
                                         <p:tgtEl>
-                                          <p:spTgt spid="160">
+                                          <p:spTgt spid="162">
                                             <p:txEl>
                                               <p:pRg st="0" end="0"/>
                                             </p:txEl>
@@ -7391,7 +7501,7 @@
                                           </p:stCondLst>
                                         </p:cTn>
                                         <p:tgtEl>
-                                          <p:spTgt spid="160">
+                                          <p:spTgt spid="162">
                                             <p:txEl>
                                               <p:pRg st="2" end="2"/>
                                             </p:txEl>
@@ -7409,7 +7519,7 @@
                                       <p:cBhvr additive="repl">
                                         <p:cTn id="179" dur="500"/>
                                         <p:tgtEl>
-                                          <p:spTgt spid="160">
+                                          <p:spTgt spid="162">
                                             <p:txEl>
                                               <p:pRg st="2" end="2"/>
                                             </p:txEl>
@@ -7434,7 +7544,7 @@
                                           </p:stCondLst>
                                         </p:cTn>
                                         <p:tgtEl>
-                                          <p:spTgt spid="160">
+                                          <p:spTgt spid="162">
                                             <p:txEl>
                                               <p:pRg st="4" end="4"/>
                                             </p:txEl>
@@ -7452,7 +7562,7 @@
                                       <p:cBhvr additive="repl">
                                         <p:cTn id="182" dur="500"/>
                                         <p:tgtEl>
-                                          <p:spTgt spid="160">
+                                          <p:spTgt spid="162">
                                             <p:txEl>
                                               <p:pRg st="4" end="4"/>
                                             </p:txEl>
@@ -7520,7 +7630,7 @@
         <p:spPr>
           <a:xfrm>
             <a:off x="483480" y="852120"/>
-            <a:ext cx="3494160" cy="594000"/>
+            <a:ext cx="3493800" cy="593640"/>
           </a:xfrm>
           <a:prstGeom prst="rect">
             <a:avLst/>
@@ -7574,7 +7684,7 @@
         <p:spPr>
           <a:xfrm>
             <a:off x="483480" y="2530800"/>
-            <a:ext cx="9786960" cy="430560"/>
+            <a:ext cx="9786600" cy="430200"/>
           </a:xfrm>
           <a:prstGeom prst="rect">
             <a:avLst/>
@@ -7600,7 +7710,7 @@
         <p:spPr>
           <a:xfrm>
             <a:off x="442080" y="2045880"/>
-            <a:ext cx="11307600" cy="4673880"/>
+            <a:ext cx="11307240" cy="4673520"/>
           </a:xfrm>
           <a:prstGeom prst="rect">
             <a:avLst/>
@@ -7635,7 +7745,7 @@
         <p:spPr>
           <a:xfrm>
             <a:off x="6714720" y="2484360"/>
-            <a:ext cx="4506480" cy="3513960"/>
+            <a:ext cx="4506120" cy="3513600"/>
           </a:xfrm>
           <a:prstGeom prst="rect">
             <a:avLst/>
@@ -7654,7 +7764,7 @@
         <p:spPr>
           <a:xfrm>
             <a:off x="670320" y="2180520"/>
-            <a:ext cx="5626440" cy="4449960"/>
+            <a:ext cx="5626080" cy="4449600"/>
           </a:xfrm>
           <a:prstGeom prst="rect">
             <a:avLst/>
@@ -7688,7 +7798,7 @@
             </a:endParaRPr>
           </a:p>
           <a:p>
-            <a:pPr marL="457200" indent="-335880">
+            <a:pPr marL="457200" indent="-335520">
               <a:lnSpc>
                 <a:spcPct val="100000"/>
               </a:lnSpc>
@@ -7729,7 +7839,7 @@
             </a:endParaRPr>
           </a:p>
           <a:p>
-            <a:pPr marL="457200" indent="-335880">
+            <a:pPr marL="457200" indent="-335520">
               <a:lnSpc>
                 <a:spcPct val="100000"/>
               </a:lnSpc>
@@ -7768,7 +7878,7 @@
             </a:endParaRPr>
           </a:p>
           <a:p>
-            <a:pPr marL="457200" indent="-335880">
+            <a:pPr marL="457200" indent="-335520">
               <a:lnSpc>
                 <a:spcPct val="100000"/>
               </a:lnSpc>
@@ -7807,7 +7917,7 @@
             </a:endParaRPr>
           </a:p>
           <a:p>
-            <a:pPr marL="457200" indent="-335880">
+            <a:pPr marL="457200" indent="-335520">
               <a:lnSpc>
                 <a:spcPct val="100000"/>
               </a:lnSpc>
@@ -8162,7 +8272,7 @@
         <p:spPr>
           <a:xfrm>
             <a:off x="581040" y="778320"/>
-            <a:ext cx="4309920" cy="760680"/>
+            <a:ext cx="4309560" cy="760320"/>
           </a:xfrm>
           <a:prstGeom prst="rect">
             <a:avLst/>
@@ -8216,7 +8326,7 @@
         <p:spPr>
           <a:xfrm>
             <a:off x="975960" y="2540160"/>
-            <a:ext cx="7699320" cy="399600"/>
+            <a:ext cx="7698960" cy="399240"/>
           </a:xfrm>
           <a:prstGeom prst="rect">
             <a:avLst/>
@@ -8242,7 +8352,7 @@
         <p:spPr>
           <a:xfrm>
             <a:off x="456480" y="2022480"/>
-            <a:ext cx="11278800" cy="4500000"/>
+            <a:ext cx="11278440" cy="4499640"/>
           </a:xfrm>
           <a:prstGeom prst="rect">
             <a:avLst/>
@@ -8277,7 +8387,7 @@
         <p:spPr>
           <a:xfrm>
             <a:off x="7956000" y="2676600"/>
-            <a:ext cx="3299400" cy="2499480"/>
+            <a:ext cx="3299040" cy="2499120"/>
           </a:xfrm>
           <a:prstGeom prst="rect">
             <a:avLst/>
@@ -8307,7 +8417,7 @@
         <p:spPr>
           <a:xfrm>
             <a:off x="975960" y="2288520"/>
-            <a:ext cx="4901760" cy="3474720"/>
+            <a:ext cx="4901400" cy="3474360"/>
           </a:xfrm>
           <a:prstGeom prst="rect">
             <a:avLst/>
@@ -8328,7 +8438,7 @@
             <a:spAutoFit/>
           </a:bodyPr>
           <a:p>
-            <a:pPr marL="457200" indent="-342360">
+            <a:pPr marL="457200" indent="-342000">
               <a:lnSpc>
                 <a:spcPct val="100000"/>
               </a:lnSpc>
@@ -8366,7 +8476,7 @@
             </a:endParaRPr>
           </a:p>
           <a:p>
-            <a:pPr marL="457200" indent="-342360">
+            <a:pPr marL="457200" indent="-342000">
               <a:lnSpc>
                 <a:spcPct val="100000"/>
               </a:lnSpc>
@@ -8568,7 +8678,7 @@
         <p:spPr>
           <a:xfrm>
             <a:off x="640080" y="914400"/>
-            <a:ext cx="4351320" cy="486360"/>
+            <a:ext cx="4350960" cy="486000"/>
           </a:xfrm>
           <a:prstGeom prst="rect">
             <a:avLst/>
@@ -8622,7 +8732,7 @@
         <p:spPr>
           <a:xfrm>
             <a:off x="457200" y="1957320"/>
-            <a:ext cx="11278800" cy="4568760"/>
+            <a:ext cx="11278440" cy="4568400"/>
           </a:xfrm>
           <a:prstGeom prst="rect">
             <a:avLst/>
@@ -8653,7 +8763,7 @@
         <p:spPr>
           <a:xfrm>
             <a:off x="640080" y="2926440"/>
-            <a:ext cx="6568920" cy="4146480"/>
+            <a:ext cx="6568560" cy="4146480"/>
           </a:xfrm>
           <a:prstGeom prst="rect">
             <a:avLst/>
@@ -8674,7 +8784,7 @@
             <a:spAutoFit/>
           </a:bodyPr>
           <a:p>
-            <a:pPr marL="457200" indent="-354960">
+            <a:pPr marL="457200" indent="-354600">
               <a:lnSpc>
                 <a:spcPct val="100000"/>
               </a:lnSpc>
@@ -8699,7 +8809,7 @@
             </a:endParaRPr>
           </a:p>
           <a:p>
-            <a:pPr marL="457200" indent="-354960">
+            <a:pPr marL="457200" indent="-354600">
               <a:lnSpc>
                 <a:spcPct val="100000"/>
               </a:lnSpc>
@@ -8816,7 +8926,7 @@
         <p:spPr>
           <a:xfrm>
             <a:off x="7496640" y="2151000"/>
-            <a:ext cx="3620160" cy="2804400"/>
+            <a:ext cx="3619800" cy="2804040"/>
           </a:xfrm>
           <a:prstGeom prst="rect">
             <a:avLst/>
@@ -9007,7 +9117,7 @@
         <p:spPr>
           <a:xfrm>
             <a:off x="585720" y="914400"/>
-            <a:ext cx="4351320" cy="486360"/>
+            <a:ext cx="4350960" cy="486000"/>
           </a:xfrm>
           <a:prstGeom prst="rect">
             <a:avLst/>
@@ -9061,7 +9171,7 @@
         <p:spPr>
           <a:xfrm>
             <a:off x="456480" y="2022480"/>
-            <a:ext cx="11278800" cy="4433400"/>
+            <a:ext cx="11278440" cy="4433040"/>
           </a:xfrm>
           <a:prstGeom prst="rect">
             <a:avLst/>
@@ -9092,7 +9202,7 @@
         <p:spPr>
           <a:xfrm>
             <a:off x="1379520" y="2544840"/>
-            <a:ext cx="9321840" cy="3475080"/>
+            <a:ext cx="9321480" cy="3474720"/>
           </a:xfrm>
           <a:prstGeom prst="rect">
             <a:avLst/>
@@ -9113,7 +9223,7 @@
             <a:spAutoFit/>
           </a:bodyPr>
           <a:p>
-            <a:pPr marL="457200" indent="-342360">
+            <a:pPr marL="457200" indent="-342000">
               <a:lnSpc>
                 <a:spcPct val="100000"/>
               </a:lnSpc>
@@ -9151,7 +9261,7 @@
             </a:endParaRPr>
           </a:p>
           <a:p>
-            <a:pPr marL="457200" indent="-342360">
+            <a:pPr marL="457200" indent="-342000">
               <a:lnSpc>
                 <a:spcPct val="100000"/>
               </a:lnSpc>
@@ -9192,7 +9302,7 @@
             </a:endParaRPr>
           </a:p>
           <a:p>
-            <a:pPr marL="457200" indent="-342360">
+            <a:pPr marL="457200" indent="-342000">
               <a:lnSpc>
                 <a:spcPct val="100000"/>
               </a:lnSpc>
@@ -9351,7 +9461,7 @@
         <p:spPr>
           <a:xfrm>
             <a:off x="581760" y="706680"/>
-            <a:ext cx="11027880" cy="1011960"/>
+            <a:ext cx="11027520" cy="1011600"/>
           </a:xfrm>
           <a:prstGeom prst="rect">
             <a:avLst/>
@@ -9377,7 +9487,7 @@
         <p:spPr>
           <a:xfrm>
             <a:off x="763560" y="803520"/>
-            <a:ext cx="10728360" cy="655200"/>
+            <a:ext cx="10728000" cy="654840"/>
           </a:xfrm>
           <a:prstGeom prst="rect">
             <a:avLst/>
@@ -9431,7 +9541,7 @@
         <p:spPr>
           <a:xfrm>
             <a:off x="456480" y="1942200"/>
-            <a:ext cx="11278800" cy="4513680"/>
+            <a:ext cx="11278440" cy="4513320"/>
           </a:xfrm>
           <a:prstGeom prst="rect">
             <a:avLst/>
@@ -9466,7 +9576,7 @@
         <p:spPr>
           <a:xfrm>
             <a:off x="1868760" y="2163600"/>
-            <a:ext cx="8517960" cy="4070520"/>
+            <a:ext cx="8517600" cy="4070160"/>
           </a:xfrm>
           <a:prstGeom prst="rect">
             <a:avLst/>
@@ -9608,7 +9718,7 @@
         <p:spPr>
           <a:xfrm>
             <a:off x="581040" y="702000"/>
-            <a:ext cx="11027880" cy="910080"/>
+            <a:ext cx="11027520" cy="909720"/>
           </a:xfrm>
           <a:prstGeom prst="rect">
             <a:avLst/>
@@ -9663,7 +9773,7 @@
         <p:spPr>
           <a:xfrm>
             <a:off x="457200" y="1957320"/>
-            <a:ext cx="11278800" cy="4498200"/>
+            <a:ext cx="11278440" cy="4497840"/>
           </a:xfrm>
           <a:prstGeom prst="rect">
             <a:avLst/>
@@ -9694,7 +9804,7 @@
         <p:spPr>
           <a:xfrm>
             <a:off x="800640" y="2384280"/>
-            <a:ext cx="10542960" cy="3749040"/>
+            <a:ext cx="10542600" cy="3748680"/>
           </a:xfrm>
           <a:prstGeom prst="rect">
             <a:avLst/>
@@ -9715,7 +9825,7 @@
             <a:spAutoFit/>
           </a:bodyPr>
           <a:p>
-            <a:pPr marL="457200" indent="-342360">
+            <a:pPr marL="457200" indent="-342000">
               <a:lnSpc>
                 <a:spcPct val="100000"/>
               </a:lnSpc>
@@ -9766,7 +9876,7 @@
             </a:endParaRPr>
           </a:p>
           <a:p>
-            <a:pPr marL="457200" indent="-342360">
+            <a:pPr marL="457200" indent="-342000">
               <a:lnSpc>
                 <a:spcPct val="100000"/>
               </a:lnSpc>
@@ -9820,7 +9930,7 @@
             </a:endParaRPr>
           </a:p>
           <a:p>
-            <a:pPr marL="457200" indent="-342360">
+            <a:pPr marL="457200" indent="-342000">
               <a:lnSpc>
                 <a:spcPct val="100000"/>
               </a:lnSpc>
@@ -9897,7 +10007,7 @@
             </a:endParaRPr>
           </a:p>
           <a:p>
-            <a:pPr marL="457200" indent="-342360">
+            <a:pPr marL="457200" indent="-342000">
               <a:lnSpc>
                 <a:spcPct val="100000"/>
               </a:lnSpc>
@@ -10241,7 +10351,7 @@
         <p:spPr>
           <a:xfrm>
             <a:off x="581040" y="833760"/>
-            <a:ext cx="11027880" cy="714960"/>
+            <a:ext cx="11027520" cy="714600"/>
           </a:xfrm>
           <a:prstGeom prst="rect">
             <a:avLst/>
@@ -10295,7 +10405,7 @@
         <p:spPr>
           <a:xfrm>
             <a:off x="468720" y="2079720"/>
-            <a:ext cx="11250720" cy="4619160"/>
+            <a:ext cx="11250360" cy="4618800"/>
           </a:xfrm>
           <a:prstGeom prst="rect">
             <a:avLst/>
@@ -10326,7 +10436,7 @@
         <p:spPr>
           <a:xfrm>
             <a:off x="723240" y="2277000"/>
-            <a:ext cx="5196600" cy="578880"/>
+            <a:ext cx="5196240" cy="578520"/>
           </a:xfrm>
           <a:prstGeom prst="rect">
             <a:avLst/>
@@ -10384,7 +10494,7 @@
         <p:spPr>
           <a:xfrm>
             <a:off x="7876080" y="4844520"/>
-            <a:ext cx="3282840" cy="1060200"/>
+            <a:ext cx="3282480" cy="1059840"/>
           </a:xfrm>
           <a:prstGeom prst="rect">
             <a:avLst/>
@@ -10407,7 +10517,7 @@
         <p:spPr>
           <a:xfrm>
             <a:off x="7876080" y="3626280"/>
-            <a:ext cx="3282840" cy="1060200"/>
+            <a:ext cx="3282480" cy="1059840"/>
           </a:xfrm>
           <a:prstGeom prst="rect">
             <a:avLst/>
@@ -10430,7 +10540,7 @@
         <p:spPr>
           <a:xfrm>
             <a:off x="7876080" y="2408040"/>
-            <a:ext cx="3282840" cy="1060200"/>
+            <a:ext cx="3282480" cy="1059840"/>
           </a:xfrm>
           <a:prstGeom prst="rect">
             <a:avLst/>
@@ -10449,7 +10559,7 @@
         <p:spPr>
           <a:xfrm>
             <a:off x="803520" y="3281760"/>
-            <a:ext cx="5169600" cy="2103120"/>
+            <a:ext cx="5169240" cy="2102760"/>
           </a:xfrm>
           <a:prstGeom prst="rect">
             <a:avLst/>
@@ -10470,7 +10580,7 @@
             <a:spAutoFit/>
           </a:bodyPr>
           <a:p>
-            <a:pPr marL="457200" indent="-361080">
+            <a:pPr marL="457200" indent="-360720">
               <a:lnSpc>
                 <a:spcPct val="100000"/>
               </a:lnSpc>
@@ -10508,7 +10618,7 @@
             </a:endParaRPr>
           </a:p>
           <a:p>
-            <a:pPr marL="457200" indent="-361080">
+            <a:pPr marL="457200" indent="-360720">
               <a:lnSpc>
                 <a:spcPct val="100000"/>
               </a:lnSpc>
@@ -10549,7 +10659,7 @@
             </a:endParaRPr>
           </a:p>
           <a:p>
-            <a:pPr marL="457200" indent="-361080">
+            <a:pPr marL="457200" indent="-360720">
               <a:lnSpc>
                 <a:spcPct val="100000"/>
               </a:lnSpc>
